--- a/figs/mock-ups.pptx
+++ b/figs/mock-ups.pptx
@@ -5,13 +5,14 @@
     <p:sldMasterId id="2147483684" r:id="rId1"/>
   </p:sldMasterIdLst>
   <p:notesMasterIdLst>
-    <p:notesMasterId r:id="rId6"/>
+    <p:notesMasterId r:id="rId7"/>
   </p:notesMasterIdLst>
   <p:sldIdLst>
     <p:sldId id="256" r:id="rId2"/>
     <p:sldId id="257" r:id="rId3"/>
     <p:sldId id="258" r:id="rId4"/>
     <p:sldId id="259" r:id="rId5"/>
+    <p:sldId id="260" r:id="rId6"/>
   </p:sldIdLst>
   <p:sldSz cx="12192000" cy="13716000"/>
   <p:notesSz cx="6858000" cy="9144000"/>
@@ -211,7 +212,7 @@
           <a:p>
             <a:fld id="{7A664943-7346-AA44-A5C2-408DB183872E}" type="datetimeFigureOut">
               <a:rPr lang="en-US" smtClean="0"/>
-              <a:t>10/30/25</a:t>
+              <a:t>11/3/25</a:t>
             </a:fld>
             <a:endParaRPr lang="en-US"/>
           </a:p>
@@ -769,6 +770,119 @@
 </p:notes>
 </file>
 
+<file path=ppt/notesSlides/notesSlide4.xml><?xml version="1.0" encoding="utf-8"?>
+<p:notes xmlns:a="http://schemas.openxmlformats.org/drawingml/2006/main" xmlns:r="http://schemas.openxmlformats.org/officeDocument/2006/relationships" xmlns:p="http://schemas.openxmlformats.org/presentationml/2006/main">
+  <p:cSld>
+    <p:spTree>
+      <p:nvGrpSpPr>
+        <p:cNvPr id="1" name="">
+          <a:extLst>
+            <a:ext uri="{FF2B5EF4-FFF2-40B4-BE49-F238E27FC236}">
+              <a16:creationId xmlns:a16="http://schemas.microsoft.com/office/drawing/2014/main" id="{391EE7F0-733F-9B16-AFC8-48B79C32A003}"/>
+            </a:ext>
+          </a:extLst>
+        </p:cNvPr>
+        <p:cNvGrpSpPr/>
+        <p:nvPr/>
+      </p:nvGrpSpPr>
+      <p:grpSpPr>
+        <a:xfrm>
+          <a:off x="0" y="0"/>
+          <a:ext cx="0" cy="0"/>
+          <a:chOff x="0" y="0"/>
+          <a:chExt cx="0" cy="0"/>
+        </a:xfrm>
+      </p:grpSpPr>
+      <p:sp>
+        <p:nvSpPr>
+          <p:cNvPr id="2" name="Slide Image Placeholder 1">
+            <a:extLst>
+              <a:ext uri="{FF2B5EF4-FFF2-40B4-BE49-F238E27FC236}">
+                <a16:creationId xmlns:a16="http://schemas.microsoft.com/office/drawing/2014/main" id="{64EDE8B5-9FA1-6528-F93E-473D40D0535B}"/>
+              </a:ext>
+            </a:extLst>
+          </p:cNvPr>
+          <p:cNvSpPr>
+            <a:spLocks noGrp="1" noRot="1" noChangeAspect="1"/>
+          </p:cNvSpPr>
+          <p:nvPr>
+            <p:ph type="sldImg"/>
+          </p:nvPr>
+        </p:nvSpPr>
+        <p:spPr>
+          <a:xfrm>
+            <a:off x="2057400" y="1143000"/>
+            <a:ext cx="2743200" cy="3086100"/>
+          </a:xfrm>
+        </p:spPr>
+      </p:sp>
+      <p:sp>
+        <p:nvSpPr>
+          <p:cNvPr id="3" name="Notes Placeholder 2">
+            <a:extLst>
+              <a:ext uri="{FF2B5EF4-FFF2-40B4-BE49-F238E27FC236}">
+                <a16:creationId xmlns:a16="http://schemas.microsoft.com/office/drawing/2014/main" id="{40CD27D9-2057-CC83-ADD9-B884BEC0567B}"/>
+              </a:ext>
+            </a:extLst>
+          </p:cNvPr>
+          <p:cNvSpPr>
+            <a:spLocks noGrp="1"/>
+          </p:cNvSpPr>
+          <p:nvPr>
+            <p:ph type="body" idx="1"/>
+          </p:nvPr>
+        </p:nvSpPr>
+        <p:spPr/>
+        <p:txBody>
+          <a:bodyPr/>
+          <a:lstStyle/>
+          <a:p>
+            <a:endParaRPr lang="en-US" dirty="0"/>
+          </a:p>
+        </p:txBody>
+      </p:sp>
+      <p:sp>
+        <p:nvSpPr>
+          <p:cNvPr id="4" name="Slide Number Placeholder 3">
+            <a:extLst>
+              <a:ext uri="{FF2B5EF4-FFF2-40B4-BE49-F238E27FC236}">
+                <a16:creationId xmlns:a16="http://schemas.microsoft.com/office/drawing/2014/main" id="{9D50E05C-FA3A-A7A6-4180-9E835356E830}"/>
+              </a:ext>
+            </a:extLst>
+          </p:cNvPr>
+          <p:cNvSpPr>
+            <a:spLocks noGrp="1"/>
+          </p:cNvSpPr>
+          <p:nvPr>
+            <p:ph type="sldNum" sz="quarter" idx="5"/>
+          </p:nvPr>
+        </p:nvSpPr>
+        <p:spPr/>
+        <p:txBody>
+          <a:bodyPr/>
+          <a:lstStyle/>
+          <a:p>
+            <a:fld id="{DF15243F-3D71-C541-9B95-649C1658FCF6}" type="slidenum">
+              <a:rPr lang="en-US" smtClean="0"/>
+              <a:t>5</a:t>
+            </a:fld>
+            <a:endParaRPr lang="en-US"/>
+          </a:p>
+        </p:txBody>
+      </p:sp>
+    </p:spTree>
+    <p:extLst>
+      <p:ext uri="{BB962C8B-B14F-4D97-AF65-F5344CB8AC3E}">
+        <p14:creationId xmlns:p14="http://schemas.microsoft.com/office/powerpoint/2010/main" val="1700367482"/>
+      </p:ext>
+    </p:extLst>
+  </p:cSld>
+  <p:clrMapOvr>
+    <a:masterClrMapping/>
+  </p:clrMapOvr>
+</p:notes>
+</file>
+
 <file path=ppt/slideLayouts/slideLayout1.xml><?xml version="1.0" encoding="utf-8"?>
 <p:sldLayout xmlns:a="http://schemas.openxmlformats.org/drawingml/2006/main" xmlns:r="http://schemas.openxmlformats.org/officeDocument/2006/relationships" xmlns:p="http://schemas.openxmlformats.org/presentationml/2006/main" type="title" preserve="1">
   <p:cSld name="Title Slide">
@@ -900,7 +1014,7 @@
           <a:p>
             <a:fld id="{846F649D-A33F-1843-8931-9B9B10B3F05C}" type="datetimeFigureOut">
               <a:rPr lang="en-US" smtClean="0"/>
-              <a:t>10/30/25</a:t>
+              <a:t>11/3/25</a:t>
             </a:fld>
             <a:endParaRPr lang="en-US"/>
           </a:p>
@@ -1070,7 +1184,7 @@
           <a:p>
             <a:fld id="{846F649D-A33F-1843-8931-9B9B10B3F05C}" type="datetimeFigureOut">
               <a:rPr lang="en-US" smtClean="0"/>
-              <a:t>10/30/25</a:t>
+              <a:t>11/3/25</a:t>
             </a:fld>
             <a:endParaRPr lang="en-US"/>
           </a:p>
@@ -1250,7 +1364,7 @@
           <a:p>
             <a:fld id="{846F649D-A33F-1843-8931-9B9B10B3F05C}" type="datetimeFigureOut">
               <a:rPr lang="en-US" smtClean="0"/>
-              <a:t>10/30/25</a:t>
+              <a:t>11/3/25</a:t>
             </a:fld>
             <a:endParaRPr lang="en-US"/>
           </a:p>
@@ -1420,7 +1534,7 @@
           <a:p>
             <a:fld id="{846F649D-A33F-1843-8931-9B9B10B3F05C}" type="datetimeFigureOut">
               <a:rPr lang="en-US" smtClean="0"/>
-              <a:t>10/30/25</a:t>
+              <a:t>11/3/25</a:t>
             </a:fld>
             <a:endParaRPr lang="en-US"/>
           </a:p>
@@ -1666,7 +1780,7 @@
           <a:p>
             <a:fld id="{846F649D-A33F-1843-8931-9B9B10B3F05C}" type="datetimeFigureOut">
               <a:rPr lang="en-US" smtClean="0"/>
-              <a:t>10/30/25</a:t>
+              <a:t>11/3/25</a:t>
             </a:fld>
             <a:endParaRPr lang="en-US"/>
           </a:p>
@@ -1898,7 +2012,7 @@
           <a:p>
             <a:fld id="{846F649D-A33F-1843-8931-9B9B10B3F05C}" type="datetimeFigureOut">
               <a:rPr lang="en-US" smtClean="0"/>
-              <a:t>10/30/25</a:t>
+              <a:t>11/3/25</a:t>
             </a:fld>
             <a:endParaRPr lang="en-US"/>
           </a:p>
@@ -2265,7 +2379,7 @@
           <a:p>
             <a:fld id="{846F649D-A33F-1843-8931-9B9B10B3F05C}" type="datetimeFigureOut">
               <a:rPr lang="en-US" smtClean="0"/>
-              <a:t>10/30/25</a:t>
+              <a:t>11/3/25</a:t>
             </a:fld>
             <a:endParaRPr lang="en-US"/>
           </a:p>
@@ -2383,7 +2497,7 @@
           <a:p>
             <a:fld id="{846F649D-A33F-1843-8931-9B9B10B3F05C}" type="datetimeFigureOut">
               <a:rPr lang="en-US" smtClean="0"/>
-              <a:t>10/30/25</a:t>
+              <a:t>11/3/25</a:t>
             </a:fld>
             <a:endParaRPr lang="en-US"/>
           </a:p>
@@ -2478,7 +2592,7 @@
           <a:p>
             <a:fld id="{846F649D-A33F-1843-8931-9B9B10B3F05C}" type="datetimeFigureOut">
               <a:rPr lang="en-US" smtClean="0"/>
-              <a:t>10/30/25</a:t>
+              <a:t>11/3/25</a:t>
             </a:fld>
             <a:endParaRPr lang="en-US"/>
           </a:p>
@@ -2755,7 +2869,7 @@
           <a:p>
             <a:fld id="{846F649D-A33F-1843-8931-9B9B10B3F05C}" type="datetimeFigureOut">
               <a:rPr lang="en-US" smtClean="0"/>
-              <a:t>10/30/25</a:t>
+              <a:t>11/3/25</a:t>
             </a:fld>
             <a:endParaRPr lang="en-US"/>
           </a:p>
@@ -3012,7 +3126,7 @@
           <a:p>
             <a:fld id="{846F649D-A33F-1843-8931-9B9B10B3F05C}" type="datetimeFigureOut">
               <a:rPr lang="en-US" smtClean="0"/>
-              <a:t>10/30/25</a:t>
+              <a:t>11/3/25</a:t>
             </a:fld>
             <a:endParaRPr lang="en-US"/>
           </a:p>
@@ -3225,7 +3339,7 @@
           <a:p>
             <a:fld id="{846F649D-A33F-1843-8931-9B9B10B3F05C}" type="datetimeFigureOut">
               <a:rPr lang="en-US" smtClean="0"/>
-              <a:t>10/30/25</a:t>
+              <a:t>11/3/25</a:t>
             </a:fld>
             <a:endParaRPr lang="en-US"/>
           </a:p>
@@ -4079,7 +4193,7 @@
 </file>
 
 <file path=ppt/slides/slide3.xml><?xml version="1.0" encoding="utf-8"?>
-<p:sld xmlns:a="http://schemas.openxmlformats.org/drawingml/2006/main" xmlns:r="http://schemas.openxmlformats.org/officeDocument/2006/relationships" xmlns:p="http://schemas.openxmlformats.org/presentationml/2006/main">
+<p:sld xmlns:a="http://schemas.openxmlformats.org/drawingml/2006/main" xmlns:r="http://schemas.openxmlformats.org/officeDocument/2006/relationships" xmlns:p="http://schemas.openxmlformats.org/presentationml/2006/main" show="0">
   <p:cSld>
     <p:spTree>
       <p:nvGrpSpPr>
@@ -8584,7 +8698,7 @@
 </file>
 
 <file path=ppt/slides/slide4.xml><?xml version="1.0" encoding="utf-8"?>
-<p:sld xmlns:a="http://schemas.openxmlformats.org/drawingml/2006/main" xmlns:r="http://schemas.openxmlformats.org/officeDocument/2006/relationships" xmlns:p="http://schemas.openxmlformats.org/presentationml/2006/main">
+<p:sld xmlns:a="http://schemas.openxmlformats.org/drawingml/2006/main" xmlns:r="http://schemas.openxmlformats.org/officeDocument/2006/relationships" xmlns:p="http://schemas.openxmlformats.org/presentationml/2006/main" show="0">
   <p:cSld>
     <p:spTree>
       <p:nvGrpSpPr>
@@ -12840,7 +12954,7 @@
                   </a:solidFill>
                   <a:latin typeface="Helvetica" pitchFamily="2" charset="0"/>
                 </a:rPr>
-                <a:t>y</a:t>
+                <a:t>ŷ</a:t>
               </a:r>
               <a:r>
                 <a:rPr lang="en-US" sz="2400" i="1" baseline="-25000" dirty="0">
@@ -12915,7 +13029,7 @@
                   </a:solidFill>
                   <a:latin typeface="Helvetica" pitchFamily="2" charset="0"/>
                 </a:rPr>
-                <a:t>y</a:t>
+                <a:t>ŷ</a:t>
               </a:r>
               <a:r>
                 <a:rPr lang="en-US" sz="2400" i="1" baseline="-25000" dirty="0">
@@ -12989,7 +13103,7 @@
                   </a:solidFill>
                   <a:latin typeface="Helvetica" pitchFamily="2" charset="0"/>
                 </a:rPr>
-                <a:t>y</a:t>
+                <a:t>ŷ</a:t>
               </a:r>
               <a:r>
                 <a:rPr lang="en-US" sz="2400" i="1" baseline="-25000" dirty="0" err="1">
@@ -13351,10 +13465,16 @@
           <a:p>
             <a:pPr algn="ctr"/>
             <a:r>
+              <a:rPr lang="en-US" sz="1800" dirty="0">
+                <a:latin typeface="Helvetica" pitchFamily="2" charset="0"/>
+              </a:rPr>
+              <a:t>X</a:t>
+            </a:r>
+            <a:r>
               <a:rPr lang="en-US" sz="1800" i="1" dirty="0">
                 <a:latin typeface="Helvetica" pitchFamily="2" charset="0"/>
               </a:rPr>
-              <a:t>X = dropout</a:t>
+              <a:t> = dropout</a:t>
             </a:r>
           </a:p>
         </p:txBody>
@@ -13363,6 +13483,5197 @@
     <p:extLst>
       <p:ext uri="{BB962C8B-B14F-4D97-AF65-F5344CB8AC3E}">
         <p14:creationId xmlns:p14="http://schemas.microsoft.com/office/powerpoint/2010/main" val="4267086077"/>
+      </p:ext>
+    </p:extLst>
+  </p:cSld>
+  <p:clrMapOvr>
+    <a:masterClrMapping/>
+  </p:clrMapOvr>
+</p:sld>
+</file>
+
+<file path=ppt/slides/slide5.xml><?xml version="1.0" encoding="utf-8"?>
+<p:sld xmlns:a="http://schemas.openxmlformats.org/drawingml/2006/main" xmlns:r="http://schemas.openxmlformats.org/officeDocument/2006/relationships" xmlns:p="http://schemas.openxmlformats.org/presentationml/2006/main">
+  <p:cSld>
+    <p:spTree>
+      <p:nvGrpSpPr>
+        <p:cNvPr id="1" name="">
+          <a:extLst>
+            <a:ext uri="{FF2B5EF4-FFF2-40B4-BE49-F238E27FC236}">
+              <a16:creationId xmlns:a16="http://schemas.microsoft.com/office/drawing/2014/main" id="{E951870C-CFF5-42F5-93C0-BEBF22F5EBF2}"/>
+            </a:ext>
+          </a:extLst>
+        </p:cNvPr>
+        <p:cNvGrpSpPr/>
+        <p:nvPr/>
+      </p:nvGrpSpPr>
+      <p:grpSpPr>
+        <a:xfrm>
+          <a:off x="0" y="0"/>
+          <a:ext cx="0" cy="0"/>
+          <a:chOff x="0" y="0"/>
+          <a:chExt cx="0" cy="0"/>
+        </a:xfrm>
+      </p:grpSpPr>
+      <p:grpSp>
+        <p:nvGrpSpPr>
+          <p:cNvPr id="26" name="Group 25">
+            <a:extLst>
+              <a:ext uri="{FF2B5EF4-FFF2-40B4-BE49-F238E27FC236}">
+                <a16:creationId xmlns:a16="http://schemas.microsoft.com/office/drawing/2014/main" id="{F08FC5FC-7758-C7F9-5FB2-E6E871FC4151}"/>
+              </a:ext>
+            </a:extLst>
+          </p:cNvPr>
+          <p:cNvGrpSpPr/>
+          <p:nvPr/>
+        </p:nvGrpSpPr>
+        <p:grpSpPr>
+          <a:xfrm>
+            <a:off x="243904" y="1645976"/>
+            <a:ext cx="11704192" cy="9783973"/>
+            <a:chOff x="243904" y="1645976"/>
+            <a:chExt cx="11704192" cy="9783973"/>
+          </a:xfrm>
+        </p:grpSpPr>
+        <p:sp>
+          <p:nvSpPr>
+            <p:cNvPr id="21" name="Rectangle 20">
+              <a:extLst>
+                <a:ext uri="{FF2B5EF4-FFF2-40B4-BE49-F238E27FC236}">
+                  <a16:creationId xmlns:a16="http://schemas.microsoft.com/office/drawing/2014/main" id="{0C862AAD-3829-4DFA-496B-76FD5B20A259}"/>
+                </a:ext>
+              </a:extLst>
+            </p:cNvPr>
+            <p:cNvSpPr>
+              <a:spLocks/>
+            </p:cNvSpPr>
+            <p:nvPr/>
+          </p:nvSpPr>
+          <p:spPr>
+            <a:xfrm>
+              <a:off x="243904" y="1645976"/>
+              <a:ext cx="11704192" cy="9783973"/>
+            </a:xfrm>
+            <a:prstGeom prst="rect">
+              <a:avLst/>
+            </a:prstGeom>
+            <a:solidFill>
+              <a:schemeClr val="bg1"/>
+            </a:solidFill>
+            <a:ln>
+              <a:noFill/>
+            </a:ln>
+          </p:spPr>
+          <p:style>
+            <a:lnRef idx="2">
+              <a:schemeClr val="accent1">
+                <a:shade val="15000"/>
+              </a:schemeClr>
+            </a:lnRef>
+            <a:fillRef idx="1">
+              <a:schemeClr val="accent1"/>
+            </a:fillRef>
+            <a:effectRef idx="0">
+              <a:schemeClr val="accent1"/>
+            </a:effectRef>
+            <a:fontRef idx="minor">
+              <a:schemeClr val="lt1"/>
+            </a:fontRef>
+          </p:style>
+          <p:txBody>
+            <a:bodyPr rtlCol="0" anchor="ctr"/>
+            <a:lstStyle/>
+            <a:p>
+              <a:pPr algn="ctr"/>
+              <a:endParaRPr lang="en-US"/>
+            </a:p>
+          </p:txBody>
+        </p:sp>
+        <p:sp>
+          <p:nvSpPr>
+            <p:cNvPr id="20" name="Freeform 19">
+              <a:extLst>
+                <a:ext uri="{FF2B5EF4-FFF2-40B4-BE49-F238E27FC236}">
+                  <a16:creationId xmlns:a16="http://schemas.microsoft.com/office/drawing/2014/main" id="{5697093B-9570-E869-A015-30A2E6AA688E}"/>
+                </a:ext>
+              </a:extLst>
+            </p:cNvPr>
+            <p:cNvSpPr>
+              <a:spLocks/>
+            </p:cNvSpPr>
+            <p:nvPr/>
+          </p:nvSpPr>
+          <p:spPr>
+            <a:xfrm>
+              <a:off x="489098" y="4922874"/>
+              <a:ext cx="11238614" cy="595424"/>
+            </a:xfrm>
+            <a:custGeom>
+              <a:avLst/>
+              <a:gdLst>
+                <a:gd name="connsiteX0" fmla="*/ 1403497 w 11238614"/>
+                <a:gd name="connsiteY0" fmla="*/ 0 h 595424"/>
+                <a:gd name="connsiteX1" fmla="*/ 0 w 11238614"/>
+                <a:gd name="connsiteY1" fmla="*/ 584791 h 595424"/>
+                <a:gd name="connsiteX2" fmla="*/ 11238614 w 11238614"/>
+                <a:gd name="connsiteY2" fmla="*/ 595424 h 595424"/>
+                <a:gd name="connsiteX3" fmla="*/ 9771321 w 11238614"/>
+                <a:gd name="connsiteY3" fmla="*/ 10633 h 595424"/>
+                <a:gd name="connsiteX4" fmla="*/ 1403497 w 11238614"/>
+                <a:gd name="connsiteY4" fmla="*/ 0 h 595424"/>
+              </a:gdLst>
+              <a:ahLst/>
+              <a:cxnLst>
+                <a:cxn ang="0">
+                  <a:pos x="connsiteX0" y="connsiteY0"/>
+                </a:cxn>
+                <a:cxn ang="0">
+                  <a:pos x="connsiteX1" y="connsiteY1"/>
+                </a:cxn>
+                <a:cxn ang="0">
+                  <a:pos x="connsiteX2" y="connsiteY2"/>
+                </a:cxn>
+                <a:cxn ang="0">
+                  <a:pos x="connsiteX3" y="connsiteY3"/>
+                </a:cxn>
+                <a:cxn ang="0">
+                  <a:pos x="connsiteX4" y="connsiteY4"/>
+                </a:cxn>
+              </a:cxnLst>
+              <a:rect l="l" t="t" r="r" b="b"/>
+              <a:pathLst>
+                <a:path w="11238614" h="595424">
+                  <a:moveTo>
+                    <a:pt x="1403497" y="0"/>
+                  </a:moveTo>
+                  <a:lnTo>
+                    <a:pt x="0" y="584791"/>
+                  </a:lnTo>
+                  <a:lnTo>
+                    <a:pt x="11238614" y="595424"/>
+                  </a:lnTo>
+                  <a:lnTo>
+                    <a:pt x="9771321" y="10633"/>
+                  </a:lnTo>
+                  <a:lnTo>
+                    <a:pt x="1403497" y="0"/>
+                  </a:lnTo>
+                  <a:close/>
+                </a:path>
+              </a:pathLst>
+            </a:custGeom>
+            <a:solidFill>
+              <a:schemeClr val="bg1"/>
+            </a:solidFill>
+            <a:ln>
+              <a:noFill/>
+            </a:ln>
+          </p:spPr>
+          <p:style>
+            <a:lnRef idx="2">
+              <a:schemeClr val="accent1">
+                <a:shade val="15000"/>
+              </a:schemeClr>
+            </a:lnRef>
+            <a:fillRef idx="1">
+              <a:schemeClr val="accent1"/>
+            </a:fillRef>
+            <a:effectRef idx="0">
+              <a:schemeClr val="accent1"/>
+            </a:effectRef>
+            <a:fontRef idx="minor">
+              <a:schemeClr val="lt1"/>
+            </a:fontRef>
+          </p:style>
+          <p:txBody>
+            <a:bodyPr rtlCol="0" anchor="ctr"/>
+            <a:lstStyle/>
+            <a:p>
+              <a:pPr algn="ctr"/>
+              <a:endParaRPr lang="en-US"/>
+            </a:p>
+          </p:txBody>
+        </p:sp>
+        <p:sp>
+          <p:nvSpPr>
+            <p:cNvPr id="242" name="Rectangle 241">
+              <a:extLst>
+                <a:ext uri="{FF2B5EF4-FFF2-40B4-BE49-F238E27FC236}">
+                  <a16:creationId xmlns:a16="http://schemas.microsoft.com/office/drawing/2014/main" id="{5946E0AA-511D-7E96-9436-BC38F901E120}"/>
+                </a:ext>
+              </a:extLst>
+            </p:cNvPr>
+            <p:cNvSpPr>
+              <a:spLocks/>
+            </p:cNvSpPr>
+            <p:nvPr/>
+          </p:nvSpPr>
+          <p:spPr>
+            <a:xfrm>
+              <a:off x="472502" y="5506579"/>
+              <a:ext cx="11246996" cy="5740493"/>
+            </a:xfrm>
+            <a:prstGeom prst="rect">
+              <a:avLst/>
+            </a:prstGeom>
+            <a:solidFill>
+              <a:srgbClr val="F8F8F8"/>
+            </a:solidFill>
+            <a:ln w="28575">
+              <a:solidFill>
+                <a:schemeClr val="tx1">
+                  <a:lumMod val="65000"/>
+                  <a:lumOff val="35000"/>
+                </a:schemeClr>
+              </a:solidFill>
+              <a:prstDash val="dash"/>
+            </a:ln>
+          </p:spPr>
+          <p:style>
+            <a:lnRef idx="2">
+              <a:schemeClr val="accent1">
+                <a:shade val="15000"/>
+              </a:schemeClr>
+            </a:lnRef>
+            <a:fillRef idx="1">
+              <a:schemeClr val="accent1"/>
+            </a:fillRef>
+            <a:effectRef idx="0">
+              <a:schemeClr val="accent1"/>
+            </a:effectRef>
+            <a:fontRef idx="minor">
+              <a:schemeClr val="lt1"/>
+            </a:fontRef>
+          </p:style>
+          <p:txBody>
+            <a:bodyPr rtlCol="0" anchor="ctr"/>
+            <a:lstStyle/>
+            <a:p>
+              <a:pPr algn="ctr"/>
+              <a:endParaRPr lang="en-US" dirty="0"/>
+            </a:p>
+          </p:txBody>
+        </p:sp>
+        <p:sp>
+          <p:nvSpPr>
+            <p:cNvPr id="189" name="Rectangle 188">
+              <a:extLst>
+                <a:ext uri="{FF2B5EF4-FFF2-40B4-BE49-F238E27FC236}">
+                  <a16:creationId xmlns:a16="http://schemas.microsoft.com/office/drawing/2014/main" id="{76049B14-D1C1-BB69-D967-5DC9720DFFCA}"/>
+                </a:ext>
+              </a:extLst>
+            </p:cNvPr>
+            <p:cNvSpPr>
+              <a:spLocks/>
+            </p:cNvSpPr>
+            <p:nvPr/>
+          </p:nvSpPr>
+          <p:spPr>
+            <a:xfrm>
+              <a:off x="1889679" y="2439363"/>
+              <a:ext cx="8366760" cy="2490428"/>
+            </a:xfrm>
+            <a:prstGeom prst="rect">
+              <a:avLst/>
+            </a:prstGeom>
+            <a:solidFill>
+              <a:srgbClr val="F8F8F8"/>
+            </a:solidFill>
+            <a:ln w="28575">
+              <a:solidFill>
+                <a:schemeClr val="tx1">
+                  <a:lumMod val="65000"/>
+                  <a:lumOff val="35000"/>
+                </a:schemeClr>
+              </a:solidFill>
+              <a:prstDash val="sysDash"/>
+            </a:ln>
+          </p:spPr>
+          <p:style>
+            <a:lnRef idx="2">
+              <a:schemeClr val="accent1">
+                <a:shade val="15000"/>
+              </a:schemeClr>
+            </a:lnRef>
+            <a:fillRef idx="1">
+              <a:schemeClr val="accent1"/>
+            </a:fillRef>
+            <a:effectRef idx="0">
+              <a:schemeClr val="accent1"/>
+            </a:effectRef>
+            <a:fontRef idx="minor">
+              <a:schemeClr val="lt1"/>
+            </a:fontRef>
+          </p:style>
+          <p:txBody>
+            <a:bodyPr rtlCol="0" anchor="ctr"/>
+            <a:lstStyle/>
+            <a:p>
+              <a:pPr algn="ctr"/>
+              <a:endParaRPr lang="en-US" dirty="0"/>
+            </a:p>
+          </p:txBody>
+        </p:sp>
+        <p:sp>
+          <p:nvSpPr>
+            <p:cNvPr id="196" name="Rounded Rectangle 195">
+              <a:extLst>
+                <a:ext uri="{FF2B5EF4-FFF2-40B4-BE49-F238E27FC236}">
+                  <a16:creationId xmlns:a16="http://schemas.microsoft.com/office/drawing/2014/main" id="{C6E3BA19-6FC5-61E6-42D0-E1C0E5B9A197}"/>
+                </a:ext>
+              </a:extLst>
+            </p:cNvPr>
+            <p:cNvSpPr>
+              <a:spLocks/>
+            </p:cNvSpPr>
+            <p:nvPr/>
+          </p:nvSpPr>
+          <p:spPr>
+            <a:xfrm>
+              <a:off x="4017459" y="2944001"/>
+              <a:ext cx="2012826" cy="786493"/>
+            </a:xfrm>
+            <a:prstGeom prst="roundRect">
+              <a:avLst/>
+            </a:prstGeom>
+            <a:noFill/>
+            <a:ln w="28575">
+              <a:solidFill>
+                <a:schemeClr val="tx1"/>
+              </a:solidFill>
+            </a:ln>
+          </p:spPr>
+          <p:style>
+            <a:lnRef idx="2">
+              <a:schemeClr val="accent1">
+                <a:shade val="15000"/>
+              </a:schemeClr>
+            </a:lnRef>
+            <a:fillRef idx="1">
+              <a:schemeClr val="accent1"/>
+            </a:fillRef>
+            <a:effectRef idx="0">
+              <a:schemeClr val="accent1"/>
+            </a:effectRef>
+            <a:fontRef idx="minor">
+              <a:schemeClr val="lt1"/>
+            </a:fontRef>
+          </p:style>
+          <p:txBody>
+            <a:bodyPr rtlCol="0" anchor="ctr"/>
+            <a:lstStyle/>
+            <a:p>
+              <a:pPr algn="ctr"/>
+              <a:endParaRPr lang="en-US" sz="2400" i="1" dirty="0">
+                <a:solidFill>
+                  <a:schemeClr val="tx1"/>
+                </a:solidFill>
+                <a:latin typeface="Helvetica" pitchFamily="2" charset="0"/>
+              </a:endParaRPr>
+            </a:p>
+          </p:txBody>
+        </p:sp>
+        <p:sp>
+          <p:nvSpPr>
+            <p:cNvPr id="211" name="Rounded Rectangle 210">
+              <a:extLst>
+                <a:ext uri="{FF2B5EF4-FFF2-40B4-BE49-F238E27FC236}">
+                  <a16:creationId xmlns:a16="http://schemas.microsoft.com/office/drawing/2014/main" id="{CFBFD7CF-669D-664B-B7C1-BF632B3D9300}"/>
+                </a:ext>
+              </a:extLst>
+            </p:cNvPr>
+            <p:cNvSpPr>
+              <a:spLocks/>
+            </p:cNvSpPr>
+            <p:nvPr/>
+          </p:nvSpPr>
+          <p:spPr>
+            <a:xfrm>
+              <a:off x="1336051" y="1803934"/>
+              <a:ext cx="9469019" cy="2086829"/>
+            </a:xfrm>
+            <a:prstGeom prst="roundRect">
+              <a:avLst/>
+            </a:prstGeom>
+            <a:noFill/>
+            <a:ln w="28575">
+              <a:solidFill>
+                <a:schemeClr val="tx1"/>
+              </a:solidFill>
+            </a:ln>
+          </p:spPr>
+          <p:style>
+            <a:lnRef idx="2">
+              <a:schemeClr val="accent1">
+                <a:shade val="15000"/>
+              </a:schemeClr>
+            </a:lnRef>
+            <a:fillRef idx="1">
+              <a:schemeClr val="accent1"/>
+            </a:fillRef>
+            <a:effectRef idx="0">
+              <a:schemeClr val="accent1"/>
+            </a:effectRef>
+            <a:fontRef idx="minor">
+              <a:schemeClr val="lt1"/>
+            </a:fontRef>
+          </p:style>
+          <p:txBody>
+            <a:bodyPr rtlCol="0" anchor="ctr"/>
+            <a:lstStyle/>
+            <a:p>
+              <a:pPr algn="ctr"/>
+              <a:endParaRPr lang="en-US" sz="2400" i="1" dirty="0">
+                <a:solidFill>
+                  <a:schemeClr val="tx1"/>
+                </a:solidFill>
+                <a:latin typeface="Helvetica" pitchFamily="2" charset="0"/>
+              </a:endParaRPr>
+            </a:p>
+          </p:txBody>
+        </p:sp>
+        <p:cxnSp>
+          <p:nvCxnSpPr>
+            <p:cNvPr id="187" name="Straight Arrow Connector 186">
+              <a:extLst>
+                <a:ext uri="{FF2B5EF4-FFF2-40B4-BE49-F238E27FC236}">
+                  <a16:creationId xmlns:a16="http://schemas.microsoft.com/office/drawing/2014/main" id="{48626E08-B284-A05B-7D68-86B7D9106BBA}"/>
+                </a:ext>
+              </a:extLst>
+            </p:cNvPr>
+            <p:cNvCxnSpPr>
+              <a:cxnSpLocks/>
+            </p:cNvCxnSpPr>
+            <p:nvPr/>
+          </p:nvCxnSpPr>
+          <p:spPr>
+            <a:xfrm>
+              <a:off x="9762411" y="3894104"/>
+              <a:ext cx="1828800" cy="0"/>
+            </a:xfrm>
+            <a:prstGeom prst="straightConnector1">
+              <a:avLst/>
+            </a:prstGeom>
+            <a:ln w="28575">
+              <a:tailEnd type="triangle"/>
+            </a:ln>
+          </p:spPr>
+          <p:style>
+            <a:lnRef idx="2">
+              <a:schemeClr val="dk1"/>
+            </a:lnRef>
+            <a:fillRef idx="0">
+              <a:schemeClr val="dk1"/>
+            </a:fillRef>
+            <a:effectRef idx="1">
+              <a:schemeClr val="dk1"/>
+            </a:effectRef>
+            <a:fontRef idx="minor">
+              <a:schemeClr val="tx1"/>
+            </a:fontRef>
+          </p:style>
+        </p:cxnSp>
+        <p:sp>
+          <p:nvSpPr>
+            <p:cNvPr id="190" name="TextBox 189">
+              <a:extLst>
+                <a:ext uri="{FF2B5EF4-FFF2-40B4-BE49-F238E27FC236}">
+                  <a16:creationId xmlns:a16="http://schemas.microsoft.com/office/drawing/2014/main" id="{420AD5BC-8912-EFC9-5126-EABF754E52F5}"/>
+                </a:ext>
+              </a:extLst>
+            </p:cNvPr>
+            <p:cNvSpPr txBox="1">
+              <a:spLocks/>
+            </p:cNvSpPr>
+            <p:nvPr/>
+          </p:nvSpPr>
+          <p:spPr>
+            <a:xfrm>
+              <a:off x="4521691" y="1944740"/>
+              <a:ext cx="3148619" cy="400110"/>
+            </a:xfrm>
+            <a:prstGeom prst="rect">
+              <a:avLst/>
+            </a:prstGeom>
+            <a:noFill/>
+          </p:spPr>
+          <p:txBody>
+            <a:bodyPr wrap="none" rtlCol="0">
+              <a:spAutoFit/>
+            </a:bodyPr>
+            <a:lstStyle/>
+            <a:p>
+              <a:pPr algn="ctr"/>
+              <a:r>
+                <a:rPr lang="en-US" sz="2000" dirty="0">
+                  <a:latin typeface="Helvetica" pitchFamily="2" charset="0"/>
+                </a:rPr>
+                <a:t>Recurrent Neural Network</a:t>
+              </a:r>
+            </a:p>
+          </p:txBody>
+        </p:sp>
+        <p:sp>
+          <p:nvSpPr>
+            <p:cNvPr id="203" name="TextBox 202">
+              <a:extLst>
+                <a:ext uri="{FF2B5EF4-FFF2-40B4-BE49-F238E27FC236}">
+                  <a16:creationId xmlns:a16="http://schemas.microsoft.com/office/drawing/2014/main" id="{0931FF25-E78E-C676-1A0B-93D2994A1950}"/>
+                </a:ext>
+              </a:extLst>
+            </p:cNvPr>
+            <p:cNvSpPr txBox="1">
+              <a:spLocks/>
+            </p:cNvSpPr>
+            <p:nvPr/>
+          </p:nvSpPr>
+          <p:spPr>
+            <a:xfrm>
+              <a:off x="4469073" y="2574679"/>
+              <a:ext cx="1109599" cy="400110"/>
+            </a:xfrm>
+            <a:prstGeom prst="rect">
+              <a:avLst/>
+            </a:prstGeom>
+            <a:noFill/>
+          </p:spPr>
+          <p:txBody>
+            <a:bodyPr wrap="none" rtlCol="0">
+              <a:spAutoFit/>
+            </a:bodyPr>
+            <a:lstStyle/>
+            <a:p>
+              <a:pPr algn="ctr"/>
+              <a:r>
+                <a:rPr lang="en-US" sz="2000" dirty="0">
+                  <a:latin typeface="Helvetica" pitchFamily="2" charset="0"/>
+                </a:rPr>
+                <a:t>Memory</a:t>
+              </a:r>
+            </a:p>
+          </p:txBody>
+        </p:sp>
+        <p:sp>
+          <p:nvSpPr>
+            <p:cNvPr id="217" name="TextBox 216">
+              <a:extLst>
+                <a:ext uri="{FF2B5EF4-FFF2-40B4-BE49-F238E27FC236}">
+                  <a16:creationId xmlns:a16="http://schemas.microsoft.com/office/drawing/2014/main" id="{E296E86B-59E5-1E99-75BB-CBB14F032DE4}"/>
+                </a:ext>
+              </a:extLst>
+            </p:cNvPr>
+            <p:cNvSpPr txBox="1">
+              <a:spLocks/>
+            </p:cNvSpPr>
+            <p:nvPr/>
+          </p:nvSpPr>
+          <p:spPr>
+            <a:xfrm>
+              <a:off x="572280" y="3886524"/>
+              <a:ext cx="934871" cy="461665"/>
+            </a:xfrm>
+            <a:prstGeom prst="rect">
+              <a:avLst/>
+            </a:prstGeom>
+            <a:noFill/>
+          </p:spPr>
+          <p:txBody>
+            <a:bodyPr wrap="none" rtlCol="0">
+              <a:spAutoFit/>
+            </a:bodyPr>
+            <a:lstStyle/>
+            <a:p>
+              <a:pPr algn="ctr"/>
+              <a:r>
+                <a:rPr lang="en-US" sz="2400" b="1" dirty="0">
+                  <a:latin typeface="Helvetica" pitchFamily="2" charset="0"/>
+                </a:rPr>
+                <a:t>Input</a:t>
+              </a:r>
+            </a:p>
+          </p:txBody>
+        </p:sp>
+        <p:sp>
+          <p:nvSpPr>
+            <p:cNvPr id="218" name="TextBox 217">
+              <a:extLst>
+                <a:ext uri="{FF2B5EF4-FFF2-40B4-BE49-F238E27FC236}">
+                  <a16:creationId xmlns:a16="http://schemas.microsoft.com/office/drawing/2014/main" id="{D1CBFBAA-1CB8-8B22-6E47-79D2B5FAD130}"/>
+                </a:ext>
+              </a:extLst>
+            </p:cNvPr>
+            <p:cNvSpPr txBox="1">
+              <a:spLocks/>
+            </p:cNvSpPr>
+            <p:nvPr/>
+          </p:nvSpPr>
+          <p:spPr>
+            <a:xfrm>
+              <a:off x="10393633" y="3886523"/>
+              <a:ext cx="1191353" cy="461665"/>
+            </a:xfrm>
+            <a:prstGeom prst="rect">
+              <a:avLst/>
+            </a:prstGeom>
+            <a:noFill/>
+          </p:spPr>
+          <p:txBody>
+            <a:bodyPr wrap="none" rtlCol="0">
+              <a:spAutoFit/>
+            </a:bodyPr>
+            <a:lstStyle/>
+            <a:p>
+              <a:pPr algn="ctr"/>
+              <a:r>
+                <a:rPr lang="en-US" sz="2400" b="1" dirty="0">
+                  <a:latin typeface="Helvetica" pitchFamily="2" charset="0"/>
+                </a:rPr>
+                <a:t>Output</a:t>
+              </a:r>
+            </a:p>
+          </p:txBody>
+        </p:sp>
+        <p:cxnSp>
+          <p:nvCxnSpPr>
+            <p:cNvPr id="244" name="Straight Connector 243">
+              <a:extLst>
+                <a:ext uri="{FF2B5EF4-FFF2-40B4-BE49-F238E27FC236}">
+                  <a16:creationId xmlns:a16="http://schemas.microsoft.com/office/drawing/2014/main" id="{B70AA9C4-E128-356B-CDA2-01CB0F6F1088}"/>
+                </a:ext>
+              </a:extLst>
+            </p:cNvPr>
+            <p:cNvCxnSpPr>
+              <a:cxnSpLocks/>
+            </p:cNvCxnSpPr>
+            <p:nvPr/>
+          </p:nvCxnSpPr>
+          <p:spPr>
+            <a:xfrm flipV="1">
+              <a:off x="472502" y="4929791"/>
+              <a:ext cx="1417177" cy="575349"/>
+            </a:xfrm>
+            <a:prstGeom prst="line">
+              <a:avLst/>
+            </a:prstGeom>
+            <a:ln w="28575" cap="flat">
+              <a:solidFill>
+                <a:schemeClr val="tx1">
+                  <a:lumMod val="65000"/>
+                  <a:lumOff val="35000"/>
+                </a:schemeClr>
+              </a:solidFill>
+              <a:prstDash val="sysDash"/>
+            </a:ln>
+          </p:spPr>
+          <p:style>
+            <a:lnRef idx="2">
+              <a:schemeClr val="accent1"/>
+            </a:lnRef>
+            <a:fillRef idx="0">
+              <a:schemeClr val="accent1"/>
+            </a:fillRef>
+            <a:effectRef idx="1">
+              <a:schemeClr val="accent1"/>
+            </a:effectRef>
+            <a:fontRef idx="minor">
+              <a:schemeClr val="tx1"/>
+            </a:fontRef>
+          </p:style>
+        </p:cxnSp>
+        <p:cxnSp>
+          <p:nvCxnSpPr>
+            <p:cNvPr id="246" name="Straight Connector 245">
+              <a:extLst>
+                <a:ext uri="{FF2B5EF4-FFF2-40B4-BE49-F238E27FC236}">
+                  <a16:creationId xmlns:a16="http://schemas.microsoft.com/office/drawing/2014/main" id="{3D5E37A4-DD81-5D95-008D-B1B12888C896}"/>
+                </a:ext>
+              </a:extLst>
+            </p:cNvPr>
+            <p:cNvCxnSpPr>
+              <a:cxnSpLocks/>
+            </p:cNvCxnSpPr>
+            <p:nvPr/>
+          </p:nvCxnSpPr>
+          <p:spPr>
+            <a:xfrm flipH="1" flipV="1">
+              <a:off x="10256439" y="4929791"/>
+              <a:ext cx="1463059" cy="565866"/>
+            </a:xfrm>
+            <a:prstGeom prst="line">
+              <a:avLst/>
+            </a:prstGeom>
+            <a:ln w="28575" cap="flat">
+              <a:solidFill>
+                <a:schemeClr val="tx1">
+                  <a:lumMod val="65000"/>
+                  <a:lumOff val="35000"/>
+                </a:schemeClr>
+              </a:solidFill>
+              <a:prstDash val="sysDash"/>
+            </a:ln>
+          </p:spPr>
+          <p:style>
+            <a:lnRef idx="2">
+              <a:schemeClr val="accent1"/>
+            </a:lnRef>
+            <a:fillRef idx="0">
+              <a:schemeClr val="accent1"/>
+            </a:fillRef>
+            <a:effectRef idx="1">
+              <a:schemeClr val="accent1"/>
+            </a:effectRef>
+            <a:fontRef idx="minor">
+              <a:schemeClr val="tx1"/>
+            </a:fontRef>
+          </p:style>
+        </p:cxnSp>
+        <p:sp>
+          <p:nvSpPr>
+            <p:cNvPr id="177" name="Rounded Rectangle 176">
+              <a:extLst>
+                <a:ext uri="{FF2B5EF4-FFF2-40B4-BE49-F238E27FC236}">
+                  <a16:creationId xmlns:a16="http://schemas.microsoft.com/office/drawing/2014/main" id="{3A1B0FDD-C744-70E9-72B5-64C6B0B631E1}"/>
+                </a:ext>
+              </a:extLst>
+            </p:cNvPr>
+            <p:cNvSpPr>
+              <a:spLocks/>
+            </p:cNvSpPr>
+            <p:nvPr/>
+          </p:nvSpPr>
+          <p:spPr>
+            <a:xfrm>
+              <a:off x="8390812" y="3203524"/>
+              <a:ext cx="1371600" cy="1371600"/>
+            </a:xfrm>
+            <a:prstGeom prst="roundRect">
+              <a:avLst/>
+            </a:prstGeom>
+            <a:solidFill>
+              <a:srgbClr val="FFFC00"/>
+            </a:solidFill>
+            <a:ln w="76200">
+              <a:solidFill>
+                <a:srgbClr val="FFFC00"/>
+              </a:solidFill>
+            </a:ln>
+          </p:spPr>
+          <p:style>
+            <a:lnRef idx="2">
+              <a:schemeClr val="accent1">
+                <a:shade val="15000"/>
+              </a:schemeClr>
+            </a:lnRef>
+            <a:fillRef idx="1">
+              <a:schemeClr val="accent1"/>
+            </a:fillRef>
+            <a:effectRef idx="0">
+              <a:schemeClr val="accent1"/>
+            </a:effectRef>
+            <a:fontRef idx="minor">
+              <a:schemeClr val="lt1"/>
+            </a:fontRef>
+          </p:style>
+          <p:txBody>
+            <a:bodyPr rtlCol="0" anchor="ctr"/>
+            <a:lstStyle/>
+            <a:p>
+              <a:pPr algn="ctr"/>
+              <a:r>
+                <a:rPr lang="en-US" sz="2400" i="1" dirty="0">
+                  <a:solidFill>
+                    <a:schemeClr val="tx1"/>
+                  </a:solidFill>
+                  <a:latin typeface="Helvetica" pitchFamily="2" charset="0"/>
+                </a:rPr>
+                <a:t>Output Layer</a:t>
+              </a:r>
+            </a:p>
+          </p:txBody>
+        </p:sp>
+        <p:cxnSp>
+          <p:nvCxnSpPr>
+            <p:cNvPr id="185" name="Straight Arrow Connector 184">
+              <a:extLst>
+                <a:ext uri="{FF2B5EF4-FFF2-40B4-BE49-F238E27FC236}">
+                  <a16:creationId xmlns:a16="http://schemas.microsoft.com/office/drawing/2014/main" id="{ABE7C2F4-7F1C-CB4F-A0C6-CECEBD025F11}"/>
+                </a:ext>
+              </a:extLst>
+            </p:cNvPr>
+            <p:cNvCxnSpPr>
+              <a:cxnSpLocks/>
+            </p:cNvCxnSpPr>
+            <p:nvPr/>
+          </p:nvCxnSpPr>
+          <p:spPr>
+            <a:xfrm>
+              <a:off x="7736605" y="3892414"/>
+              <a:ext cx="654207" cy="0"/>
+            </a:xfrm>
+            <a:prstGeom prst="straightConnector1">
+              <a:avLst/>
+            </a:prstGeom>
+            <a:ln w="28575">
+              <a:tailEnd type="triangle"/>
+            </a:ln>
+          </p:spPr>
+          <p:style>
+            <a:lnRef idx="2">
+              <a:schemeClr val="dk1"/>
+            </a:lnRef>
+            <a:fillRef idx="0">
+              <a:schemeClr val="dk1"/>
+            </a:fillRef>
+            <a:effectRef idx="1">
+              <a:schemeClr val="dk1"/>
+            </a:effectRef>
+            <a:fontRef idx="minor">
+              <a:schemeClr val="tx1"/>
+            </a:fontRef>
+          </p:style>
+        </p:cxnSp>
+        <p:sp>
+          <p:nvSpPr>
+            <p:cNvPr id="176" name="Rounded Rectangle 175">
+              <a:extLst>
+                <a:ext uri="{FF2B5EF4-FFF2-40B4-BE49-F238E27FC236}">
+                  <a16:creationId xmlns:a16="http://schemas.microsoft.com/office/drawing/2014/main" id="{57E0A3C5-00F1-2067-EFBC-810C4D44867A}"/>
+                </a:ext>
+              </a:extLst>
+            </p:cNvPr>
+            <p:cNvSpPr>
+              <a:spLocks/>
+            </p:cNvSpPr>
+            <p:nvPr/>
+          </p:nvSpPr>
+          <p:spPr>
+            <a:xfrm>
+              <a:off x="6365005" y="3203524"/>
+              <a:ext cx="1371600" cy="1371600"/>
+            </a:xfrm>
+            <a:prstGeom prst="roundRect">
+              <a:avLst/>
+            </a:prstGeom>
+            <a:solidFill>
+              <a:schemeClr val="bg1">
+                <a:lumMod val="85000"/>
+              </a:schemeClr>
+            </a:solidFill>
+            <a:ln w="76200">
+              <a:solidFill>
+                <a:schemeClr val="bg1">
+                  <a:lumMod val="85000"/>
+                </a:schemeClr>
+              </a:solidFill>
+            </a:ln>
+          </p:spPr>
+          <p:style>
+            <a:lnRef idx="2">
+              <a:schemeClr val="accent1">
+                <a:shade val="15000"/>
+              </a:schemeClr>
+            </a:lnRef>
+            <a:fillRef idx="1">
+              <a:schemeClr val="accent1"/>
+            </a:fillRef>
+            <a:effectRef idx="0">
+              <a:schemeClr val="accent1"/>
+            </a:effectRef>
+            <a:fontRef idx="minor">
+              <a:schemeClr val="lt1"/>
+            </a:fontRef>
+          </p:style>
+          <p:txBody>
+            <a:bodyPr rtlCol="0" anchor="ctr"/>
+            <a:lstStyle/>
+            <a:p>
+              <a:pPr algn="ctr"/>
+              <a:r>
+                <a:rPr lang="en-US" sz="2400" i="1" dirty="0">
+                  <a:solidFill>
+                    <a:schemeClr val="tx1"/>
+                  </a:solidFill>
+                  <a:latin typeface="Helvetica" pitchFamily="2" charset="0"/>
+                </a:rPr>
+                <a:t>Dense Layer</a:t>
+              </a:r>
+            </a:p>
+          </p:txBody>
+        </p:sp>
+        <p:cxnSp>
+          <p:nvCxnSpPr>
+            <p:cNvPr id="184" name="Straight Arrow Connector 183">
+              <a:extLst>
+                <a:ext uri="{FF2B5EF4-FFF2-40B4-BE49-F238E27FC236}">
+                  <a16:creationId xmlns:a16="http://schemas.microsoft.com/office/drawing/2014/main" id="{2CCB6907-5D4F-A7BF-E6B0-582F9650002B}"/>
+                </a:ext>
+              </a:extLst>
+            </p:cNvPr>
+            <p:cNvCxnSpPr>
+              <a:cxnSpLocks/>
+            </p:cNvCxnSpPr>
+            <p:nvPr/>
+          </p:nvCxnSpPr>
+          <p:spPr>
+            <a:xfrm>
+              <a:off x="5710797" y="3892414"/>
+              <a:ext cx="654208" cy="0"/>
+            </a:xfrm>
+            <a:prstGeom prst="straightConnector1">
+              <a:avLst/>
+            </a:prstGeom>
+            <a:ln w="28575">
+              <a:tailEnd type="triangle"/>
+            </a:ln>
+          </p:spPr>
+          <p:style>
+            <a:lnRef idx="2">
+              <a:schemeClr val="dk1"/>
+            </a:lnRef>
+            <a:fillRef idx="0">
+              <a:schemeClr val="dk1"/>
+            </a:fillRef>
+            <a:effectRef idx="1">
+              <a:schemeClr val="dk1"/>
+            </a:effectRef>
+            <a:fontRef idx="minor">
+              <a:schemeClr val="tx1"/>
+            </a:fontRef>
+          </p:style>
+        </p:cxnSp>
+        <p:sp>
+          <p:nvSpPr>
+            <p:cNvPr id="175" name="Rounded Rectangle 174">
+              <a:extLst>
+                <a:ext uri="{FF2B5EF4-FFF2-40B4-BE49-F238E27FC236}">
+                  <a16:creationId xmlns:a16="http://schemas.microsoft.com/office/drawing/2014/main" id="{E6CE437F-060A-A4C4-4CB2-03FAE618592B}"/>
+                </a:ext>
+              </a:extLst>
+            </p:cNvPr>
+            <p:cNvSpPr>
+              <a:spLocks/>
+            </p:cNvSpPr>
+            <p:nvPr/>
+          </p:nvSpPr>
+          <p:spPr>
+            <a:xfrm>
+              <a:off x="4339197" y="3203524"/>
+              <a:ext cx="1371600" cy="1371600"/>
+            </a:xfrm>
+            <a:prstGeom prst="roundRect">
+              <a:avLst/>
+            </a:prstGeom>
+            <a:solidFill>
+              <a:srgbClr val="8EFA00"/>
+            </a:solidFill>
+            <a:ln w="76200">
+              <a:solidFill>
+                <a:srgbClr val="8EFA00"/>
+              </a:solidFill>
+            </a:ln>
+          </p:spPr>
+          <p:style>
+            <a:lnRef idx="2">
+              <a:schemeClr val="accent1">
+                <a:shade val="15000"/>
+              </a:schemeClr>
+            </a:lnRef>
+            <a:fillRef idx="1">
+              <a:schemeClr val="accent1"/>
+            </a:fillRef>
+            <a:effectRef idx="0">
+              <a:schemeClr val="accent1"/>
+            </a:effectRef>
+            <a:fontRef idx="minor">
+              <a:schemeClr val="lt1"/>
+            </a:fontRef>
+          </p:style>
+          <p:txBody>
+            <a:bodyPr rtlCol="0" anchor="ctr"/>
+            <a:lstStyle/>
+            <a:p>
+              <a:pPr algn="ctr"/>
+              <a:r>
+                <a:rPr lang="en-US" sz="2400" i="1" dirty="0">
+                  <a:solidFill>
+                    <a:schemeClr val="tx1"/>
+                  </a:solidFill>
+                  <a:latin typeface="Helvetica" pitchFamily="2" charset="0"/>
+                </a:rPr>
+                <a:t>LSTM Layer</a:t>
+              </a:r>
+            </a:p>
+          </p:txBody>
+        </p:sp>
+        <p:cxnSp>
+          <p:nvCxnSpPr>
+            <p:cNvPr id="199" name="Straight Arrow Connector 198">
+              <a:extLst>
+                <a:ext uri="{FF2B5EF4-FFF2-40B4-BE49-F238E27FC236}">
+                  <a16:creationId xmlns:a16="http://schemas.microsoft.com/office/drawing/2014/main" id="{6C6A78D4-FC3C-57EC-ACC9-3B0D03A1774A}"/>
+                </a:ext>
+              </a:extLst>
+            </p:cNvPr>
+            <p:cNvCxnSpPr>
+              <a:cxnSpLocks/>
+            </p:cNvCxnSpPr>
+            <p:nvPr/>
+          </p:nvCxnSpPr>
+          <p:spPr>
+            <a:xfrm>
+              <a:off x="4239941" y="3730525"/>
+              <a:ext cx="99256" cy="0"/>
+            </a:xfrm>
+            <a:prstGeom prst="straightConnector1">
+              <a:avLst/>
+            </a:prstGeom>
+            <a:ln w="28575">
+              <a:tailEnd type="triangle"/>
+            </a:ln>
+          </p:spPr>
+          <p:style>
+            <a:lnRef idx="2">
+              <a:schemeClr val="dk1"/>
+            </a:lnRef>
+            <a:fillRef idx="0">
+              <a:schemeClr val="dk1"/>
+            </a:fillRef>
+            <a:effectRef idx="1">
+              <a:schemeClr val="dk1"/>
+            </a:effectRef>
+            <a:fontRef idx="minor">
+              <a:schemeClr val="tx1"/>
+            </a:fontRef>
+          </p:style>
+        </p:cxnSp>
+        <p:cxnSp>
+          <p:nvCxnSpPr>
+            <p:cNvPr id="181" name="Straight Arrow Connector 180">
+              <a:extLst>
+                <a:ext uri="{FF2B5EF4-FFF2-40B4-BE49-F238E27FC236}">
+                  <a16:creationId xmlns:a16="http://schemas.microsoft.com/office/drawing/2014/main" id="{83895A63-31BD-5B61-2A15-DB4149BB5EB8}"/>
+                </a:ext>
+              </a:extLst>
+            </p:cNvPr>
+            <p:cNvCxnSpPr>
+              <a:cxnSpLocks/>
+            </p:cNvCxnSpPr>
+            <p:nvPr/>
+          </p:nvCxnSpPr>
+          <p:spPr>
+            <a:xfrm>
+              <a:off x="3684989" y="3892414"/>
+              <a:ext cx="654208" cy="0"/>
+            </a:xfrm>
+            <a:prstGeom prst="straightConnector1">
+              <a:avLst/>
+            </a:prstGeom>
+            <a:ln w="28575">
+              <a:tailEnd type="triangle"/>
+            </a:ln>
+          </p:spPr>
+          <p:style>
+            <a:lnRef idx="2">
+              <a:schemeClr val="dk1"/>
+            </a:lnRef>
+            <a:fillRef idx="0">
+              <a:schemeClr val="dk1"/>
+            </a:fillRef>
+            <a:effectRef idx="1">
+              <a:schemeClr val="dk1"/>
+            </a:effectRef>
+            <a:fontRef idx="minor">
+              <a:schemeClr val="tx1"/>
+            </a:fontRef>
+          </p:style>
+        </p:cxnSp>
+        <p:sp>
+          <p:nvSpPr>
+            <p:cNvPr id="174" name="Rounded Rectangle 173">
+              <a:extLst>
+                <a:ext uri="{FF2B5EF4-FFF2-40B4-BE49-F238E27FC236}">
+                  <a16:creationId xmlns:a16="http://schemas.microsoft.com/office/drawing/2014/main" id="{F115AB14-AA34-86E4-1669-12A8746400E6}"/>
+                </a:ext>
+              </a:extLst>
+            </p:cNvPr>
+            <p:cNvSpPr>
+              <a:spLocks/>
+            </p:cNvSpPr>
+            <p:nvPr/>
+          </p:nvSpPr>
+          <p:spPr>
+            <a:xfrm>
+              <a:off x="2313389" y="3203524"/>
+              <a:ext cx="1371600" cy="1371600"/>
+            </a:xfrm>
+            <a:prstGeom prst="roundRect">
+              <a:avLst/>
+            </a:prstGeom>
+            <a:solidFill>
+              <a:srgbClr val="00FDFF"/>
+            </a:solidFill>
+            <a:ln w="76200">
+              <a:solidFill>
+                <a:srgbClr val="00FDFF"/>
+              </a:solidFill>
+            </a:ln>
+          </p:spPr>
+          <p:style>
+            <a:lnRef idx="2">
+              <a:schemeClr val="accent1">
+                <a:shade val="15000"/>
+              </a:schemeClr>
+            </a:lnRef>
+            <a:fillRef idx="1">
+              <a:schemeClr val="accent1"/>
+            </a:fillRef>
+            <a:effectRef idx="0">
+              <a:schemeClr val="accent1"/>
+            </a:effectRef>
+            <a:fontRef idx="minor">
+              <a:schemeClr val="lt1"/>
+            </a:fontRef>
+          </p:style>
+          <p:txBody>
+            <a:bodyPr rtlCol="0" anchor="ctr"/>
+            <a:lstStyle/>
+            <a:p>
+              <a:pPr algn="ctr"/>
+              <a:r>
+                <a:rPr lang="en-US" sz="2400" i="1" dirty="0">
+                  <a:solidFill>
+                    <a:schemeClr val="tx1"/>
+                  </a:solidFill>
+                  <a:latin typeface="Helvetica" pitchFamily="2" charset="0"/>
+                </a:rPr>
+                <a:t>Input Layer</a:t>
+              </a:r>
+            </a:p>
+          </p:txBody>
+        </p:sp>
+        <p:cxnSp>
+          <p:nvCxnSpPr>
+            <p:cNvPr id="178" name="Straight Arrow Connector 177">
+              <a:extLst>
+                <a:ext uri="{FF2B5EF4-FFF2-40B4-BE49-F238E27FC236}">
+                  <a16:creationId xmlns:a16="http://schemas.microsoft.com/office/drawing/2014/main" id="{91F92F60-C3B0-2FAF-7712-3758BBE10F08}"/>
+                </a:ext>
+              </a:extLst>
+            </p:cNvPr>
+            <p:cNvCxnSpPr>
+              <a:cxnSpLocks/>
+            </p:cNvCxnSpPr>
+            <p:nvPr/>
+          </p:nvCxnSpPr>
+          <p:spPr>
+            <a:xfrm>
+              <a:off x="570996" y="3891014"/>
+              <a:ext cx="1742393" cy="2800"/>
+            </a:xfrm>
+            <a:prstGeom prst="straightConnector1">
+              <a:avLst/>
+            </a:prstGeom>
+            <a:ln w="28575">
+              <a:tailEnd type="triangle"/>
+            </a:ln>
+          </p:spPr>
+          <p:style>
+            <a:lnRef idx="2">
+              <a:schemeClr val="dk1"/>
+            </a:lnRef>
+            <a:fillRef idx="0">
+              <a:schemeClr val="dk1"/>
+            </a:fillRef>
+            <a:effectRef idx="1">
+              <a:schemeClr val="dk1"/>
+            </a:effectRef>
+            <a:fontRef idx="minor">
+              <a:schemeClr val="tx1"/>
+            </a:fontRef>
+          </p:style>
+        </p:cxnSp>
+        <p:cxnSp>
+          <p:nvCxnSpPr>
+            <p:cNvPr id="8" name="Straight Arrow Connector 7">
+              <a:extLst>
+                <a:ext uri="{FF2B5EF4-FFF2-40B4-BE49-F238E27FC236}">
+                  <a16:creationId xmlns:a16="http://schemas.microsoft.com/office/drawing/2014/main" id="{BA1CCB7D-3B8E-4894-E528-2D6307BCF0CA}"/>
+                </a:ext>
+              </a:extLst>
+            </p:cNvPr>
+            <p:cNvCxnSpPr>
+              <a:cxnSpLocks/>
+            </p:cNvCxnSpPr>
+            <p:nvPr/>
+          </p:nvCxnSpPr>
+          <p:spPr>
+            <a:xfrm rot="16200000">
+              <a:off x="10755442" y="3203524"/>
+              <a:ext cx="99256" cy="0"/>
+            </a:xfrm>
+            <a:prstGeom prst="straightConnector1">
+              <a:avLst/>
+            </a:prstGeom>
+            <a:ln w="28575">
+              <a:solidFill>
+                <a:schemeClr val="bg1"/>
+              </a:solidFill>
+              <a:tailEnd type="triangle"/>
+            </a:ln>
+          </p:spPr>
+          <p:style>
+            <a:lnRef idx="2">
+              <a:schemeClr val="dk1"/>
+            </a:lnRef>
+            <a:fillRef idx="0">
+              <a:schemeClr val="dk1"/>
+            </a:fillRef>
+            <a:effectRef idx="1">
+              <a:schemeClr val="dk1"/>
+            </a:effectRef>
+            <a:fontRef idx="minor">
+              <a:schemeClr val="tx1"/>
+            </a:fontRef>
+          </p:style>
+        </p:cxnSp>
+        <p:cxnSp>
+          <p:nvCxnSpPr>
+            <p:cNvPr id="212" name="Straight Arrow Connector 211">
+              <a:extLst>
+                <a:ext uri="{FF2B5EF4-FFF2-40B4-BE49-F238E27FC236}">
+                  <a16:creationId xmlns:a16="http://schemas.microsoft.com/office/drawing/2014/main" id="{2DE0DE1A-1AF3-092A-6759-FEEDBB774343}"/>
+                </a:ext>
+              </a:extLst>
+            </p:cNvPr>
+            <p:cNvCxnSpPr>
+              <a:cxnSpLocks/>
+            </p:cNvCxnSpPr>
+            <p:nvPr/>
+          </p:nvCxnSpPr>
+          <p:spPr>
+            <a:xfrm rot="16200000">
+              <a:off x="10755442" y="3242251"/>
+              <a:ext cx="99256" cy="0"/>
+            </a:xfrm>
+            <a:prstGeom prst="straightConnector1">
+              <a:avLst/>
+            </a:prstGeom>
+            <a:ln w="28575">
+              <a:tailEnd type="triangle"/>
+            </a:ln>
+          </p:spPr>
+          <p:style>
+            <a:lnRef idx="2">
+              <a:schemeClr val="dk1"/>
+            </a:lnRef>
+            <a:fillRef idx="0">
+              <a:schemeClr val="dk1"/>
+            </a:fillRef>
+            <a:effectRef idx="1">
+              <a:schemeClr val="dk1"/>
+            </a:effectRef>
+            <a:fontRef idx="minor">
+              <a:schemeClr val="tx1"/>
+            </a:fontRef>
+          </p:style>
+        </p:cxnSp>
+        <p:cxnSp>
+          <p:nvCxnSpPr>
+            <p:cNvPr id="12" name="Straight Arrow Connector 11">
+              <a:extLst>
+                <a:ext uri="{FF2B5EF4-FFF2-40B4-BE49-F238E27FC236}">
+                  <a16:creationId xmlns:a16="http://schemas.microsoft.com/office/drawing/2014/main" id="{5DEB0CED-D55D-7E73-878A-5889B43498CE}"/>
+                </a:ext>
+              </a:extLst>
+            </p:cNvPr>
+            <p:cNvCxnSpPr>
+              <a:cxnSpLocks/>
+            </p:cNvCxnSpPr>
+            <p:nvPr/>
+          </p:nvCxnSpPr>
+          <p:spPr>
+            <a:xfrm rot="16200000" flipH="1" flipV="1">
+              <a:off x="1286423" y="3377812"/>
+              <a:ext cx="99256" cy="0"/>
+            </a:xfrm>
+            <a:prstGeom prst="straightConnector1">
+              <a:avLst/>
+            </a:prstGeom>
+            <a:ln w="28575">
+              <a:solidFill>
+                <a:schemeClr val="bg1"/>
+              </a:solidFill>
+              <a:tailEnd type="triangle"/>
+            </a:ln>
+          </p:spPr>
+          <p:style>
+            <a:lnRef idx="2">
+              <a:schemeClr val="dk1"/>
+            </a:lnRef>
+            <a:fillRef idx="0">
+              <a:schemeClr val="dk1"/>
+            </a:fillRef>
+            <a:effectRef idx="1">
+              <a:schemeClr val="dk1"/>
+            </a:effectRef>
+            <a:fontRef idx="minor">
+              <a:schemeClr val="tx1"/>
+            </a:fontRef>
+          </p:style>
+        </p:cxnSp>
+        <p:cxnSp>
+          <p:nvCxnSpPr>
+            <p:cNvPr id="213" name="Straight Arrow Connector 212">
+              <a:extLst>
+                <a:ext uri="{FF2B5EF4-FFF2-40B4-BE49-F238E27FC236}">
+                  <a16:creationId xmlns:a16="http://schemas.microsoft.com/office/drawing/2014/main" id="{3B70FF71-E030-BCEE-1A6A-243A62645FDE}"/>
+                </a:ext>
+              </a:extLst>
+            </p:cNvPr>
+            <p:cNvCxnSpPr>
+              <a:cxnSpLocks/>
+            </p:cNvCxnSpPr>
+            <p:nvPr/>
+          </p:nvCxnSpPr>
+          <p:spPr>
+            <a:xfrm rot="16200000" flipH="1" flipV="1">
+              <a:off x="1286423" y="3334142"/>
+              <a:ext cx="99256" cy="0"/>
+            </a:xfrm>
+            <a:prstGeom prst="straightConnector1">
+              <a:avLst/>
+            </a:prstGeom>
+            <a:ln w="28575">
+              <a:tailEnd type="triangle"/>
+            </a:ln>
+          </p:spPr>
+          <p:style>
+            <a:lnRef idx="2">
+              <a:schemeClr val="dk1"/>
+            </a:lnRef>
+            <a:fillRef idx="0">
+              <a:schemeClr val="dk1"/>
+            </a:fillRef>
+            <a:effectRef idx="1">
+              <a:schemeClr val="dk1"/>
+            </a:effectRef>
+            <a:fontRef idx="minor">
+              <a:schemeClr val="tx1"/>
+            </a:fontRef>
+          </p:style>
+        </p:cxnSp>
+        <p:cxnSp>
+          <p:nvCxnSpPr>
+            <p:cNvPr id="14" name="Straight Arrow Connector 13">
+              <a:extLst>
+                <a:ext uri="{FF2B5EF4-FFF2-40B4-BE49-F238E27FC236}">
+                  <a16:creationId xmlns:a16="http://schemas.microsoft.com/office/drawing/2014/main" id="{8628E84B-7FCB-0274-48C9-226CE8D307F0}"/>
+                </a:ext>
+              </a:extLst>
+            </p:cNvPr>
+            <p:cNvCxnSpPr>
+              <a:cxnSpLocks/>
+            </p:cNvCxnSpPr>
+            <p:nvPr/>
+          </p:nvCxnSpPr>
+          <p:spPr>
+            <a:xfrm rot="16200000">
+              <a:off x="5983792" y="3341507"/>
+              <a:ext cx="99256" cy="0"/>
+            </a:xfrm>
+            <a:prstGeom prst="straightConnector1">
+              <a:avLst/>
+            </a:prstGeom>
+            <a:ln w="28575">
+              <a:solidFill>
+                <a:schemeClr val="bg1"/>
+              </a:solidFill>
+              <a:tailEnd type="triangle"/>
+            </a:ln>
+          </p:spPr>
+          <p:style>
+            <a:lnRef idx="2">
+              <a:schemeClr val="dk1"/>
+            </a:lnRef>
+            <a:fillRef idx="0">
+              <a:schemeClr val="dk1"/>
+            </a:fillRef>
+            <a:effectRef idx="1">
+              <a:schemeClr val="dk1"/>
+            </a:effectRef>
+            <a:fontRef idx="minor">
+              <a:schemeClr val="tx1"/>
+            </a:fontRef>
+          </p:style>
+        </p:cxnSp>
+        <p:cxnSp>
+          <p:nvCxnSpPr>
+            <p:cNvPr id="202" name="Straight Arrow Connector 201">
+              <a:extLst>
+                <a:ext uri="{FF2B5EF4-FFF2-40B4-BE49-F238E27FC236}">
+                  <a16:creationId xmlns:a16="http://schemas.microsoft.com/office/drawing/2014/main" id="{BF075C24-7374-5B18-E063-244EAE4E55C8}"/>
+                </a:ext>
+              </a:extLst>
+            </p:cNvPr>
+            <p:cNvCxnSpPr>
+              <a:cxnSpLocks/>
+            </p:cNvCxnSpPr>
+            <p:nvPr/>
+          </p:nvCxnSpPr>
+          <p:spPr>
+            <a:xfrm rot="16200000">
+              <a:off x="5980657" y="3383771"/>
+              <a:ext cx="99256" cy="0"/>
+            </a:xfrm>
+            <a:prstGeom prst="straightConnector1">
+              <a:avLst/>
+            </a:prstGeom>
+            <a:ln w="28575">
+              <a:tailEnd type="triangle"/>
+            </a:ln>
+          </p:spPr>
+          <p:style>
+            <a:lnRef idx="2">
+              <a:schemeClr val="dk1"/>
+            </a:lnRef>
+            <a:fillRef idx="0">
+              <a:schemeClr val="dk1"/>
+            </a:fillRef>
+            <a:effectRef idx="1">
+              <a:schemeClr val="dk1"/>
+            </a:effectRef>
+            <a:fontRef idx="minor">
+              <a:schemeClr val="tx1"/>
+            </a:fontRef>
+          </p:style>
+        </p:cxnSp>
+        <p:sp>
+          <p:nvSpPr>
+            <p:cNvPr id="163" name="TextBox 162">
+              <a:extLst>
+                <a:ext uri="{FF2B5EF4-FFF2-40B4-BE49-F238E27FC236}">
+                  <a16:creationId xmlns:a16="http://schemas.microsoft.com/office/drawing/2014/main" id="{04BCA9A4-3F93-948B-813C-CD6F90CEE204}"/>
+                </a:ext>
+              </a:extLst>
+            </p:cNvPr>
+            <p:cNvSpPr txBox="1">
+              <a:spLocks/>
+            </p:cNvSpPr>
+            <p:nvPr/>
+          </p:nvSpPr>
+          <p:spPr>
+            <a:xfrm>
+              <a:off x="2416615" y="10241243"/>
+              <a:ext cx="1169869" cy="830997"/>
+            </a:xfrm>
+            <a:prstGeom prst="rect">
+              <a:avLst/>
+            </a:prstGeom>
+            <a:noFill/>
+          </p:spPr>
+          <p:txBody>
+            <a:bodyPr wrap="square" rtlCol="0">
+              <a:spAutoFit/>
+            </a:bodyPr>
+            <a:lstStyle/>
+            <a:p>
+              <a:pPr algn="ctr"/>
+              <a:r>
+                <a:rPr lang="en-US" sz="2400" i="1" dirty="0">
+                  <a:latin typeface="Helvetica" pitchFamily="2" charset="0"/>
+                </a:rPr>
+                <a:t>Input Layer</a:t>
+              </a:r>
+            </a:p>
+          </p:txBody>
+        </p:sp>
+        <p:sp>
+          <p:nvSpPr>
+            <p:cNvPr id="164" name="TextBox 163">
+              <a:extLst>
+                <a:ext uri="{FF2B5EF4-FFF2-40B4-BE49-F238E27FC236}">
+                  <a16:creationId xmlns:a16="http://schemas.microsoft.com/office/drawing/2014/main" id="{4A5EC7C5-4856-0CAE-8A67-3E2624F686EF}"/>
+                </a:ext>
+              </a:extLst>
+            </p:cNvPr>
+            <p:cNvSpPr txBox="1">
+              <a:spLocks/>
+            </p:cNvSpPr>
+            <p:nvPr/>
+          </p:nvSpPr>
+          <p:spPr>
+            <a:xfrm>
+              <a:off x="4697834" y="10241243"/>
+              <a:ext cx="1262269" cy="830997"/>
+            </a:xfrm>
+            <a:prstGeom prst="rect">
+              <a:avLst/>
+            </a:prstGeom>
+            <a:noFill/>
+          </p:spPr>
+          <p:txBody>
+            <a:bodyPr wrap="square" rtlCol="0">
+              <a:spAutoFit/>
+            </a:bodyPr>
+            <a:lstStyle/>
+            <a:p>
+              <a:pPr algn="ctr"/>
+              <a:r>
+                <a:rPr lang="en-US" sz="2400" i="1" dirty="0">
+                  <a:latin typeface="Helvetica" pitchFamily="2" charset="0"/>
+                </a:rPr>
+                <a:t>LSTM Layer</a:t>
+              </a:r>
+            </a:p>
+          </p:txBody>
+        </p:sp>
+        <p:sp>
+          <p:nvSpPr>
+            <p:cNvPr id="165" name="TextBox 164">
+              <a:extLst>
+                <a:ext uri="{FF2B5EF4-FFF2-40B4-BE49-F238E27FC236}">
+                  <a16:creationId xmlns:a16="http://schemas.microsoft.com/office/drawing/2014/main" id="{48AED5DD-B2C1-5D5C-027D-9FB8C170272B}"/>
+                </a:ext>
+              </a:extLst>
+            </p:cNvPr>
+            <p:cNvSpPr txBox="1">
+              <a:spLocks/>
+            </p:cNvSpPr>
+            <p:nvPr/>
+          </p:nvSpPr>
+          <p:spPr>
+            <a:xfrm>
+              <a:off x="7005921" y="10241243"/>
+              <a:ext cx="1310097" cy="830997"/>
+            </a:xfrm>
+            <a:prstGeom prst="rect">
+              <a:avLst/>
+            </a:prstGeom>
+            <a:noFill/>
+          </p:spPr>
+          <p:txBody>
+            <a:bodyPr wrap="square" rtlCol="0">
+              <a:spAutoFit/>
+            </a:bodyPr>
+            <a:lstStyle/>
+            <a:p>
+              <a:pPr algn="ctr"/>
+              <a:r>
+                <a:rPr lang="en-US" sz="2400" i="1" dirty="0">
+                  <a:latin typeface="Helvetica" pitchFamily="2" charset="0"/>
+                </a:rPr>
+                <a:t>Dense Layer</a:t>
+              </a:r>
+            </a:p>
+          </p:txBody>
+        </p:sp>
+        <p:sp>
+          <p:nvSpPr>
+            <p:cNvPr id="166" name="TextBox 165">
+              <a:extLst>
+                <a:ext uri="{FF2B5EF4-FFF2-40B4-BE49-F238E27FC236}">
+                  <a16:creationId xmlns:a16="http://schemas.microsoft.com/office/drawing/2014/main" id="{CB26AB70-1E08-7454-005C-C4C251E3BB54}"/>
+                </a:ext>
+              </a:extLst>
+            </p:cNvPr>
+            <p:cNvSpPr txBox="1">
+              <a:spLocks/>
+            </p:cNvSpPr>
+            <p:nvPr/>
+          </p:nvSpPr>
+          <p:spPr>
+            <a:xfrm>
+              <a:off x="9323088" y="10241243"/>
+              <a:ext cx="1331838" cy="830997"/>
+            </a:xfrm>
+            <a:prstGeom prst="rect">
+              <a:avLst/>
+            </a:prstGeom>
+            <a:noFill/>
+          </p:spPr>
+          <p:txBody>
+            <a:bodyPr wrap="square" rtlCol="0">
+              <a:spAutoFit/>
+            </a:bodyPr>
+            <a:lstStyle/>
+            <a:p>
+              <a:pPr algn="ctr"/>
+              <a:r>
+                <a:rPr lang="en-US" sz="2400" i="1" dirty="0">
+                  <a:latin typeface="Helvetica" pitchFamily="2" charset="0"/>
+                </a:rPr>
+                <a:t>Output Layer</a:t>
+              </a:r>
+            </a:p>
+          </p:txBody>
+        </p:sp>
+        <p:sp>
+          <p:nvSpPr>
+            <p:cNvPr id="127" name="Rectangle 126">
+              <a:extLst>
+                <a:ext uri="{FF2B5EF4-FFF2-40B4-BE49-F238E27FC236}">
+                  <a16:creationId xmlns:a16="http://schemas.microsoft.com/office/drawing/2014/main" id="{838F4425-E56D-1540-F540-D3F0A5BF00C2}"/>
+                </a:ext>
+              </a:extLst>
+            </p:cNvPr>
+            <p:cNvSpPr>
+              <a:spLocks/>
+            </p:cNvSpPr>
+            <p:nvPr/>
+          </p:nvSpPr>
+          <p:spPr>
+            <a:xfrm>
+              <a:off x="4688895" y="5735610"/>
+              <a:ext cx="1280146" cy="4375719"/>
+            </a:xfrm>
+            <a:prstGeom prst="rect">
+              <a:avLst/>
+            </a:prstGeom>
+            <a:noFill/>
+            <a:ln w="19050">
+              <a:solidFill>
+                <a:schemeClr val="tx1">
+                  <a:lumMod val="75000"/>
+                  <a:lumOff val="25000"/>
+                </a:schemeClr>
+              </a:solidFill>
+              <a:prstDash val="sysDash"/>
+            </a:ln>
+          </p:spPr>
+          <p:style>
+            <a:lnRef idx="2">
+              <a:schemeClr val="accent1">
+                <a:shade val="15000"/>
+              </a:schemeClr>
+            </a:lnRef>
+            <a:fillRef idx="1">
+              <a:schemeClr val="accent1"/>
+            </a:fillRef>
+            <a:effectRef idx="0">
+              <a:schemeClr val="accent1"/>
+            </a:effectRef>
+            <a:fontRef idx="minor">
+              <a:schemeClr val="lt1"/>
+            </a:fontRef>
+          </p:style>
+          <p:txBody>
+            <a:bodyPr rtlCol="0" anchor="ctr"/>
+            <a:lstStyle/>
+            <a:p>
+              <a:pPr algn="ctr"/>
+              <a:endParaRPr lang="en-US"/>
+            </a:p>
+          </p:txBody>
+        </p:sp>
+        <p:sp>
+          <p:nvSpPr>
+            <p:cNvPr id="128" name="Rectangle 127">
+              <a:extLst>
+                <a:ext uri="{FF2B5EF4-FFF2-40B4-BE49-F238E27FC236}">
+                  <a16:creationId xmlns:a16="http://schemas.microsoft.com/office/drawing/2014/main" id="{E051D286-1478-6767-38AB-9B7CB0C62621}"/>
+                </a:ext>
+              </a:extLst>
+            </p:cNvPr>
+            <p:cNvSpPr>
+              <a:spLocks/>
+            </p:cNvSpPr>
+            <p:nvPr/>
+          </p:nvSpPr>
+          <p:spPr>
+            <a:xfrm>
+              <a:off x="6183165" y="5735610"/>
+              <a:ext cx="2955608" cy="4375719"/>
+            </a:xfrm>
+            <a:prstGeom prst="rect">
+              <a:avLst/>
+            </a:prstGeom>
+            <a:noFill/>
+            <a:ln w="19050">
+              <a:solidFill>
+                <a:schemeClr val="tx1">
+                  <a:lumMod val="75000"/>
+                  <a:lumOff val="25000"/>
+                </a:schemeClr>
+              </a:solidFill>
+              <a:prstDash val="sysDash"/>
+            </a:ln>
+          </p:spPr>
+          <p:style>
+            <a:lnRef idx="2">
+              <a:schemeClr val="accent1">
+                <a:shade val="15000"/>
+              </a:schemeClr>
+            </a:lnRef>
+            <a:fillRef idx="1">
+              <a:schemeClr val="accent1"/>
+            </a:fillRef>
+            <a:effectRef idx="0">
+              <a:schemeClr val="accent1"/>
+            </a:effectRef>
+            <a:fontRef idx="minor">
+              <a:schemeClr val="lt1"/>
+            </a:fontRef>
+          </p:style>
+          <p:txBody>
+            <a:bodyPr rtlCol="0" anchor="ctr"/>
+            <a:lstStyle/>
+            <a:p>
+              <a:pPr algn="ctr"/>
+              <a:endParaRPr lang="en-US"/>
+            </a:p>
+          </p:txBody>
+        </p:sp>
+        <p:grpSp>
+          <p:nvGrpSpPr>
+            <p:cNvPr id="11" name="Group 10">
+              <a:extLst>
+                <a:ext uri="{FF2B5EF4-FFF2-40B4-BE49-F238E27FC236}">
+                  <a16:creationId xmlns:a16="http://schemas.microsoft.com/office/drawing/2014/main" id="{64E74C3E-5200-985C-4A40-14AC82B2BE51}"/>
+                </a:ext>
+              </a:extLst>
+            </p:cNvPr>
+            <p:cNvGrpSpPr>
+              <a:grpSpLocks/>
+            </p:cNvGrpSpPr>
+            <p:nvPr/>
+          </p:nvGrpSpPr>
+          <p:grpSpPr>
+            <a:xfrm>
+              <a:off x="4989853" y="6017921"/>
+              <a:ext cx="685800" cy="3638589"/>
+              <a:chOff x="3901464" y="1154139"/>
+              <a:chExt cx="685800" cy="3638589"/>
+            </a:xfrm>
+            <a:solidFill>
+              <a:srgbClr val="8EFA00"/>
+            </a:solidFill>
+          </p:grpSpPr>
+          <p:sp>
+            <p:nvSpPr>
+              <p:cNvPr id="6" name="Oval 5">
+                <a:extLst>
+                  <a:ext uri="{FF2B5EF4-FFF2-40B4-BE49-F238E27FC236}">
+                    <a16:creationId xmlns:a16="http://schemas.microsoft.com/office/drawing/2014/main" id="{EC24C561-D975-619A-1E14-15E893E37324}"/>
+                  </a:ext>
+                </a:extLst>
+              </p:cNvPr>
+              <p:cNvSpPr>
+                <a:spLocks/>
+              </p:cNvSpPr>
+              <p:nvPr/>
+            </p:nvSpPr>
+            <p:spPr>
+              <a:xfrm>
+                <a:off x="3901464" y="1154139"/>
+                <a:ext cx="685800" cy="685800"/>
+              </a:xfrm>
+              <a:prstGeom prst="ellipse">
+                <a:avLst/>
+              </a:prstGeom>
+              <a:grpFill/>
+              <a:ln w="12700">
+                <a:solidFill>
+                  <a:srgbClr val="8EFA00"/>
+                </a:solidFill>
+              </a:ln>
+            </p:spPr>
+            <p:style>
+              <a:lnRef idx="2">
+                <a:schemeClr val="accent1">
+                  <a:shade val="15000"/>
+                </a:schemeClr>
+              </a:lnRef>
+              <a:fillRef idx="1">
+                <a:schemeClr val="accent1"/>
+              </a:fillRef>
+              <a:effectRef idx="0">
+                <a:schemeClr val="accent1"/>
+              </a:effectRef>
+              <a:fontRef idx="minor">
+                <a:schemeClr val="lt1"/>
+              </a:fontRef>
+            </p:style>
+            <p:txBody>
+              <a:bodyPr rtlCol="0" anchor="ctr"/>
+              <a:lstStyle/>
+              <a:p>
+                <a:pPr algn="ctr"/>
+                <a:endParaRPr lang="en-US">
+                  <a:latin typeface="Helvetica" pitchFamily="2" charset="0"/>
+                </a:endParaRPr>
+              </a:p>
+            </p:txBody>
+          </p:sp>
+          <p:sp>
+            <p:nvSpPr>
+              <p:cNvPr id="7" name="Oval 6">
+                <a:extLst>
+                  <a:ext uri="{FF2B5EF4-FFF2-40B4-BE49-F238E27FC236}">
+                    <a16:creationId xmlns:a16="http://schemas.microsoft.com/office/drawing/2014/main" id="{E09D7B06-D3FC-B405-7408-45F742469A0D}"/>
+                  </a:ext>
+                </a:extLst>
+              </p:cNvPr>
+              <p:cNvSpPr>
+                <a:spLocks/>
+              </p:cNvSpPr>
+              <p:nvPr/>
+            </p:nvSpPr>
+            <p:spPr>
+              <a:xfrm>
+                <a:off x="3901464" y="2138542"/>
+                <a:ext cx="685800" cy="685800"/>
+              </a:xfrm>
+              <a:prstGeom prst="ellipse">
+                <a:avLst/>
+              </a:prstGeom>
+              <a:grpFill/>
+              <a:ln w="12700">
+                <a:solidFill>
+                  <a:srgbClr val="8EFA00"/>
+                </a:solidFill>
+              </a:ln>
+            </p:spPr>
+            <p:style>
+              <a:lnRef idx="2">
+                <a:schemeClr val="accent1">
+                  <a:shade val="15000"/>
+                </a:schemeClr>
+              </a:lnRef>
+              <a:fillRef idx="1">
+                <a:schemeClr val="accent1"/>
+              </a:fillRef>
+              <a:effectRef idx="0">
+                <a:schemeClr val="accent1"/>
+              </a:effectRef>
+              <a:fontRef idx="minor">
+                <a:schemeClr val="lt1"/>
+              </a:fontRef>
+            </p:style>
+            <p:txBody>
+              <a:bodyPr rtlCol="0" anchor="ctr"/>
+              <a:lstStyle/>
+              <a:p>
+                <a:pPr algn="ctr"/>
+                <a:endParaRPr lang="en-US">
+                  <a:latin typeface="Helvetica" pitchFamily="2" charset="0"/>
+                </a:endParaRPr>
+              </a:p>
+            </p:txBody>
+          </p:sp>
+          <p:sp>
+            <p:nvSpPr>
+              <p:cNvPr id="9" name="Oval 8">
+                <a:extLst>
+                  <a:ext uri="{FF2B5EF4-FFF2-40B4-BE49-F238E27FC236}">
+                    <a16:creationId xmlns:a16="http://schemas.microsoft.com/office/drawing/2014/main" id="{A618B1AE-EE43-1B63-2672-4B26AD4626A4}"/>
+                  </a:ext>
+                </a:extLst>
+              </p:cNvPr>
+              <p:cNvSpPr>
+                <a:spLocks/>
+              </p:cNvSpPr>
+              <p:nvPr/>
+            </p:nvSpPr>
+            <p:spPr>
+              <a:xfrm>
+                <a:off x="3901464" y="4106928"/>
+                <a:ext cx="685800" cy="685800"/>
+              </a:xfrm>
+              <a:prstGeom prst="ellipse">
+                <a:avLst/>
+              </a:prstGeom>
+              <a:grpFill/>
+              <a:ln w="12700">
+                <a:solidFill>
+                  <a:srgbClr val="8EFA00"/>
+                </a:solidFill>
+              </a:ln>
+            </p:spPr>
+            <p:style>
+              <a:lnRef idx="2">
+                <a:schemeClr val="accent1">
+                  <a:shade val="15000"/>
+                </a:schemeClr>
+              </a:lnRef>
+              <a:fillRef idx="1">
+                <a:schemeClr val="accent1"/>
+              </a:fillRef>
+              <a:effectRef idx="0">
+                <a:schemeClr val="accent1"/>
+              </a:effectRef>
+              <a:fontRef idx="minor">
+                <a:schemeClr val="lt1"/>
+              </a:fontRef>
+            </p:style>
+            <p:txBody>
+              <a:bodyPr rtlCol="0" anchor="ctr"/>
+              <a:lstStyle/>
+              <a:p>
+                <a:pPr algn="ctr"/>
+                <a:endParaRPr lang="en-US">
+                  <a:latin typeface="Helvetica" pitchFamily="2" charset="0"/>
+                </a:endParaRPr>
+              </a:p>
+            </p:txBody>
+          </p:sp>
+          <p:sp>
+            <p:nvSpPr>
+              <p:cNvPr id="10" name="TextBox 9">
+                <a:extLst>
+                  <a:ext uri="{FF2B5EF4-FFF2-40B4-BE49-F238E27FC236}">
+                    <a16:creationId xmlns:a16="http://schemas.microsoft.com/office/drawing/2014/main" id="{77D847D4-4B49-8994-5BD6-A198F8992E70}"/>
+                  </a:ext>
+                </a:extLst>
+              </p:cNvPr>
+              <p:cNvSpPr txBox="1">
+                <a:spLocks/>
+              </p:cNvSpPr>
+              <p:nvPr/>
+            </p:nvSpPr>
+            <p:spPr>
+              <a:xfrm>
+                <a:off x="4105544" y="3122945"/>
+                <a:ext cx="277640" cy="685380"/>
+              </a:xfrm>
+              <a:prstGeom prst="rect">
+                <a:avLst/>
+              </a:prstGeom>
+              <a:noFill/>
+              <a:ln>
+                <a:noFill/>
+              </a:ln>
+            </p:spPr>
+            <p:txBody>
+              <a:bodyPr wrap="none" rtlCol="0">
+                <a:spAutoFit/>
+              </a:bodyPr>
+              <a:lstStyle/>
+              <a:p>
+                <a:pPr algn="ctr">
+                  <a:lnSpc>
+                    <a:spcPct val="50000"/>
+                  </a:lnSpc>
+                </a:pPr>
+                <a:r>
+                  <a:rPr lang="en-US" sz="2400" b="1" dirty="0">
+                    <a:latin typeface="Helvetica" pitchFamily="2" charset="0"/>
+                  </a:rPr>
+                  <a:t>.</a:t>
+                </a:r>
+              </a:p>
+              <a:p>
+                <a:pPr algn="ctr">
+                  <a:lnSpc>
+                    <a:spcPct val="50000"/>
+                  </a:lnSpc>
+                </a:pPr>
+                <a:r>
+                  <a:rPr lang="en-US" sz="2400" b="1" dirty="0">
+                    <a:latin typeface="Helvetica" pitchFamily="2" charset="0"/>
+                  </a:rPr>
+                  <a:t>.</a:t>
+                </a:r>
+              </a:p>
+              <a:p>
+                <a:pPr algn="ctr">
+                  <a:lnSpc>
+                    <a:spcPct val="50000"/>
+                  </a:lnSpc>
+                </a:pPr>
+                <a:r>
+                  <a:rPr lang="en-US" sz="2400" b="1" dirty="0">
+                    <a:latin typeface="Helvetica" pitchFamily="2" charset="0"/>
+                  </a:rPr>
+                  <a:t>.</a:t>
+                </a:r>
+              </a:p>
+            </p:txBody>
+          </p:sp>
+        </p:grpSp>
+        <p:grpSp>
+          <p:nvGrpSpPr>
+            <p:cNvPr id="38" name="Group 37">
+              <a:extLst>
+                <a:ext uri="{FF2B5EF4-FFF2-40B4-BE49-F238E27FC236}">
+                  <a16:creationId xmlns:a16="http://schemas.microsoft.com/office/drawing/2014/main" id="{3E47B6FE-0058-1163-062E-13E3F114AB8F}"/>
+                </a:ext>
+              </a:extLst>
+            </p:cNvPr>
+            <p:cNvGrpSpPr>
+              <a:grpSpLocks/>
+            </p:cNvGrpSpPr>
+            <p:nvPr/>
+          </p:nvGrpSpPr>
+          <p:grpSpPr>
+            <a:xfrm>
+              <a:off x="6559861" y="6017921"/>
+              <a:ext cx="685800" cy="3638589"/>
+              <a:chOff x="3901464" y="1154139"/>
+              <a:chExt cx="685800" cy="3638589"/>
+            </a:xfrm>
+            <a:solidFill>
+              <a:schemeClr val="bg1">
+                <a:lumMod val="85000"/>
+              </a:schemeClr>
+            </a:solidFill>
+          </p:grpSpPr>
+          <p:sp>
+            <p:nvSpPr>
+              <p:cNvPr id="39" name="Oval 38">
+                <a:extLst>
+                  <a:ext uri="{FF2B5EF4-FFF2-40B4-BE49-F238E27FC236}">
+                    <a16:creationId xmlns:a16="http://schemas.microsoft.com/office/drawing/2014/main" id="{AE942039-9C40-0941-4378-673B94377540}"/>
+                  </a:ext>
+                </a:extLst>
+              </p:cNvPr>
+              <p:cNvSpPr>
+                <a:spLocks/>
+              </p:cNvSpPr>
+              <p:nvPr/>
+            </p:nvSpPr>
+            <p:spPr>
+              <a:xfrm>
+                <a:off x="3901464" y="1154139"/>
+                <a:ext cx="685800" cy="685800"/>
+              </a:xfrm>
+              <a:prstGeom prst="ellipse">
+                <a:avLst/>
+              </a:prstGeom>
+              <a:grpFill/>
+              <a:ln w="12700">
+                <a:solidFill>
+                  <a:srgbClr val="D9D9D9"/>
+                </a:solidFill>
+              </a:ln>
+            </p:spPr>
+            <p:style>
+              <a:lnRef idx="2">
+                <a:schemeClr val="accent1">
+                  <a:shade val="15000"/>
+                </a:schemeClr>
+              </a:lnRef>
+              <a:fillRef idx="1">
+                <a:schemeClr val="accent1"/>
+              </a:fillRef>
+              <a:effectRef idx="0">
+                <a:schemeClr val="accent1"/>
+              </a:effectRef>
+              <a:fontRef idx="minor">
+                <a:schemeClr val="lt1"/>
+              </a:fontRef>
+            </p:style>
+            <p:txBody>
+              <a:bodyPr rtlCol="0" anchor="ctr"/>
+              <a:lstStyle/>
+              <a:p>
+                <a:pPr algn="ctr"/>
+                <a:endParaRPr lang="en-US">
+                  <a:latin typeface="Helvetica" pitchFamily="2" charset="0"/>
+                </a:endParaRPr>
+              </a:p>
+            </p:txBody>
+          </p:sp>
+          <p:sp>
+            <p:nvSpPr>
+              <p:cNvPr id="40" name="Oval 39">
+                <a:extLst>
+                  <a:ext uri="{FF2B5EF4-FFF2-40B4-BE49-F238E27FC236}">
+                    <a16:creationId xmlns:a16="http://schemas.microsoft.com/office/drawing/2014/main" id="{37CBD554-9B33-1CC5-E153-DC651F0E1D60}"/>
+                  </a:ext>
+                </a:extLst>
+              </p:cNvPr>
+              <p:cNvSpPr>
+                <a:spLocks/>
+              </p:cNvSpPr>
+              <p:nvPr/>
+            </p:nvSpPr>
+            <p:spPr>
+              <a:xfrm>
+                <a:off x="3901464" y="2138542"/>
+                <a:ext cx="685800" cy="685800"/>
+              </a:xfrm>
+              <a:prstGeom prst="ellipse">
+                <a:avLst/>
+              </a:prstGeom>
+              <a:grpFill/>
+              <a:ln w="12700">
+                <a:solidFill>
+                  <a:srgbClr val="D9D9D9"/>
+                </a:solidFill>
+              </a:ln>
+            </p:spPr>
+            <p:style>
+              <a:lnRef idx="2">
+                <a:schemeClr val="accent1">
+                  <a:shade val="15000"/>
+                </a:schemeClr>
+              </a:lnRef>
+              <a:fillRef idx="1">
+                <a:schemeClr val="accent1"/>
+              </a:fillRef>
+              <a:effectRef idx="0">
+                <a:schemeClr val="accent1"/>
+              </a:effectRef>
+              <a:fontRef idx="minor">
+                <a:schemeClr val="lt1"/>
+              </a:fontRef>
+            </p:style>
+            <p:txBody>
+              <a:bodyPr rtlCol="0" anchor="ctr"/>
+              <a:lstStyle/>
+              <a:p>
+                <a:pPr algn="ctr"/>
+                <a:endParaRPr lang="en-US">
+                  <a:latin typeface="Helvetica" pitchFamily="2" charset="0"/>
+                </a:endParaRPr>
+              </a:p>
+            </p:txBody>
+          </p:sp>
+          <p:sp>
+            <p:nvSpPr>
+              <p:cNvPr id="41" name="Oval 40">
+                <a:extLst>
+                  <a:ext uri="{FF2B5EF4-FFF2-40B4-BE49-F238E27FC236}">
+                    <a16:creationId xmlns:a16="http://schemas.microsoft.com/office/drawing/2014/main" id="{5B7C1665-FB91-09A0-CCD7-7A795B20AB45}"/>
+                  </a:ext>
+                </a:extLst>
+              </p:cNvPr>
+              <p:cNvSpPr>
+                <a:spLocks/>
+              </p:cNvSpPr>
+              <p:nvPr/>
+            </p:nvSpPr>
+            <p:spPr>
+              <a:xfrm>
+                <a:off x="3901464" y="4106928"/>
+                <a:ext cx="685800" cy="685800"/>
+              </a:xfrm>
+              <a:prstGeom prst="ellipse">
+                <a:avLst/>
+              </a:prstGeom>
+              <a:grpFill/>
+              <a:ln w="12700">
+                <a:solidFill>
+                  <a:srgbClr val="D9D9D9"/>
+                </a:solidFill>
+              </a:ln>
+            </p:spPr>
+            <p:style>
+              <a:lnRef idx="2">
+                <a:schemeClr val="accent1">
+                  <a:shade val="15000"/>
+                </a:schemeClr>
+              </a:lnRef>
+              <a:fillRef idx="1">
+                <a:schemeClr val="accent1"/>
+              </a:fillRef>
+              <a:effectRef idx="0">
+                <a:schemeClr val="accent1"/>
+              </a:effectRef>
+              <a:fontRef idx="minor">
+                <a:schemeClr val="lt1"/>
+              </a:fontRef>
+            </p:style>
+            <p:txBody>
+              <a:bodyPr rtlCol="0" anchor="ctr"/>
+              <a:lstStyle/>
+              <a:p>
+                <a:pPr algn="ctr"/>
+                <a:endParaRPr lang="en-US">
+                  <a:latin typeface="Helvetica" pitchFamily="2" charset="0"/>
+                </a:endParaRPr>
+              </a:p>
+            </p:txBody>
+          </p:sp>
+          <p:sp>
+            <p:nvSpPr>
+              <p:cNvPr id="42" name="TextBox 41">
+                <a:extLst>
+                  <a:ext uri="{FF2B5EF4-FFF2-40B4-BE49-F238E27FC236}">
+                    <a16:creationId xmlns:a16="http://schemas.microsoft.com/office/drawing/2014/main" id="{716F70F5-5EA2-96E9-FA25-05E937CC4CED}"/>
+                  </a:ext>
+                </a:extLst>
+              </p:cNvPr>
+              <p:cNvSpPr txBox="1">
+                <a:spLocks/>
+              </p:cNvSpPr>
+              <p:nvPr/>
+            </p:nvSpPr>
+            <p:spPr>
+              <a:xfrm>
+                <a:off x="4105544" y="3122945"/>
+                <a:ext cx="277640" cy="685380"/>
+              </a:xfrm>
+              <a:prstGeom prst="rect">
+                <a:avLst/>
+              </a:prstGeom>
+              <a:noFill/>
+              <a:ln>
+                <a:noFill/>
+              </a:ln>
+            </p:spPr>
+            <p:txBody>
+              <a:bodyPr wrap="none" rtlCol="0">
+                <a:spAutoFit/>
+              </a:bodyPr>
+              <a:lstStyle/>
+              <a:p>
+                <a:pPr algn="ctr">
+                  <a:lnSpc>
+                    <a:spcPct val="50000"/>
+                  </a:lnSpc>
+                </a:pPr>
+                <a:r>
+                  <a:rPr lang="en-US" sz="2400" b="1" dirty="0">
+                    <a:latin typeface="Helvetica" pitchFamily="2" charset="0"/>
+                  </a:rPr>
+                  <a:t>.</a:t>
+                </a:r>
+              </a:p>
+              <a:p>
+                <a:pPr algn="ctr">
+                  <a:lnSpc>
+                    <a:spcPct val="50000"/>
+                  </a:lnSpc>
+                </a:pPr>
+                <a:r>
+                  <a:rPr lang="en-US" sz="2400" b="1" dirty="0">
+                    <a:latin typeface="Helvetica" pitchFamily="2" charset="0"/>
+                  </a:rPr>
+                  <a:t>.</a:t>
+                </a:r>
+              </a:p>
+              <a:p>
+                <a:pPr algn="ctr">
+                  <a:lnSpc>
+                    <a:spcPct val="50000"/>
+                  </a:lnSpc>
+                </a:pPr>
+                <a:r>
+                  <a:rPr lang="en-US" sz="2400" b="1" dirty="0">
+                    <a:latin typeface="Helvetica" pitchFamily="2" charset="0"/>
+                  </a:rPr>
+                  <a:t>.</a:t>
+                </a:r>
+              </a:p>
+            </p:txBody>
+          </p:sp>
+        </p:grpSp>
+        <p:pic>
+          <p:nvPicPr>
+            <p:cNvPr id="67" name="Graphic 66" descr="Refresh outline">
+              <a:extLst>
+                <a:ext uri="{FF2B5EF4-FFF2-40B4-BE49-F238E27FC236}">
+                  <a16:creationId xmlns:a16="http://schemas.microsoft.com/office/drawing/2014/main" id="{5DBFCDF9-ADB1-549B-F85F-B9FC9D2E2119}"/>
+                </a:ext>
+              </a:extLst>
+            </p:cNvPr>
+            <p:cNvPicPr>
+              <a:picLocks noChangeAspect="1"/>
+            </p:cNvPicPr>
+            <p:nvPr/>
+          </p:nvPicPr>
+          <p:blipFill>
+            <a:blip r:embed="rId3">
+              <a:extLst>
+                <a:ext uri="{96DAC541-7B7A-43D3-8B79-37D633B846F1}">
+                  <asvg:svgBlip xmlns:asvg="http://schemas.microsoft.com/office/drawing/2016/SVG/main" r:embed="rId4"/>
+                </a:ext>
+              </a:extLst>
+            </a:blip>
+            <a:stretch>
+              <a:fillRect/>
+            </a:stretch>
+          </p:blipFill>
+          <p:spPr>
+            <a:xfrm>
+              <a:off x="5104153" y="6143440"/>
+              <a:ext cx="457200" cy="457200"/>
+            </a:xfrm>
+            <a:prstGeom prst="rect">
+              <a:avLst/>
+            </a:prstGeom>
+          </p:spPr>
+        </p:pic>
+        <p:cxnSp>
+          <p:nvCxnSpPr>
+            <p:cNvPr id="25" name="Straight Arrow Connector 24">
+              <a:extLst>
+                <a:ext uri="{FF2B5EF4-FFF2-40B4-BE49-F238E27FC236}">
+                  <a16:creationId xmlns:a16="http://schemas.microsoft.com/office/drawing/2014/main" id="{23CD8736-B6FE-7540-8F55-D54FAD584572}"/>
+                </a:ext>
+              </a:extLst>
+            </p:cNvPr>
+            <p:cNvCxnSpPr>
+              <a:cxnSpLocks/>
+              <a:stCxn id="6" idx="6"/>
+              <a:endCxn id="39" idx="2"/>
+            </p:cNvCxnSpPr>
+            <p:nvPr/>
+          </p:nvCxnSpPr>
+          <p:spPr>
+            <a:xfrm>
+              <a:off x="5675653" y="6360820"/>
+              <a:ext cx="884208" cy="0"/>
+            </a:xfrm>
+            <a:prstGeom prst="straightConnector1">
+              <a:avLst/>
+            </a:prstGeom>
+            <a:ln>
+              <a:tailEnd type="triangle"/>
+            </a:ln>
+          </p:spPr>
+          <p:style>
+            <a:lnRef idx="2">
+              <a:schemeClr val="dk1"/>
+            </a:lnRef>
+            <a:fillRef idx="0">
+              <a:schemeClr val="dk1"/>
+            </a:fillRef>
+            <a:effectRef idx="1">
+              <a:schemeClr val="dk1"/>
+            </a:effectRef>
+            <a:fontRef idx="minor">
+              <a:schemeClr val="tx1"/>
+            </a:fontRef>
+          </p:style>
+        </p:cxnSp>
+        <p:pic>
+          <p:nvPicPr>
+            <p:cNvPr id="68" name="Graphic 67" descr="Refresh outline">
+              <a:extLst>
+                <a:ext uri="{FF2B5EF4-FFF2-40B4-BE49-F238E27FC236}">
+                  <a16:creationId xmlns:a16="http://schemas.microsoft.com/office/drawing/2014/main" id="{C12FCDD8-97DE-B109-5AC3-863372E5B02E}"/>
+                </a:ext>
+              </a:extLst>
+            </p:cNvPr>
+            <p:cNvPicPr>
+              <a:picLocks noChangeAspect="1"/>
+            </p:cNvPicPr>
+            <p:nvPr/>
+          </p:nvPicPr>
+          <p:blipFill>
+            <a:blip r:embed="rId3">
+              <a:extLst>
+                <a:ext uri="{96DAC541-7B7A-43D3-8B79-37D633B846F1}">
+                  <asvg:svgBlip xmlns:asvg="http://schemas.microsoft.com/office/drawing/2016/SVG/main" r:embed="rId4"/>
+                </a:ext>
+              </a:extLst>
+            </a:blip>
+            <a:stretch>
+              <a:fillRect/>
+            </a:stretch>
+          </p:blipFill>
+          <p:spPr>
+            <a:xfrm>
+              <a:off x="5104153" y="7134019"/>
+              <a:ext cx="457200" cy="457200"/>
+            </a:xfrm>
+            <a:prstGeom prst="rect">
+              <a:avLst/>
+            </a:prstGeom>
+          </p:spPr>
+        </p:pic>
+        <p:pic>
+          <p:nvPicPr>
+            <p:cNvPr id="69" name="Graphic 68" descr="Refresh outline">
+              <a:extLst>
+                <a:ext uri="{FF2B5EF4-FFF2-40B4-BE49-F238E27FC236}">
+                  <a16:creationId xmlns:a16="http://schemas.microsoft.com/office/drawing/2014/main" id="{B177DAAA-22EF-A6D8-7968-B2789C66850C}"/>
+                </a:ext>
+              </a:extLst>
+            </p:cNvPr>
+            <p:cNvPicPr>
+              <a:picLocks noChangeAspect="1"/>
+            </p:cNvPicPr>
+            <p:nvPr/>
+          </p:nvPicPr>
+          <p:blipFill>
+            <a:blip r:embed="rId3">
+              <a:extLst>
+                <a:ext uri="{96DAC541-7B7A-43D3-8B79-37D633B846F1}">
+                  <asvg:svgBlip xmlns:asvg="http://schemas.microsoft.com/office/drawing/2016/SVG/main" r:embed="rId4"/>
+                </a:ext>
+              </a:extLst>
+            </a:blip>
+            <a:stretch>
+              <a:fillRect/>
+            </a:stretch>
+          </p:blipFill>
+          <p:spPr>
+            <a:xfrm>
+              <a:off x="5104153" y="9096229"/>
+              <a:ext cx="457200" cy="457200"/>
+            </a:xfrm>
+            <a:prstGeom prst="rect">
+              <a:avLst/>
+            </a:prstGeom>
+          </p:spPr>
+        </p:pic>
+        <p:cxnSp>
+          <p:nvCxnSpPr>
+            <p:cNvPr id="73" name="Straight Arrow Connector 72">
+              <a:extLst>
+                <a:ext uri="{FF2B5EF4-FFF2-40B4-BE49-F238E27FC236}">
+                  <a16:creationId xmlns:a16="http://schemas.microsoft.com/office/drawing/2014/main" id="{D7265C4C-5636-513F-769E-811291C37B0C}"/>
+                </a:ext>
+              </a:extLst>
+            </p:cNvPr>
+            <p:cNvCxnSpPr>
+              <a:cxnSpLocks/>
+              <a:stCxn id="7" idx="6"/>
+              <a:endCxn id="40" idx="2"/>
+            </p:cNvCxnSpPr>
+            <p:nvPr/>
+          </p:nvCxnSpPr>
+          <p:spPr>
+            <a:xfrm>
+              <a:off x="5675653" y="7345223"/>
+              <a:ext cx="884208" cy="0"/>
+            </a:xfrm>
+            <a:prstGeom prst="straightConnector1">
+              <a:avLst/>
+            </a:prstGeom>
+            <a:ln>
+              <a:tailEnd type="triangle"/>
+            </a:ln>
+          </p:spPr>
+          <p:style>
+            <a:lnRef idx="2">
+              <a:schemeClr val="dk1"/>
+            </a:lnRef>
+            <a:fillRef idx="0">
+              <a:schemeClr val="dk1"/>
+            </a:fillRef>
+            <a:effectRef idx="1">
+              <a:schemeClr val="dk1"/>
+            </a:effectRef>
+            <a:fontRef idx="minor">
+              <a:schemeClr val="tx1"/>
+            </a:fontRef>
+          </p:style>
+        </p:cxnSp>
+        <p:cxnSp>
+          <p:nvCxnSpPr>
+            <p:cNvPr id="76" name="Straight Arrow Connector 75">
+              <a:extLst>
+                <a:ext uri="{FF2B5EF4-FFF2-40B4-BE49-F238E27FC236}">
+                  <a16:creationId xmlns:a16="http://schemas.microsoft.com/office/drawing/2014/main" id="{BA4166C8-EF6F-EB37-45E2-6BAA5A6D80A6}"/>
+                </a:ext>
+              </a:extLst>
+            </p:cNvPr>
+            <p:cNvCxnSpPr>
+              <a:cxnSpLocks/>
+              <a:stCxn id="9" idx="6"/>
+              <a:endCxn id="41" idx="2"/>
+            </p:cNvCxnSpPr>
+            <p:nvPr/>
+          </p:nvCxnSpPr>
+          <p:spPr>
+            <a:xfrm>
+              <a:off x="5675653" y="9313609"/>
+              <a:ext cx="884208" cy="0"/>
+            </a:xfrm>
+            <a:prstGeom prst="straightConnector1">
+              <a:avLst/>
+            </a:prstGeom>
+            <a:ln>
+              <a:tailEnd type="triangle"/>
+            </a:ln>
+          </p:spPr>
+          <p:style>
+            <a:lnRef idx="2">
+              <a:schemeClr val="dk1"/>
+            </a:lnRef>
+            <a:fillRef idx="0">
+              <a:schemeClr val="dk1"/>
+            </a:fillRef>
+            <a:effectRef idx="1">
+              <a:schemeClr val="dk1"/>
+            </a:effectRef>
+            <a:fontRef idx="minor">
+              <a:schemeClr val="tx1"/>
+            </a:fontRef>
+          </p:style>
+        </p:cxnSp>
+        <p:cxnSp>
+          <p:nvCxnSpPr>
+            <p:cNvPr id="79" name="Straight Arrow Connector 78">
+              <a:extLst>
+                <a:ext uri="{FF2B5EF4-FFF2-40B4-BE49-F238E27FC236}">
+                  <a16:creationId xmlns:a16="http://schemas.microsoft.com/office/drawing/2014/main" id="{80ABCFC4-BAA5-B47B-0398-D2650F50D9C9}"/>
+                </a:ext>
+              </a:extLst>
+            </p:cNvPr>
+            <p:cNvCxnSpPr>
+              <a:cxnSpLocks/>
+              <a:stCxn id="6" idx="6"/>
+              <a:endCxn id="40" idx="1"/>
+            </p:cNvCxnSpPr>
+            <p:nvPr/>
+          </p:nvCxnSpPr>
+          <p:spPr>
+            <a:xfrm>
+              <a:off x="5675654" y="6360820"/>
+              <a:ext cx="984641" cy="741936"/>
+            </a:xfrm>
+            <a:prstGeom prst="straightConnector1">
+              <a:avLst/>
+            </a:prstGeom>
+            <a:ln>
+              <a:tailEnd type="triangle"/>
+            </a:ln>
+          </p:spPr>
+          <p:style>
+            <a:lnRef idx="2">
+              <a:schemeClr val="dk1"/>
+            </a:lnRef>
+            <a:fillRef idx="0">
+              <a:schemeClr val="dk1"/>
+            </a:fillRef>
+            <a:effectRef idx="1">
+              <a:schemeClr val="dk1"/>
+            </a:effectRef>
+            <a:fontRef idx="minor">
+              <a:schemeClr val="tx1"/>
+            </a:fontRef>
+          </p:style>
+        </p:cxnSp>
+        <p:cxnSp>
+          <p:nvCxnSpPr>
+            <p:cNvPr id="82" name="Straight Arrow Connector 81">
+              <a:extLst>
+                <a:ext uri="{FF2B5EF4-FFF2-40B4-BE49-F238E27FC236}">
+                  <a16:creationId xmlns:a16="http://schemas.microsoft.com/office/drawing/2014/main" id="{246753EA-E9FC-76AA-CF9E-AE6148CAFA8A}"/>
+                </a:ext>
+              </a:extLst>
+            </p:cNvPr>
+            <p:cNvCxnSpPr>
+              <a:cxnSpLocks/>
+              <a:stCxn id="6" idx="6"/>
+              <a:endCxn id="41" idx="1"/>
+            </p:cNvCxnSpPr>
+            <p:nvPr/>
+          </p:nvCxnSpPr>
+          <p:spPr>
+            <a:xfrm>
+              <a:off x="5675654" y="6360820"/>
+              <a:ext cx="984641" cy="2710322"/>
+            </a:xfrm>
+            <a:prstGeom prst="straightConnector1">
+              <a:avLst/>
+            </a:prstGeom>
+            <a:ln>
+              <a:tailEnd type="triangle"/>
+            </a:ln>
+          </p:spPr>
+          <p:style>
+            <a:lnRef idx="2">
+              <a:schemeClr val="dk1"/>
+            </a:lnRef>
+            <a:fillRef idx="0">
+              <a:schemeClr val="dk1"/>
+            </a:fillRef>
+            <a:effectRef idx="1">
+              <a:schemeClr val="dk1"/>
+            </a:effectRef>
+            <a:fontRef idx="minor">
+              <a:schemeClr val="tx1"/>
+            </a:fontRef>
+          </p:style>
+        </p:cxnSp>
+        <p:cxnSp>
+          <p:nvCxnSpPr>
+            <p:cNvPr id="86" name="Straight Arrow Connector 85">
+              <a:extLst>
+                <a:ext uri="{FF2B5EF4-FFF2-40B4-BE49-F238E27FC236}">
+                  <a16:creationId xmlns:a16="http://schemas.microsoft.com/office/drawing/2014/main" id="{24DA4B23-52EE-7BE2-AA84-4FA489C3A7A2}"/>
+                </a:ext>
+              </a:extLst>
+            </p:cNvPr>
+            <p:cNvCxnSpPr>
+              <a:cxnSpLocks/>
+              <a:stCxn id="7" idx="6"/>
+              <a:endCxn id="39" idx="3"/>
+            </p:cNvCxnSpPr>
+            <p:nvPr/>
+          </p:nvCxnSpPr>
+          <p:spPr>
+            <a:xfrm flipV="1">
+              <a:off x="5675654" y="6603287"/>
+              <a:ext cx="984641" cy="741936"/>
+            </a:xfrm>
+            <a:prstGeom prst="straightConnector1">
+              <a:avLst/>
+            </a:prstGeom>
+            <a:ln>
+              <a:tailEnd type="triangle"/>
+            </a:ln>
+          </p:spPr>
+          <p:style>
+            <a:lnRef idx="2">
+              <a:schemeClr val="dk1"/>
+            </a:lnRef>
+            <a:fillRef idx="0">
+              <a:schemeClr val="dk1"/>
+            </a:fillRef>
+            <a:effectRef idx="1">
+              <a:schemeClr val="dk1"/>
+            </a:effectRef>
+            <a:fontRef idx="minor">
+              <a:schemeClr val="tx1"/>
+            </a:fontRef>
+          </p:style>
+        </p:cxnSp>
+        <p:cxnSp>
+          <p:nvCxnSpPr>
+            <p:cNvPr id="89" name="Straight Arrow Connector 88">
+              <a:extLst>
+                <a:ext uri="{FF2B5EF4-FFF2-40B4-BE49-F238E27FC236}">
+                  <a16:creationId xmlns:a16="http://schemas.microsoft.com/office/drawing/2014/main" id="{40969E1C-EA07-E822-79DF-0435A9315C33}"/>
+                </a:ext>
+              </a:extLst>
+            </p:cNvPr>
+            <p:cNvCxnSpPr>
+              <a:cxnSpLocks/>
+              <a:stCxn id="7" idx="6"/>
+              <a:endCxn id="41" idx="1"/>
+            </p:cNvCxnSpPr>
+            <p:nvPr/>
+          </p:nvCxnSpPr>
+          <p:spPr>
+            <a:xfrm>
+              <a:off x="5675654" y="7345224"/>
+              <a:ext cx="984641" cy="1725919"/>
+            </a:xfrm>
+            <a:prstGeom prst="straightConnector1">
+              <a:avLst/>
+            </a:prstGeom>
+            <a:ln>
+              <a:tailEnd type="triangle"/>
+            </a:ln>
+          </p:spPr>
+          <p:style>
+            <a:lnRef idx="2">
+              <a:schemeClr val="dk1"/>
+            </a:lnRef>
+            <a:fillRef idx="0">
+              <a:schemeClr val="dk1"/>
+            </a:fillRef>
+            <a:effectRef idx="1">
+              <a:schemeClr val="dk1"/>
+            </a:effectRef>
+            <a:fontRef idx="minor">
+              <a:schemeClr val="tx1"/>
+            </a:fontRef>
+          </p:style>
+        </p:cxnSp>
+        <p:cxnSp>
+          <p:nvCxnSpPr>
+            <p:cNvPr id="92" name="Straight Arrow Connector 91">
+              <a:extLst>
+                <a:ext uri="{FF2B5EF4-FFF2-40B4-BE49-F238E27FC236}">
+                  <a16:creationId xmlns:a16="http://schemas.microsoft.com/office/drawing/2014/main" id="{B618887C-4E0D-3B53-35AB-6EE9C2D5D878}"/>
+                </a:ext>
+              </a:extLst>
+            </p:cNvPr>
+            <p:cNvCxnSpPr>
+              <a:cxnSpLocks/>
+              <a:stCxn id="9" idx="6"/>
+              <a:endCxn id="39" idx="3"/>
+            </p:cNvCxnSpPr>
+            <p:nvPr/>
+          </p:nvCxnSpPr>
+          <p:spPr>
+            <a:xfrm flipV="1">
+              <a:off x="5675654" y="6603287"/>
+              <a:ext cx="984641" cy="2710322"/>
+            </a:xfrm>
+            <a:prstGeom prst="straightConnector1">
+              <a:avLst/>
+            </a:prstGeom>
+            <a:ln>
+              <a:tailEnd type="triangle"/>
+            </a:ln>
+          </p:spPr>
+          <p:style>
+            <a:lnRef idx="2">
+              <a:schemeClr val="dk1"/>
+            </a:lnRef>
+            <a:fillRef idx="0">
+              <a:schemeClr val="dk1"/>
+            </a:fillRef>
+            <a:effectRef idx="1">
+              <a:schemeClr val="dk1"/>
+            </a:effectRef>
+            <a:fontRef idx="minor">
+              <a:schemeClr val="tx1"/>
+            </a:fontRef>
+          </p:style>
+        </p:cxnSp>
+        <p:cxnSp>
+          <p:nvCxnSpPr>
+            <p:cNvPr id="95" name="Straight Arrow Connector 94">
+              <a:extLst>
+                <a:ext uri="{FF2B5EF4-FFF2-40B4-BE49-F238E27FC236}">
+                  <a16:creationId xmlns:a16="http://schemas.microsoft.com/office/drawing/2014/main" id="{54DAEDF8-91AD-7232-FAA2-E4BE9DD5AA31}"/>
+                </a:ext>
+              </a:extLst>
+            </p:cNvPr>
+            <p:cNvCxnSpPr>
+              <a:cxnSpLocks/>
+              <a:stCxn id="9" idx="6"/>
+              <a:endCxn id="40" idx="3"/>
+            </p:cNvCxnSpPr>
+            <p:nvPr/>
+          </p:nvCxnSpPr>
+          <p:spPr>
+            <a:xfrm flipV="1">
+              <a:off x="5675654" y="7587691"/>
+              <a:ext cx="984641" cy="1725919"/>
+            </a:xfrm>
+            <a:prstGeom prst="straightConnector1">
+              <a:avLst/>
+            </a:prstGeom>
+            <a:ln>
+              <a:tailEnd type="triangle"/>
+            </a:ln>
+          </p:spPr>
+          <p:style>
+            <a:lnRef idx="2">
+              <a:schemeClr val="dk1"/>
+            </a:lnRef>
+            <a:fillRef idx="0">
+              <a:schemeClr val="dk1"/>
+            </a:fillRef>
+            <a:effectRef idx="1">
+              <a:schemeClr val="dk1"/>
+            </a:effectRef>
+            <a:fontRef idx="minor">
+              <a:schemeClr val="tx1"/>
+            </a:fontRef>
+          </p:style>
+        </p:cxnSp>
+        <p:cxnSp>
+          <p:nvCxnSpPr>
+            <p:cNvPr id="136" name="Straight Arrow Connector 135">
+              <a:extLst>
+                <a:ext uri="{FF2B5EF4-FFF2-40B4-BE49-F238E27FC236}">
+                  <a16:creationId xmlns:a16="http://schemas.microsoft.com/office/drawing/2014/main" id="{F261F1A9-AE5C-ED9A-E8A4-766FD2B0017C}"/>
+                </a:ext>
+              </a:extLst>
+            </p:cNvPr>
+            <p:cNvCxnSpPr>
+              <a:cxnSpLocks/>
+            </p:cNvCxnSpPr>
+            <p:nvPr/>
+          </p:nvCxnSpPr>
+          <p:spPr>
+            <a:xfrm>
+              <a:off x="7224828" y="7367246"/>
+              <a:ext cx="884208" cy="0"/>
+            </a:xfrm>
+            <a:prstGeom prst="straightConnector1">
+              <a:avLst/>
+            </a:prstGeom>
+            <a:ln>
+              <a:tailEnd type="triangle"/>
+            </a:ln>
+          </p:spPr>
+          <p:style>
+            <a:lnRef idx="2">
+              <a:schemeClr val="dk1"/>
+            </a:lnRef>
+            <a:fillRef idx="0">
+              <a:schemeClr val="dk1"/>
+            </a:fillRef>
+            <a:effectRef idx="1">
+              <a:schemeClr val="dk1"/>
+            </a:effectRef>
+            <a:fontRef idx="minor">
+              <a:schemeClr val="tx1"/>
+            </a:fontRef>
+          </p:style>
+        </p:cxnSp>
+        <p:cxnSp>
+          <p:nvCxnSpPr>
+            <p:cNvPr id="138" name="Straight Arrow Connector 137">
+              <a:extLst>
+                <a:ext uri="{FF2B5EF4-FFF2-40B4-BE49-F238E27FC236}">
+                  <a16:creationId xmlns:a16="http://schemas.microsoft.com/office/drawing/2014/main" id="{4613FCF6-CFE5-BDA3-9029-C116F88B8A32}"/>
+                </a:ext>
+              </a:extLst>
+            </p:cNvPr>
+            <p:cNvCxnSpPr>
+              <a:cxnSpLocks/>
+            </p:cNvCxnSpPr>
+            <p:nvPr/>
+          </p:nvCxnSpPr>
+          <p:spPr>
+            <a:xfrm>
+              <a:off x="7224829" y="6382843"/>
+              <a:ext cx="984641" cy="741936"/>
+            </a:xfrm>
+            <a:prstGeom prst="straightConnector1">
+              <a:avLst/>
+            </a:prstGeom>
+            <a:ln>
+              <a:tailEnd type="triangle"/>
+            </a:ln>
+          </p:spPr>
+          <p:style>
+            <a:lnRef idx="2">
+              <a:schemeClr val="dk1"/>
+            </a:lnRef>
+            <a:fillRef idx="0">
+              <a:schemeClr val="dk1"/>
+            </a:fillRef>
+            <a:effectRef idx="1">
+              <a:schemeClr val="dk1"/>
+            </a:effectRef>
+            <a:fontRef idx="minor">
+              <a:schemeClr val="tx1"/>
+            </a:fontRef>
+          </p:style>
+        </p:cxnSp>
+        <p:cxnSp>
+          <p:nvCxnSpPr>
+            <p:cNvPr id="139" name="Straight Arrow Connector 138">
+              <a:extLst>
+                <a:ext uri="{FF2B5EF4-FFF2-40B4-BE49-F238E27FC236}">
+                  <a16:creationId xmlns:a16="http://schemas.microsoft.com/office/drawing/2014/main" id="{76C2B672-7F6F-E6A1-DABB-DC936877BA03}"/>
+                </a:ext>
+              </a:extLst>
+            </p:cNvPr>
+            <p:cNvCxnSpPr>
+              <a:cxnSpLocks/>
+            </p:cNvCxnSpPr>
+            <p:nvPr/>
+          </p:nvCxnSpPr>
+          <p:spPr>
+            <a:xfrm>
+              <a:off x="7224829" y="6382843"/>
+              <a:ext cx="984641" cy="2710322"/>
+            </a:xfrm>
+            <a:prstGeom prst="straightConnector1">
+              <a:avLst/>
+            </a:prstGeom>
+            <a:ln>
+              <a:tailEnd type="triangle"/>
+            </a:ln>
+          </p:spPr>
+          <p:style>
+            <a:lnRef idx="2">
+              <a:schemeClr val="dk1"/>
+            </a:lnRef>
+            <a:fillRef idx="0">
+              <a:schemeClr val="dk1"/>
+            </a:fillRef>
+            <a:effectRef idx="1">
+              <a:schemeClr val="dk1"/>
+            </a:effectRef>
+            <a:fontRef idx="minor">
+              <a:schemeClr val="tx1"/>
+            </a:fontRef>
+          </p:style>
+        </p:cxnSp>
+        <p:cxnSp>
+          <p:nvCxnSpPr>
+            <p:cNvPr id="141" name="Straight Arrow Connector 140">
+              <a:extLst>
+                <a:ext uri="{FF2B5EF4-FFF2-40B4-BE49-F238E27FC236}">
+                  <a16:creationId xmlns:a16="http://schemas.microsoft.com/office/drawing/2014/main" id="{4025D7ED-366F-7D59-7AB5-D243C1253026}"/>
+                </a:ext>
+              </a:extLst>
+            </p:cNvPr>
+            <p:cNvCxnSpPr>
+              <a:cxnSpLocks/>
+            </p:cNvCxnSpPr>
+            <p:nvPr/>
+          </p:nvCxnSpPr>
+          <p:spPr>
+            <a:xfrm>
+              <a:off x="7224829" y="7367247"/>
+              <a:ext cx="984641" cy="1725919"/>
+            </a:xfrm>
+            <a:prstGeom prst="straightConnector1">
+              <a:avLst/>
+            </a:prstGeom>
+            <a:ln>
+              <a:tailEnd type="triangle"/>
+            </a:ln>
+          </p:spPr>
+          <p:style>
+            <a:lnRef idx="2">
+              <a:schemeClr val="dk1"/>
+            </a:lnRef>
+            <a:fillRef idx="0">
+              <a:schemeClr val="dk1"/>
+            </a:fillRef>
+            <a:effectRef idx="1">
+              <a:schemeClr val="dk1"/>
+            </a:effectRef>
+            <a:fontRef idx="minor">
+              <a:schemeClr val="tx1"/>
+            </a:fontRef>
+          </p:style>
+        </p:cxnSp>
+        <p:sp>
+          <p:nvSpPr>
+            <p:cNvPr id="131" name="Oval 130">
+              <a:extLst>
+                <a:ext uri="{FF2B5EF4-FFF2-40B4-BE49-F238E27FC236}">
+                  <a16:creationId xmlns:a16="http://schemas.microsoft.com/office/drawing/2014/main" id="{BE0EF29E-9AED-9394-4BB0-9351FEDF60C0}"/>
+                </a:ext>
+              </a:extLst>
+            </p:cNvPr>
+            <p:cNvSpPr>
+              <a:spLocks/>
+            </p:cNvSpPr>
+            <p:nvPr/>
+          </p:nvSpPr>
+          <p:spPr>
+            <a:xfrm>
+              <a:off x="8109036" y="6024428"/>
+              <a:ext cx="685800" cy="685800"/>
+            </a:xfrm>
+            <a:prstGeom prst="ellipse">
+              <a:avLst/>
+            </a:prstGeom>
+            <a:solidFill>
+              <a:schemeClr val="bg1">
+                <a:lumMod val="85000"/>
+              </a:schemeClr>
+            </a:solidFill>
+            <a:ln w="12700">
+              <a:solidFill>
+                <a:srgbClr val="D9D9D9"/>
+              </a:solidFill>
+            </a:ln>
+          </p:spPr>
+          <p:style>
+            <a:lnRef idx="2">
+              <a:schemeClr val="accent1">
+                <a:shade val="15000"/>
+              </a:schemeClr>
+            </a:lnRef>
+            <a:fillRef idx="1">
+              <a:schemeClr val="accent1"/>
+            </a:fillRef>
+            <a:effectRef idx="0">
+              <a:schemeClr val="accent1"/>
+            </a:effectRef>
+            <a:fontRef idx="minor">
+              <a:schemeClr val="lt1"/>
+            </a:fontRef>
+          </p:style>
+          <p:txBody>
+            <a:bodyPr rtlCol="0" anchor="ctr"/>
+            <a:lstStyle/>
+            <a:p>
+              <a:pPr algn="ctr"/>
+              <a:endParaRPr lang="en-US">
+                <a:latin typeface="Helvetica" pitchFamily="2" charset="0"/>
+              </a:endParaRPr>
+            </a:p>
+          </p:txBody>
+        </p:sp>
+        <p:sp>
+          <p:nvSpPr>
+            <p:cNvPr id="132" name="Oval 131">
+              <a:extLst>
+                <a:ext uri="{FF2B5EF4-FFF2-40B4-BE49-F238E27FC236}">
+                  <a16:creationId xmlns:a16="http://schemas.microsoft.com/office/drawing/2014/main" id="{4E831945-71DF-BBC3-B2A9-D39433CB4D16}"/>
+                </a:ext>
+              </a:extLst>
+            </p:cNvPr>
+            <p:cNvSpPr>
+              <a:spLocks/>
+            </p:cNvSpPr>
+            <p:nvPr/>
+          </p:nvSpPr>
+          <p:spPr>
+            <a:xfrm>
+              <a:off x="8109036" y="7008831"/>
+              <a:ext cx="685800" cy="685800"/>
+            </a:xfrm>
+            <a:prstGeom prst="ellipse">
+              <a:avLst/>
+            </a:prstGeom>
+            <a:solidFill>
+              <a:schemeClr val="bg1">
+                <a:lumMod val="85000"/>
+              </a:schemeClr>
+            </a:solidFill>
+            <a:ln w="12700">
+              <a:solidFill>
+                <a:srgbClr val="D9D9D9"/>
+              </a:solidFill>
+            </a:ln>
+          </p:spPr>
+          <p:style>
+            <a:lnRef idx="2">
+              <a:schemeClr val="accent1">
+                <a:shade val="15000"/>
+              </a:schemeClr>
+            </a:lnRef>
+            <a:fillRef idx="1">
+              <a:schemeClr val="accent1"/>
+            </a:fillRef>
+            <a:effectRef idx="0">
+              <a:schemeClr val="accent1"/>
+            </a:effectRef>
+            <a:fontRef idx="minor">
+              <a:schemeClr val="lt1"/>
+            </a:fontRef>
+          </p:style>
+          <p:txBody>
+            <a:bodyPr rtlCol="0" anchor="ctr"/>
+            <a:lstStyle/>
+            <a:p>
+              <a:pPr algn="ctr"/>
+              <a:endParaRPr lang="en-US">
+                <a:latin typeface="Helvetica" pitchFamily="2" charset="0"/>
+              </a:endParaRPr>
+            </a:p>
+          </p:txBody>
+        </p:sp>
+        <p:sp>
+          <p:nvSpPr>
+            <p:cNvPr id="133" name="Oval 132">
+              <a:extLst>
+                <a:ext uri="{FF2B5EF4-FFF2-40B4-BE49-F238E27FC236}">
+                  <a16:creationId xmlns:a16="http://schemas.microsoft.com/office/drawing/2014/main" id="{64567BAC-61E0-6B0A-FE7A-78AADD8C6CB5}"/>
+                </a:ext>
+              </a:extLst>
+            </p:cNvPr>
+            <p:cNvSpPr>
+              <a:spLocks/>
+            </p:cNvSpPr>
+            <p:nvPr/>
+          </p:nvSpPr>
+          <p:spPr>
+            <a:xfrm>
+              <a:off x="8109036" y="8977217"/>
+              <a:ext cx="685800" cy="685800"/>
+            </a:xfrm>
+            <a:prstGeom prst="ellipse">
+              <a:avLst/>
+            </a:prstGeom>
+            <a:solidFill>
+              <a:schemeClr val="bg1">
+                <a:lumMod val="85000"/>
+              </a:schemeClr>
+            </a:solidFill>
+            <a:ln w="12700">
+              <a:solidFill>
+                <a:srgbClr val="D9D9D9"/>
+              </a:solidFill>
+            </a:ln>
+          </p:spPr>
+          <p:style>
+            <a:lnRef idx="2">
+              <a:schemeClr val="accent1">
+                <a:shade val="15000"/>
+              </a:schemeClr>
+            </a:lnRef>
+            <a:fillRef idx="1">
+              <a:schemeClr val="accent1"/>
+            </a:fillRef>
+            <a:effectRef idx="0">
+              <a:schemeClr val="accent1"/>
+            </a:effectRef>
+            <a:fontRef idx="minor">
+              <a:schemeClr val="lt1"/>
+            </a:fontRef>
+          </p:style>
+          <p:txBody>
+            <a:bodyPr rtlCol="0" anchor="ctr"/>
+            <a:lstStyle/>
+            <a:p>
+              <a:pPr algn="ctr"/>
+              <a:endParaRPr lang="en-US">
+                <a:latin typeface="Helvetica" pitchFamily="2" charset="0"/>
+              </a:endParaRPr>
+            </a:p>
+          </p:txBody>
+        </p:sp>
+        <p:sp>
+          <p:nvSpPr>
+            <p:cNvPr id="134" name="TextBox 133">
+              <a:extLst>
+                <a:ext uri="{FF2B5EF4-FFF2-40B4-BE49-F238E27FC236}">
+                  <a16:creationId xmlns:a16="http://schemas.microsoft.com/office/drawing/2014/main" id="{1CDD73FB-5036-7DFD-6E7B-750750A8FC05}"/>
+                </a:ext>
+              </a:extLst>
+            </p:cNvPr>
+            <p:cNvSpPr txBox="1">
+              <a:spLocks/>
+            </p:cNvSpPr>
+            <p:nvPr/>
+          </p:nvSpPr>
+          <p:spPr>
+            <a:xfrm>
+              <a:off x="8313116" y="7993234"/>
+              <a:ext cx="277640" cy="685380"/>
+            </a:xfrm>
+            <a:prstGeom prst="rect">
+              <a:avLst/>
+            </a:prstGeom>
+            <a:noFill/>
+            <a:ln>
+              <a:noFill/>
+            </a:ln>
+          </p:spPr>
+          <p:txBody>
+            <a:bodyPr wrap="none" rtlCol="0">
+              <a:spAutoFit/>
+            </a:bodyPr>
+            <a:lstStyle/>
+            <a:p>
+              <a:pPr algn="ctr">
+                <a:lnSpc>
+                  <a:spcPct val="50000"/>
+                </a:lnSpc>
+              </a:pPr>
+              <a:r>
+                <a:rPr lang="en-US" sz="2400" b="1" dirty="0">
+                  <a:latin typeface="Helvetica" pitchFamily="2" charset="0"/>
+                </a:rPr>
+                <a:t>.</a:t>
+              </a:r>
+            </a:p>
+            <a:p>
+              <a:pPr algn="ctr">
+                <a:lnSpc>
+                  <a:spcPct val="50000"/>
+                </a:lnSpc>
+              </a:pPr>
+              <a:r>
+                <a:rPr lang="en-US" sz="2400" b="1" dirty="0">
+                  <a:latin typeface="Helvetica" pitchFamily="2" charset="0"/>
+                </a:rPr>
+                <a:t>.</a:t>
+              </a:r>
+            </a:p>
+            <a:p>
+              <a:pPr algn="ctr">
+                <a:lnSpc>
+                  <a:spcPct val="50000"/>
+                </a:lnSpc>
+              </a:pPr>
+              <a:r>
+                <a:rPr lang="en-US" sz="2400" b="1" dirty="0">
+                  <a:latin typeface="Helvetica" pitchFamily="2" charset="0"/>
+                </a:rPr>
+                <a:t>.</a:t>
+              </a:r>
+            </a:p>
+          </p:txBody>
+        </p:sp>
+        <p:grpSp>
+          <p:nvGrpSpPr>
+            <p:cNvPr id="153" name="Group 152">
+              <a:extLst>
+                <a:ext uri="{FF2B5EF4-FFF2-40B4-BE49-F238E27FC236}">
+                  <a16:creationId xmlns:a16="http://schemas.microsoft.com/office/drawing/2014/main" id="{284C5C5A-2471-6292-FD19-C816F5B1BBDC}"/>
+                </a:ext>
+              </a:extLst>
+            </p:cNvPr>
+            <p:cNvGrpSpPr>
+              <a:grpSpLocks/>
+            </p:cNvGrpSpPr>
+            <p:nvPr/>
+          </p:nvGrpSpPr>
+          <p:grpSpPr>
+            <a:xfrm>
+              <a:off x="8284231" y="6202736"/>
+              <a:ext cx="329184" cy="329184"/>
+              <a:chOff x="8807528" y="1732742"/>
+              <a:chExt cx="460172" cy="463449"/>
+            </a:xfrm>
+          </p:grpSpPr>
+          <p:cxnSp>
+            <p:nvCxnSpPr>
+              <p:cNvPr id="149" name="Straight Connector 148">
+                <a:extLst>
+                  <a:ext uri="{FF2B5EF4-FFF2-40B4-BE49-F238E27FC236}">
+                    <a16:creationId xmlns:a16="http://schemas.microsoft.com/office/drawing/2014/main" id="{DB1E549C-0FB8-AA65-0172-9DE1BA1B3D39}"/>
+                  </a:ext>
+                </a:extLst>
+              </p:cNvPr>
+              <p:cNvCxnSpPr>
+                <a:cxnSpLocks/>
+              </p:cNvCxnSpPr>
+              <p:nvPr/>
+            </p:nvCxnSpPr>
+            <p:spPr>
+              <a:xfrm>
+                <a:off x="8810500" y="1732742"/>
+                <a:ext cx="457200" cy="457200"/>
+              </a:xfrm>
+              <a:prstGeom prst="line">
+                <a:avLst/>
+              </a:prstGeom>
+              <a:ln w="28575">
+                <a:solidFill>
+                  <a:schemeClr val="tx1"/>
+                </a:solidFill>
+              </a:ln>
+            </p:spPr>
+            <p:style>
+              <a:lnRef idx="2">
+                <a:schemeClr val="dk1"/>
+              </a:lnRef>
+              <a:fillRef idx="0">
+                <a:schemeClr val="dk1"/>
+              </a:fillRef>
+              <a:effectRef idx="1">
+                <a:schemeClr val="dk1"/>
+              </a:effectRef>
+              <a:fontRef idx="minor">
+                <a:schemeClr val="tx1"/>
+              </a:fontRef>
+            </p:style>
+          </p:cxnSp>
+          <p:cxnSp>
+            <p:nvCxnSpPr>
+              <p:cNvPr id="150" name="Straight Connector 149">
+                <a:extLst>
+                  <a:ext uri="{FF2B5EF4-FFF2-40B4-BE49-F238E27FC236}">
+                    <a16:creationId xmlns:a16="http://schemas.microsoft.com/office/drawing/2014/main" id="{F411FC03-A514-BCE8-869C-9946718AFFF7}"/>
+                  </a:ext>
+                </a:extLst>
+              </p:cNvPr>
+              <p:cNvCxnSpPr>
+                <a:cxnSpLocks/>
+              </p:cNvCxnSpPr>
+              <p:nvPr/>
+            </p:nvCxnSpPr>
+            <p:spPr>
+              <a:xfrm flipH="1">
+                <a:off x="8807528" y="1738991"/>
+                <a:ext cx="457200" cy="457200"/>
+              </a:xfrm>
+              <a:prstGeom prst="line">
+                <a:avLst/>
+              </a:prstGeom>
+              <a:ln w="28575">
+                <a:solidFill>
+                  <a:schemeClr val="tx1"/>
+                </a:solidFill>
+              </a:ln>
+            </p:spPr>
+            <p:style>
+              <a:lnRef idx="2">
+                <a:schemeClr val="dk1"/>
+              </a:lnRef>
+              <a:fillRef idx="0">
+                <a:schemeClr val="dk1"/>
+              </a:fillRef>
+              <a:effectRef idx="1">
+                <a:schemeClr val="dk1"/>
+              </a:effectRef>
+              <a:fontRef idx="minor">
+                <a:schemeClr val="tx1"/>
+              </a:fontRef>
+            </p:style>
+          </p:cxnSp>
+        </p:grpSp>
+        <p:sp>
+          <p:nvSpPr>
+            <p:cNvPr id="270" name="TextBox 269">
+              <a:extLst>
+                <a:ext uri="{FF2B5EF4-FFF2-40B4-BE49-F238E27FC236}">
+                  <a16:creationId xmlns:a16="http://schemas.microsoft.com/office/drawing/2014/main" id="{746EEDC3-B03F-A0CF-C497-54D427D30280}"/>
+                </a:ext>
+              </a:extLst>
+            </p:cNvPr>
+            <p:cNvSpPr txBox="1">
+              <a:spLocks/>
+            </p:cNvSpPr>
+            <p:nvPr/>
+          </p:nvSpPr>
+          <p:spPr>
+            <a:xfrm rot="16200000">
+              <a:off x="-55917" y="7857132"/>
+              <a:ext cx="1688283" cy="461665"/>
+            </a:xfrm>
+            <a:prstGeom prst="rect">
+              <a:avLst/>
+            </a:prstGeom>
+            <a:noFill/>
+          </p:spPr>
+          <p:txBody>
+            <a:bodyPr wrap="none" rtlCol="0">
+              <a:spAutoFit/>
+            </a:bodyPr>
+            <a:lstStyle/>
+            <a:p>
+              <a:pPr algn="ctr"/>
+              <a:r>
+                <a:rPr lang="en-US" sz="2400" b="1" dirty="0">
+                  <a:latin typeface="Helvetica" pitchFamily="2" charset="0"/>
+                </a:rPr>
+                <a:t>Input Data</a:t>
+              </a:r>
+            </a:p>
+          </p:txBody>
+        </p:sp>
+        <p:cxnSp>
+          <p:nvCxnSpPr>
+            <p:cNvPr id="271" name="Straight Arrow Connector 270">
+              <a:extLst>
+                <a:ext uri="{FF2B5EF4-FFF2-40B4-BE49-F238E27FC236}">
+                  <a16:creationId xmlns:a16="http://schemas.microsoft.com/office/drawing/2014/main" id="{9E5DFAE9-66B2-FBF5-F8A8-A07C9AFAB976}"/>
+                </a:ext>
+              </a:extLst>
+            </p:cNvPr>
+            <p:cNvCxnSpPr>
+              <a:cxnSpLocks/>
+            </p:cNvCxnSpPr>
+            <p:nvPr/>
+          </p:nvCxnSpPr>
+          <p:spPr>
+            <a:xfrm>
+              <a:off x="7233017" y="9335619"/>
+              <a:ext cx="884208" cy="0"/>
+            </a:xfrm>
+            <a:prstGeom prst="straightConnector1">
+              <a:avLst/>
+            </a:prstGeom>
+            <a:ln>
+              <a:tailEnd type="triangle"/>
+            </a:ln>
+          </p:spPr>
+          <p:style>
+            <a:lnRef idx="2">
+              <a:schemeClr val="dk1"/>
+            </a:lnRef>
+            <a:fillRef idx="0">
+              <a:schemeClr val="dk1"/>
+            </a:fillRef>
+            <a:effectRef idx="1">
+              <a:schemeClr val="dk1"/>
+            </a:effectRef>
+            <a:fontRef idx="minor">
+              <a:schemeClr val="tx1"/>
+            </a:fontRef>
+          </p:style>
+        </p:cxnSp>
+        <p:cxnSp>
+          <p:nvCxnSpPr>
+            <p:cNvPr id="274" name="Straight Arrow Connector 273">
+              <a:extLst>
+                <a:ext uri="{FF2B5EF4-FFF2-40B4-BE49-F238E27FC236}">
+                  <a16:creationId xmlns:a16="http://schemas.microsoft.com/office/drawing/2014/main" id="{77FF5934-E496-C2BE-E2B8-750E29425616}"/>
+                </a:ext>
+              </a:extLst>
+            </p:cNvPr>
+            <p:cNvCxnSpPr>
+              <a:cxnSpLocks/>
+              <a:stCxn id="41" idx="7"/>
+              <a:endCxn id="132" idx="3"/>
+            </p:cNvCxnSpPr>
+            <p:nvPr/>
+          </p:nvCxnSpPr>
+          <p:spPr>
+            <a:xfrm flipV="1">
+              <a:off x="7145228" y="7594198"/>
+              <a:ext cx="1064241" cy="1476945"/>
+            </a:xfrm>
+            <a:prstGeom prst="straightConnector1">
+              <a:avLst/>
+            </a:prstGeom>
+            <a:ln>
+              <a:tailEnd type="triangle"/>
+            </a:ln>
+          </p:spPr>
+          <p:style>
+            <a:lnRef idx="2">
+              <a:schemeClr val="dk1"/>
+            </a:lnRef>
+            <a:fillRef idx="0">
+              <a:schemeClr val="dk1"/>
+            </a:fillRef>
+            <a:effectRef idx="1">
+              <a:schemeClr val="dk1"/>
+            </a:effectRef>
+            <a:fontRef idx="minor">
+              <a:schemeClr val="tx1"/>
+            </a:fontRef>
+          </p:style>
+        </p:cxnSp>
+        <p:sp>
+          <p:nvSpPr>
+            <p:cNvPr id="15" name="Rounded Rectangle 14">
+              <a:extLst>
+                <a:ext uri="{FF2B5EF4-FFF2-40B4-BE49-F238E27FC236}">
+                  <a16:creationId xmlns:a16="http://schemas.microsoft.com/office/drawing/2014/main" id="{AF674CE7-DCA6-DB4C-A40B-717046D5D500}"/>
+                </a:ext>
+              </a:extLst>
+            </p:cNvPr>
+            <p:cNvSpPr>
+              <a:spLocks/>
+            </p:cNvSpPr>
+            <p:nvPr/>
+          </p:nvSpPr>
+          <p:spPr>
+            <a:xfrm rot="16200000">
+              <a:off x="709162" y="7321189"/>
+              <a:ext cx="2248840" cy="1510532"/>
+            </a:xfrm>
+            <a:prstGeom prst="roundRect">
+              <a:avLst/>
+            </a:prstGeom>
+            <a:noFill/>
+            <a:ln w="28575">
+              <a:solidFill>
+                <a:schemeClr val="tx1"/>
+              </a:solidFill>
+            </a:ln>
+          </p:spPr>
+          <p:style>
+            <a:lnRef idx="2">
+              <a:schemeClr val="accent1">
+                <a:shade val="15000"/>
+              </a:schemeClr>
+            </a:lnRef>
+            <a:fillRef idx="1">
+              <a:schemeClr val="accent1"/>
+            </a:fillRef>
+            <a:effectRef idx="0">
+              <a:schemeClr val="accent1"/>
+            </a:effectRef>
+            <a:fontRef idx="minor">
+              <a:schemeClr val="lt1"/>
+            </a:fontRef>
+          </p:style>
+          <p:txBody>
+            <a:bodyPr rtlCol="0" anchor="ctr"/>
+            <a:lstStyle/>
+            <a:p>
+              <a:pPr algn="ctr"/>
+              <a:endParaRPr lang="en-US" sz="2400" i="1" dirty="0">
+                <a:solidFill>
+                  <a:schemeClr val="tx1"/>
+                </a:solidFill>
+                <a:latin typeface="Helvetica" pitchFamily="2" charset="0"/>
+              </a:endParaRPr>
+            </a:p>
+          </p:txBody>
+        </p:sp>
+        <p:sp>
+          <p:nvSpPr>
+            <p:cNvPr id="126" name="Rectangle 125">
+              <a:extLst>
+                <a:ext uri="{FF2B5EF4-FFF2-40B4-BE49-F238E27FC236}">
+                  <a16:creationId xmlns:a16="http://schemas.microsoft.com/office/drawing/2014/main" id="{6F7C8985-6200-2958-A213-A9F3681147EA}"/>
+                </a:ext>
+              </a:extLst>
+            </p:cNvPr>
+            <p:cNvSpPr>
+              <a:spLocks/>
+            </p:cNvSpPr>
+            <p:nvPr/>
+          </p:nvSpPr>
+          <p:spPr>
+            <a:xfrm>
+              <a:off x="2361476" y="5735596"/>
+              <a:ext cx="1280146" cy="4375732"/>
+            </a:xfrm>
+            <a:prstGeom prst="rect">
+              <a:avLst/>
+            </a:prstGeom>
+            <a:solidFill>
+              <a:srgbClr val="F8F8F8"/>
+            </a:solidFill>
+            <a:ln w="19050">
+              <a:solidFill>
+                <a:schemeClr val="tx1">
+                  <a:lumMod val="75000"/>
+                  <a:lumOff val="25000"/>
+                </a:schemeClr>
+              </a:solidFill>
+              <a:prstDash val="sysDash"/>
+            </a:ln>
+          </p:spPr>
+          <p:style>
+            <a:lnRef idx="2">
+              <a:schemeClr val="accent1">
+                <a:shade val="15000"/>
+              </a:schemeClr>
+            </a:lnRef>
+            <a:fillRef idx="1">
+              <a:schemeClr val="accent1"/>
+            </a:fillRef>
+            <a:effectRef idx="0">
+              <a:schemeClr val="accent1"/>
+            </a:effectRef>
+            <a:fontRef idx="minor">
+              <a:schemeClr val="lt1"/>
+            </a:fontRef>
+          </p:style>
+          <p:txBody>
+            <a:bodyPr rtlCol="0" anchor="ctr"/>
+            <a:lstStyle/>
+            <a:p>
+              <a:pPr algn="ctr"/>
+              <a:endParaRPr lang="en-US"/>
+            </a:p>
+          </p:txBody>
+        </p:sp>
+        <p:grpSp>
+          <p:nvGrpSpPr>
+            <p:cNvPr id="173" name="Group 172">
+              <a:extLst>
+                <a:ext uri="{FF2B5EF4-FFF2-40B4-BE49-F238E27FC236}">
+                  <a16:creationId xmlns:a16="http://schemas.microsoft.com/office/drawing/2014/main" id="{6C649530-8671-CF90-33A6-13155ABD7621}"/>
+                </a:ext>
+              </a:extLst>
+            </p:cNvPr>
+            <p:cNvGrpSpPr>
+              <a:grpSpLocks/>
+            </p:cNvGrpSpPr>
+            <p:nvPr/>
+          </p:nvGrpSpPr>
+          <p:grpSpPr>
+            <a:xfrm>
+              <a:off x="2635789" y="5834515"/>
+              <a:ext cx="731520" cy="4177897"/>
+              <a:chOff x="1522564" y="1465597"/>
+              <a:chExt cx="914400" cy="4177897"/>
+            </a:xfrm>
+            <a:solidFill>
+              <a:srgbClr val="00FDFF"/>
+            </a:solidFill>
+          </p:grpSpPr>
+          <p:sp>
+            <p:nvSpPr>
+              <p:cNvPr id="4" name="Rounded Rectangle 3">
+                <a:extLst>
+                  <a:ext uri="{FF2B5EF4-FFF2-40B4-BE49-F238E27FC236}">
+                    <a16:creationId xmlns:a16="http://schemas.microsoft.com/office/drawing/2014/main" id="{B6119044-ADA3-CCE8-F6C7-EBF4FECBAB12}"/>
+                  </a:ext>
+                </a:extLst>
+              </p:cNvPr>
+              <p:cNvSpPr>
+                <a:spLocks/>
+              </p:cNvSpPr>
+              <p:nvPr/>
+            </p:nvSpPr>
+            <p:spPr>
+              <a:xfrm>
+                <a:off x="1522564" y="1465597"/>
+                <a:ext cx="914400" cy="2258061"/>
+              </a:xfrm>
+              <a:prstGeom prst="roundRect">
+                <a:avLst/>
+              </a:prstGeom>
+              <a:grpFill/>
+              <a:ln w="12700">
+                <a:solidFill>
+                  <a:srgbClr val="00FDFF"/>
+                </a:solidFill>
+              </a:ln>
+            </p:spPr>
+            <p:style>
+              <a:lnRef idx="2">
+                <a:schemeClr val="accent1">
+                  <a:shade val="15000"/>
+                </a:schemeClr>
+              </a:lnRef>
+              <a:fillRef idx="1">
+                <a:schemeClr val="accent1"/>
+              </a:fillRef>
+              <a:effectRef idx="0">
+                <a:schemeClr val="accent1"/>
+              </a:effectRef>
+              <a:fontRef idx="minor">
+                <a:schemeClr val="lt1"/>
+              </a:fontRef>
+            </p:style>
+            <p:txBody>
+              <a:bodyPr rtlCol="0" anchor="ctr"/>
+              <a:lstStyle/>
+              <a:p>
+                <a:pPr algn="ctr"/>
+                <a:r>
+                  <a:rPr lang="en-US" sz="2400" i="1" dirty="0">
+                    <a:solidFill>
+                      <a:schemeClr val="tx1"/>
+                    </a:solidFill>
+                    <a:latin typeface="Helvetica" pitchFamily="2" charset="0"/>
+                  </a:rPr>
+                  <a:t>x</a:t>
+                </a:r>
+                <a:r>
+                  <a:rPr lang="en-US" sz="2400" i="1" baseline="-25000" dirty="0">
+                    <a:solidFill>
+                      <a:schemeClr val="tx1"/>
+                    </a:solidFill>
+                    <a:latin typeface="Helvetica" pitchFamily="2" charset="0"/>
+                  </a:rPr>
+                  <a:t>1</a:t>
+                </a:r>
+              </a:p>
+              <a:p>
+                <a:pPr algn="ctr"/>
+                <a:r>
+                  <a:rPr lang="en-US" sz="2400" i="1" dirty="0">
+                    <a:solidFill>
+                      <a:schemeClr val="tx1"/>
+                    </a:solidFill>
+                    <a:latin typeface="Helvetica" pitchFamily="2" charset="0"/>
+                  </a:rPr>
+                  <a:t>x</a:t>
+                </a:r>
+                <a:r>
+                  <a:rPr lang="en-US" sz="2400" i="1" baseline="-25000" dirty="0">
+                    <a:solidFill>
+                      <a:schemeClr val="tx1"/>
+                    </a:solidFill>
+                    <a:latin typeface="Helvetica" pitchFamily="2" charset="0"/>
+                  </a:rPr>
+                  <a:t>2</a:t>
+                </a:r>
+              </a:p>
+              <a:p>
+                <a:pPr algn="ctr"/>
+                <a:r>
+                  <a:rPr lang="en-US" sz="2400" i="1" dirty="0">
+                    <a:solidFill>
+                      <a:schemeClr val="tx1"/>
+                    </a:solidFill>
+                    <a:latin typeface="Helvetica" pitchFamily="2" charset="0"/>
+                  </a:rPr>
+                  <a:t>x</a:t>
+                </a:r>
+                <a:r>
+                  <a:rPr lang="en-US" sz="2400" i="1" baseline="-25000" dirty="0">
+                    <a:solidFill>
+                      <a:schemeClr val="tx1"/>
+                    </a:solidFill>
+                    <a:latin typeface="Helvetica" pitchFamily="2" charset="0"/>
+                  </a:rPr>
+                  <a:t>3</a:t>
+                </a:r>
+              </a:p>
+              <a:p>
+                <a:pPr algn="ctr">
+                  <a:lnSpc>
+                    <a:spcPct val="50000"/>
+                  </a:lnSpc>
+                </a:pPr>
+                <a:r>
+                  <a:rPr lang="en-US" sz="2400" i="1" dirty="0">
+                    <a:solidFill>
+                      <a:schemeClr val="tx1"/>
+                    </a:solidFill>
+                    <a:latin typeface="Helvetica" pitchFamily="2" charset="0"/>
+                  </a:rPr>
+                  <a:t>.</a:t>
+                </a:r>
+              </a:p>
+              <a:p>
+                <a:pPr algn="ctr">
+                  <a:lnSpc>
+                    <a:spcPct val="50000"/>
+                  </a:lnSpc>
+                </a:pPr>
+                <a:r>
+                  <a:rPr lang="en-US" sz="2400" i="1" dirty="0">
+                    <a:solidFill>
+                      <a:schemeClr val="tx1"/>
+                    </a:solidFill>
+                    <a:latin typeface="Helvetica" pitchFamily="2" charset="0"/>
+                  </a:rPr>
+                  <a:t>.</a:t>
+                </a:r>
+              </a:p>
+              <a:p>
+                <a:pPr algn="ctr">
+                  <a:lnSpc>
+                    <a:spcPct val="50000"/>
+                  </a:lnSpc>
+                </a:pPr>
+                <a:r>
+                  <a:rPr lang="en-US" sz="2400" i="1" dirty="0">
+                    <a:solidFill>
+                      <a:schemeClr val="tx1"/>
+                    </a:solidFill>
+                    <a:latin typeface="Helvetica" pitchFamily="2" charset="0"/>
+                  </a:rPr>
+                  <a:t>.</a:t>
+                </a:r>
+              </a:p>
+              <a:p>
+                <a:pPr algn="ctr"/>
+                <a:r>
+                  <a:rPr lang="en-US" sz="2400" i="1" dirty="0" err="1">
+                    <a:solidFill>
+                      <a:schemeClr val="tx1"/>
+                    </a:solidFill>
+                    <a:latin typeface="Helvetica" pitchFamily="2" charset="0"/>
+                  </a:rPr>
+                  <a:t>x</a:t>
+                </a:r>
+                <a:r>
+                  <a:rPr lang="en-US" sz="2400" i="1" baseline="-25000" dirty="0" err="1">
+                    <a:solidFill>
+                      <a:schemeClr val="tx1"/>
+                    </a:solidFill>
+                    <a:latin typeface="Helvetica" pitchFamily="2" charset="0"/>
+                  </a:rPr>
+                  <a:t>n</a:t>
+                </a:r>
+                <a:endParaRPr lang="en-US" sz="2400" i="1" dirty="0">
+                  <a:solidFill>
+                    <a:schemeClr val="tx1"/>
+                  </a:solidFill>
+                  <a:latin typeface="Helvetica" pitchFamily="2" charset="0"/>
+                </a:endParaRPr>
+              </a:p>
+            </p:txBody>
+          </p:sp>
+          <p:sp>
+            <p:nvSpPr>
+              <p:cNvPr id="161" name="Rounded Rectangle 160">
+                <a:extLst>
+                  <a:ext uri="{FF2B5EF4-FFF2-40B4-BE49-F238E27FC236}">
+                    <a16:creationId xmlns:a16="http://schemas.microsoft.com/office/drawing/2014/main" id="{96720EEE-A8DF-E927-065C-0E9E486FE459}"/>
+                  </a:ext>
+                </a:extLst>
+              </p:cNvPr>
+              <p:cNvSpPr>
+                <a:spLocks/>
+              </p:cNvSpPr>
+              <p:nvPr/>
+            </p:nvSpPr>
+            <p:spPr>
+              <a:xfrm>
+                <a:off x="1522564" y="3211645"/>
+                <a:ext cx="914400" cy="685801"/>
+              </a:xfrm>
+              <a:prstGeom prst="roundRect">
+                <a:avLst>
+                  <a:gd name="adj" fmla="val 0"/>
+                </a:avLst>
+              </a:prstGeom>
+              <a:grpFill/>
+              <a:ln w="12700">
+                <a:solidFill>
+                  <a:srgbClr val="00FDFF"/>
+                </a:solidFill>
+              </a:ln>
+            </p:spPr>
+            <p:style>
+              <a:lnRef idx="2">
+                <a:schemeClr val="accent1">
+                  <a:shade val="15000"/>
+                </a:schemeClr>
+              </a:lnRef>
+              <a:fillRef idx="1">
+                <a:schemeClr val="accent1"/>
+              </a:fillRef>
+              <a:effectRef idx="0">
+                <a:schemeClr val="accent1"/>
+              </a:effectRef>
+              <a:fontRef idx="minor">
+                <a:schemeClr val="lt1"/>
+              </a:fontRef>
+            </p:style>
+            <p:txBody>
+              <a:bodyPr rtlCol="0" anchor="ctr"/>
+              <a:lstStyle/>
+              <a:p>
+                <a:pPr algn="ctr"/>
+                <a:r>
+                  <a:rPr lang="en-US" sz="2400" i="1" dirty="0" err="1">
+                    <a:solidFill>
+                      <a:schemeClr val="tx1"/>
+                    </a:solidFill>
+                    <a:latin typeface="Helvetica" pitchFamily="2" charset="0"/>
+                  </a:rPr>
+                  <a:t>x</a:t>
+                </a:r>
+                <a:r>
+                  <a:rPr lang="en-US" sz="2400" i="1" baseline="-25000" dirty="0" err="1">
+                    <a:solidFill>
+                      <a:schemeClr val="tx1"/>
+                    </a:solidFill>
+                    <a:latin typeface="Helvetica" pitchFamily="2" charset="0"/>
+                  </a:rPr>
+                  <a:t>n</a:t>
+                </a:r>
+                <a:endParaRPr lang="en-US" sz="2400" i="1" baseline="-25000" dirty="0">
+                  <a:solidFill>
+                    <a:schemeClr val="tx1"/>
+                  </a:solidFill>
+                  <a:latin typeface="Helvetica" pitchFamily="2" charset="0"/>
+                </a:endParaRPr>
+              </a:p>
+            </p:txBody>
+          </p:sp>
+          <p:sp>
+            <p:nvSpPr>
+              <p:cNvPr id="162" name="Rounded Rectangle 161">
+                <a:extLst>
+                  <a:ext uri="{FF2B5EF4-FFF2-40B4-BE49-F238E27FC236}">
+                    <a16:creationId xmlns:a16="http://schemas.microsoft.com/office/drawing/2014/main" id="{50341A67-3480-F88A-5199-64910394A44C}"/>
+                  </a:ext>
+                </a:extLst>
+              </p:cNvPr>
+              <p:cNvSpPr>
+                <a:spLocks/>
+              </p:cNvSpPr>
+              <p:nvPr/>
+            </p:nvSpPr>
+            <p:spPr>
+              <a:xfrm>
+                <a:off x="1522564" y="4041453"/>
+                <a:ext cx="914400" cy="250724"/>
+              </a:xfrm>
+              <a:prstGeom prst="roundRect">
+                <a:avLst>
+                  <a:gd name="adj" fmla="val 0"/>
+                </a:avLst>
+              </a:prstGeom>
+              <a:grpFill/>
+              <a:ln w="12700">
+                <a:solidFill>
+                  <a:srgbClr val="00FDFF"/>
+                </a:solidFill>
+              </a:ln>
+            </p:spPr>
+            <p:style>
+              <a:lnRef idx="2">
+                <a:schemeClr val="accent1">
+                  <a:shade val="15000"/>
+                </a:schemeClr>
+              </a:lnRef>
+              <a:fillRef idx="1">
+                <a:schemeClr val="accent1"/>
+              </a:fillRef>
+              <a:effectRef idx="0">
+                <a:schemeClr val="accent1"/>
+              </a:effectRef>
+              <a:fontRef idx="minor">
+                <a:schemeClr val="lt1"/>
+              </a:fontRef>
+            </p:style>
+            <p:txBody>
+              <a:bodyPr rtlCol="0" anchor="ctr"/>
+              <a:lstStyle/>
+              <a:p>
+                <a:pPr algn="ctr"/>
+                <a:endParaRPr lang="en-US" sz="2400" i="1" baseline="-25000" dirty="0">
+                  <a:solidFill>
+                    <a:schemeClr val="tx1"/>
+                  </a:solidFill>
+                  <a:latin typeface="Helvetica" pitchFamily="2" charset="0"/>
+                </a:endParaRPr>
+              </a:p>
+            </p:txBody>
+          </p:sp>
+          <p:sp>
+            <p:nvSpPr>
+              <p:cNvPr id="124" name="Rounded Rectangle 123">
+                <a:extLst>
+                  <a:ext uri="{FF2B5EF4-FFF2-40B4-BE49-F238E27FC236}">
+                    <a16:creationId xmlns:a16="http://schemas.microsoft.com/office/drawing/2014/main" id="{81EE352A-1824-72C7-798E-90BDB08CEA14}"/>
+                  </a:ext>
+                </a:extLst>
+              </p:cNvPr>
+              <p:cNvSpPr>
+                <a:spLocks/>
+              </p:cNvSpPr>
+              <p:nvPr/>
+            </p:nvSpPr>
+            <p:spPr>
+              <a:xfrm>
+                <a:off x="1522564" y="4066558"/>
+                <a:ext cx="914400" cy="1576936"/>
+              </a:xfrm>
+              <a:prstGeom prst="roundRect">
+                <a:avLst/>
+              </a:prstGeom>
+              <a:grpFill/>
+              <a:ln w="12700">
+                <a:solidFill>
+                  <a:srgbClr val="00FDFF"/>
+                </a:solidFill>
+              </a:ln>
+            </p:spPr>
+            <p:style>
+              <a:lnRef idx="2">
+                <a:schemeClr val="accent1">
+                  <a:shade val="15000"/>
+                </a:schemeClr>
+              </a:lnRef>
+              <a:fillRef idx="1">
+                <a:schemeClr val="accent1"/>
+              </a:fillRef>
+              <a:effectRef idx="0">
+                <a:schemeClr val="accent1"/>
+              </a:effectRef>
+              <a:fontRef idx="minor">
+                <a:schemeClr val="lt1"/>
+              </a:fontRef>
+            </p:style>
+            <p:txBody>
+              <a:bodyPr rtlCol="0" anchor="ctr"/>
+              <a:lstStyle/>
+              <a:p>
+                <a:pPr algn="ctr"/>
+                <a:r>
+                  <a:rPr lang="en-US" sz="2400" i="1" dirty="0">
+                    <a:solidFill>
+                      <a:schemeClr val="tx1"/>
+                    </a:solidFill>
+                    <a:latin typeface="Helvetica" pitchFamily="2" charset="0"/>
+                  </a:rPr>
+                  <a:t>x</a:t>
+                </a:r>
+                <a:r>
+                  <a:rPr lang="en-US" sz="2400" i="1" baseline="-25000" dirty="0">
+                    <a:solidFill>
+                      <a:schemeClr val="tx1"/>
+                    </a:solidFill>
+                    <a:latin typeface="Helvetica" pitchFamily="2" charset="0"/>
+                  </a:rPr>
+                  <a:t>1</a:t>
+                </a:r>
+              </a:p>
+              <a:p>
+                <a:pPr algn="ctr">
+                  <a:lnSpc>
+                    <a:spcPct val="50000"/>
+                  </a:lnSpc>
+                </a:pPr>
+                <a:r>
+                  <a:rPr lang="en-US" sz="2400" i="1" dirty="0">
+                    <a:solidFill>
+                      <a:schemeClr val="tx1"/>
+                    </a:solidFill>
+                    <a:latin typeface="Helvetica" pitchFamily="2" charset="0"/>
+                  </a:rPr>
+                  <a:t>.</a:t>
+                </a:r>
+              </a:p>
+              <a:p>
+                <a:pPr algn="ctr">
+                  <a:lnSpc>
+                    <a:spcPct val="50000"/>
+                  </a:lnSpc>
+                </a:pPr>
+                <a:r>
+                  <a:rPr lang="en-US" sz="2400" i="1" dirty="0">
+                    <a:solidFill>
+                      <a:schemeClr val="tx1"/>
+                    </a:solidFill>
+                    <a:latin typeface="Helvetica" pitchFamily="2" charset="0"/>
+                  </a:rPr>
+                  <a:t>.</a:t>
+                </a:r>
+              </a:p>
+              <a:p>
+                <a:pPr algn="ctr">
+                  <a:lnSpc>
+                    <a:spcPct val="50000"/>
+                  </a:lnSpc>
+                </a:pPr>
+                <a:r>
+                  <a:rPr lang="en-US" sz="2400" i="1" dirty="0">
+                    <a:solidFill>
+                      <a:schemeClr val="tx1"/>
+                    </a:solidFill>
+                    <a:latin typeface="Helvetica" pitchFamily="2" charset="0"/>
+                  </a:rPr>
+                  <a:t>.</a:t>
+                </a:r>
+              </a:p>
+              <a:p>
+                <a:pPr algn="ctr"/>
+                <a:r>
+                  <a:rPr lang="en-US" sz="2400" i="1" dirty="0" err="1">
+                    <a:solidFill>
+                      <a:schemeClr val="tx1"/>
+                    </a:solidFill>
+                    <a:latin typeface="Helvetica" pitchFamily="2" charset="0"/>
+                  </a:rPr>
+                  <a:t>x</a:t>
+                </a:r>
+                <a:r>
+                  <a:rPr lang="en-US" sz="2400" i="1" baseline="-25000" dirty="0" err="1">
+                    <a:solidFill>
+                      <a:schemeClr val="tx1"/>
+                    </a:solidFill>
+                    <a:latin typeface="Helvetica" pitchFamily="2" charset="0"/>
+                  </a:rPr>
+                  <a:t>n</a:t>
+                </a:r>
+                <a:endParaRPr lang="en-US" sz="2400" i="1" baseline="-25000" dirty="0">
+                  <a:solidFill>
+                    <a:schemeClr val="tx1"/>
+                  </a:solidFill>
+                  <a:latin typeface="Helvetica" pitchFamily="2" charset="0"/>
+                </a:endParaRPr>
+              </a:p>
+            </p:txBody>
+          </p:sp>
+        </p:grpSp>
+        <p:cxnSp>
+          <p:nvCxnSpPr>
+            <p:cNvPr id="22" name="Straight Arrow Connector 21">
+              <a:extLst>
+                <a:ext uri="{FF2B5EF4-FFF2-40B4-BE49-F238E27FC236}">
+                  <a16:creationId xmlns:a16="http://schemas.microsoft.com/office/drawing/2014/main" id="{7AFE90F1-BDF7-F21D-CF3F-CBB44AE03193}"/>
+                </a:ext>
+              </a:extLst>
+            </p:cNvPr>
+            <p:cNvCxnSpPr>
+              <a:cxnSpLocks/>
+              <a:stCxn id="4" idx="3"/>
+              <a:endCxn id="6" idx="2"/>
+            </p:cNvCxnSpPr>
+            <p:nvPr/>
+          </p:nvCxnSpPr>
+          <p:spPr>
+            <a:xfrm flipV="1">
+              <a:off x="3367309" y="6360821"/>
+              <a:ext cx="1622544" cy="602725"/>
+            </a:xfrm>
+            <a:prstGeom prst="straightConnector1">
+              <a:avLst/>
+            </a:prstGeom>
+            <a:ln>
+              <a:tailEnd type="triangle"/>
+            </a:ln>
+          </p:spPr>
+          <p:style>
+            <a:lnRef idx="2">
+              <a:schemeClr val="dk1"/>
+            </a:lnRef>
+            <a:fillRef idx="0">
+              <a:schemeClr val="dk1"/>
+            </a:fillRef>
+            <a:effectRef idx="1">
+              <a:schemeClr val="dk1"/>
+            </a:effectRef>
+            <a:fontRef idx="minor">
+              <a:schemeClr val="tx1"/>
+            </a:fontRef>
+          </p:style>
+        </p:cxnSp>
+        <p:cxnSp>
+          <p:nvCxnSpPr>
+            <p:cNvPr id="23" name="Straight Arrow Connector 22">
+              <a:extLst>
+                <a:ext uri="{FF2B5EF4-FFF2-40B4-BE49-F238E27FC236}">
+                  <a16:creationId xmlns:a16="http://schemas.microsoft.com/office/drawing/2014/main" id="{0415B4F6-756F-05C1-E436-9609D65B9C97}"/>
+                </a:ext>
+              </a:extLst>
+            </p:cNvPr>
+            <p:cNvCxnSpPr>
+              <a:cxnSpLocks/>
+              <a:stCxn id="4" idx="3"/>
+              <a:endCxn id="7" idx="2"/>
+            </p:cNvCxnSpPr>
+            <p:nvPr/>
+          </p:nvCxnSpPr>
+          <p:spPr>
+            <a:xfrm>
+              <a:off x="3367309" y="6963546"/>
+              <a:ext cx="1622544" cy="381678"/>
+            </a:xfrm>
+            <a:prstGeom prst="straightConnector1">
+              <a:avLst/>
+            </a:prstGeom>
+            <a:ln>
+              <a:tailEnd type="triangle"/>
+            </a:ln>
+          </p:spPr>
+          <p:style>
+            <a:lnRef idx="2">
+              <a:schemeClr val="dk1"/>
+            </a:lnRef>
+            <a:fillRef idx="0">
+              <a:schemeClr val="dk1"/>
+            </a:fillRef>
+            <a:effectRef idx="1">
+              <a:schemeClr val="dk1"/>
+            </a:effectRef>
+            <a:fontRef idx="minor">
+              <a:schemeClr val="tx1"/>
+            </a:fontRef>
+          </p:style>
+        </p:cxnSp>
+        <p:cxnSp>
+          <p:nvCxnSpPr>
+            <p:cNvPr id="24" name="Straight Arrow Connector 23">
+              <a:extLst>
+                <a:ext uri="{FF2B5EF4-FFF2-40B4-BE49-F238E27FC236}">
+                  <a16:creationId xmlns:a16="http://schemas.microsoft.com/office/drawing/2014/main" id="{A24408BC-0857-A365-C7B6-5CE59E6B42B0}"/>
+                </a:ext>
+              </a:extLst>
+            </p:cNvPr>
+            <p:cNvCxnSpPr>
+              <a:cxnSpLocks/>
+              <a:stCxn id="4" idx="3"/>
+              <a:endCxn id="9" idx="1"/>
+            </p:cNvCxnSpPr>
+            <p:nvPr/>
+          </p:nvCxnSpPr>
+          <p:spPr>
+            <a:xfrm>
+              <a:off x="3367309" y="6963546"/>
+              <a:ext cx="1722977" cy="2107597"/>
+            </a:xfrm>
+            <a:prstGeom prst="straightConnector1">
+              <a:avLst/>
+            </a:prstGeom>
+            <a:ln>
+              <a:tailEnd type="triangle"/>
+            </a:ln>
+          </p:spPr>
+          <p:style>
+            <a:lnRef idx="2">
+              <a:schemeClr val="dk1"/>
+            </a:lnRef>
+            <a:fillRef idx="0">
+              <a:schemeClr val="dk1"/>
+            </a:fillRef>
+            <a:effectRef idx="1">
+              <a:schemeClr val="dk1"/>
+            </a:effectRef>
+            <a:fontRef idx="minor">
+              <a:schemeClr val="tx1"/>
+            </a:fontRef>
+          </p:style>
+        </p:cxnSp>
+        <p:sp>
+          <p:nvSpPr>
+            <p:cNvPr id="264" name="TextBox 263">
+              <a:extLst>
+                <a:ext uri="{FF2B5EF4-FFF2-40B4-BE49-F238E27FC236}">
+                  <a16:creationId xmlns:a16="http://schemas.microsoft.com/office/drawing/2014/main" id="{38DED914-232C-DCF6-7611-1855EF500923}"/>
+                </a:ext>
+              </a:extLst>
+            </p:cNvPr>
+            <p:cNvSpPr txBox="1">
+              <a:spLocks/>
+            </p:cNvSpPr>
+            <p:nvPr/>
+          </p:nvSpPr>
+          <p:spPr>
+            <a:xfrm rot="16200000">
+              <a:off x="1024098" y="8858443"/>
+              <a:ext cx="1539203" cy="707886"/>
+            </a:xfrm>
+            <a:prstGeom prst="rect">
+              <a:avLst/>
+            </a:prstGeom>
+            <a:solidFill>
+              <a:srgbClr val="F8F8F8"/>
+            </a:solidFill>
+          </p:spPr>
+          <p:txBody>
+            <a:bodyPr wrap="none" rtlCol="0">
+              <a:spAutoFit/>
+            </a:bodyPr>
+            <a:lstStyle/>
+            <a:p>
+              <a:pPr algn="ctr"/>
+              <a:r>
+                <a:rPr lang="en-US" sz="2000" dirty="0">
+                  <a:latin typeface="Helvetica" pitchFamily="2" charset="0"/>
+                </a:rPr>
+                <a:t>Static Basin</a:t>
+              </a:r>
+            </a:p>
+            <a:p>
+              <a:pPr algn="ctr"/>
+              <a:r>
+                <a:rPr lang="en-US" sz="2000" dirty="0">
+                  <a:latin typeface="Helvetica" pitchFamily="2" charset="0"/>
+                </a:rPr>
+                <a:t> Attributes</a:t>
+              </a:r>
+            </a:p>
+          </p:txBody>
+        </p:sp>
+        <p:sp>
+          <p:nvSpPr>
+            <p:cNvPr id="266" name="TextBox 265">
+              <a:extLst>
+                <a:ext uri="{FF2B5EF4-FFF2-40B4-BE49-F238E27FC236}">
+                  <a16:creationId xmlns:a16="http://schemas.microsoft.com/office/drawing/2014/main" id="{F5F8EEA0-E161-B3C1-EF1E-0E07469B1214}"/>
+                </a:ext>
+              </a:extLst>
+            </p:cNvPr>
+            <p:cNvSpPr txBox="1">
+              <a:spLocks/>
+            </p:cNvSpPr>
+            <p:nvPr/>
+          </p:nvSpPr>
+          <p:spPr>
+            <a:xfrm rot="16200000">
+              <a:off x="654606" y="6620311"/>
+              <a:ext cx="2278188" cy="707886"/>
+            </a:xfrm>
+            <a:prstGeom prst="rect">
+              <a:avLst/>
+            </a:prstGeom>
+            <a:solidFill>
+              <a:srgbClr val="F8F8F8"/>
+            </a:solidFill>
+          </p:spPr>
+          <p:txBody>
+            <a:bodyPr wrap="none" rtlCol="0">
+              <a:spAutoFit/>
+            </a:bodyPr>
+            <a:lstStyle/>
+            <a:p>
+              <a:pPr algn="ctr"/>
+              <a:r>
+                <a:rPr lang="en-US" sz="2000" dirty="0">
+                  <a:latin typeface="Helvetica" pitchFamily="2" charset="0"/>
+                </a:rPr>
+                <a:t>24-month Climate </a:t>
+              </a:r>
+            </a:p>
+            <a:p>
+              <a:pPr algn="ctr"/>
+              <a:r>
+                <a:rPr lang="en-US" sz="2000" dirty="0">
+                  <a:latin typeface="Helvetica" pitchFamily="2" charset="0"/>
+                </a:rPr>
+                <a:t>Time Series </a:t>
+              </a:r>
+            </a:p>
+          </p:txBody>
+        </p:sp>
+        <p:sp>
+          <p:nvSpPr>
+            <p:cNvPr id="17" name="TextBox 16">
+              <a:extLst>
+                <a:ext uri="{FF2B5EF4-FFF2-40B4-BE49-F238E27FC236}">
+                  <a16:creationId xmlns:a16="http://schemas.microsoft.com/office/drawing/2014/main" id="{681FC3B0-C06D-0FBC-C9C1-C5F28BE04CF8}"/>
+                </a:ext>
+              </a:extLst>
+            </p:cNvPr>
+            <p:cNvSpPr txBox="1">
+              <a:spLocks/>
+            </p:cNvSpPr>
+            <p:nvPr/>
+          </p:nvSpPr>
+          <p:spPr>
+            <a:xfrm rot="5400000">
+              <a:off x="10808100" y="7834113"/>
+              <a:ext cx="1191353" cy="461665"/>
+            </a:xfrm>
+            <a:prstGeom prst="rect">
+              <a:avLst/>
+            </a:prstGeom>
+            <a:noFill/>
+          </p:spPr>
+          <p:txBody>
+            <a:bodyPr wrap="none" rtlCol="0">
+              <a:spAutoFit/>
+            </a:bodyPr>
+            <a:lstStyle/>
+            <a:p>
+              <a:pPr algn="ctr"/>
+              <a:r>
+                <a:rPr lang="en-US" sz="2400" b="1" dirty="0">
+                  <a:latin typeface="Helvetica" pitchFamily="2" charset="0"/>
+                </a:rPr>
+                <a:t>Output</a:t>
+              </a:r>
+            </a:p>
+          </p:txBody>
+        </p:sp>
+        <p:sp>
+          <p:nvSpPr>
+            <p:cNvPr id="18" name="Rounded Rectangle 17">
+              <a:extLst>
+                <a:ext uri="{FF2B5EF4-FFF2-40B4-BE49-F238E27FC236}">
+                  <a16:creationId xmlns:a16="http://schemas.microsoft.com/office/drawing/2014/main" id="{C0F04987-0A4C-BD36-8410-3D783A515E24}"/>
+                </a:ext>
+              </a:extLst>
+            </p:cNvPr>
+            <p:cNvSpPr>
+              <a:spLocks/>
+            </p:cNvSpPr>
+            <p:nvPr/>
+          </p:nvSpPr>
+          <p:spPr>
+            <a:xfrm rot="5400000">
+              <a:off x="9233997" y="7321189"/>
+              <a:ext cx="2248839" cy="1510532"/>
+            </a:xfrm>
+            <a:prstGeom prst="roundRect">
+              <a:avLst/>
+            </a:prstGeom>
+            <a:noFill/>
+            <a:ln w="28575">
+              <a:solidFill>
+                <a:schemeClr val="tx1"/>
+              </a:solidFill>
+            </a:ln>
+          </p:spPr>
+          <p:style>
+            <a:lnRef idx="2">
+              <a:schemeClr val="accent1">
+                <a:shade val="15000"/>
+              </a:schemeClr>
+            </a:lnRef>
+            <a:fillRef idx="1">
+              <a:schemeClr val="accent1"/>
+            </a:fillRef>
+            <a:effectRef idx="0">
+              <a:schemeClr val="accent1"/>
+            </a:effectRef>
+            <a:fontRef idx="minor">
+              <a:schemeClr val="lt1"/>
+            </a:fontRef>
+          </p:style>
+          <p:txBody>
+            <a:bodyPr rtlCol="0" anchor="ctr"/>
+            <a:lstStyle/>
+            <a:p>
+              <a:pPr algn="ctr"/>
+              <a:endParaRPr lang="en-US" sz="2400" i="1" dirty="0">
+                <a:solidFill>
+                  <a:schemeClr val="tx1"/>
+                </a:solidFill>
+                <a:latin typeface="Helvetica" pitchFamily="2" charset="0"/>
+              </a:endParaRPr>
+            </a:p>
+          </p:txBody>
+        </p:sp>
+        <p:sp>
+          <p:nvSpPr>
+            <p:cNvPr id="129" name="Rectangle 128">
+              <a:extLst>
+                <a:ext uri="{FF2B5EF4-FFF2-40B4-BE49-F238E27FC236}">
+                  <a16:creationId xmlns:a16="http://schemas.microsoft.com/office/drawing/2014/main" id="{D7DE3855-DDBC-2791-6A6A-8C26DB014315}"/>
+                </a:ext>
+              </a:extLst>
+            </p:cNvPr>
+            <p:cNvSpPr>
+              <a:spLocks/>
+            </p:cNvSpPr>
+            <p:nvPr/>
+          </p:nvSpPr>
+          <p:spPr>
+            <a:xfrm>
+              <a:off x="9348934" y="5735597"/>
+              <a:ext cx="1280146" cy="4375719"/>
+            </a:xfrm>
+            <a:prstGeom prst="rect">
+              <a:avLst/>
+            </a:prstGeom>
+            <a:solidFill>
+              <a:srgbClr val="F8F8F8"/>
+            </a:solidFill>
+            <a:ln w="19050">
+              <a:solidFill>
+                <a:schemeClr val="tx1">
+                  <a:lumMod val="75000"/>
+                  <a:lumOff val="25000"/>
+                </a:schemeClr>
+              </a:solidFill>
+              <a:prstDash val="sysDash"/>
+            </a:ln>
+          </p:spPr>
+          <p:style>
+            <a:lnRef idx="2">
+              <a:schemeClr val="accent1">
+                <a:shade val="15000"/>
+              </a:schemeClr>
+            </a:lnRef>
+            <a:fillRef idx="1">
+              <a:schemeClr val="accent1"/>
+            </a:fillRef>
+            <a:effectRef idx="0">
+              <a:schemeClr val="accent1"/>
+            </a:effectRef>
+            <a:fontRef idx="minor">
+              <a:schemeClr val="lt1"/>
+            </a:fontRef>
+          </p:style>
+          <p:txBody>
+            <a:bodyPr rtlCol="0" anchor="ctr"/>
+            <a:lstStyle/>
+            <a:p>
+              <a:pPr algn="ctr"/>
+              <a:endParaRPr lang="en-US"/>
+            </a:p>
+          </p:txBody>
+        </p:sp>
+        <p:grpSp>
+          <p:nvGrpSpPr>
+            <p:cNvPr id="107" name="Group 106">
+              <a:extLst>
+                <a:ext uri="{FF2B5EF4-FFF2-40B4-BE49-F238E27FC236}">
+                  <a16:creationId xmlns:a16="http://schemas.microsoft.com/office/drawing/2014/main" id="{9506B12E-75A2-4FFF-8787-87718A3EE414}"/>
+                </a:ext>
+              </a:extLst>
+            </p:cNvPr>
+            <p:cNvGrpSpPr>
+              <a:grpSpLocks/>
+            </p:cNvGrpSpPr>
+            <p:nvPr/>
+          </p:nvGrpSpPr>
+          <p:grpSpPr>
+            <a:xfrm>
+              <a:off x="9695267" y="6024416"/>
+              <a:ext cx="685800" cy="3638589"/>
+              <a:chOff x="3901464" y="1154139"/>
+              <a:chExt cx="685800" cy="3638589"/>
+            </a:xfrm>
+            <a:solidFill>
+              <a:srgbClr val="FFFC00"/>
+            </a:solidFill>
+          </p:grpSpPr>
+          <p:sp>
+            <p:nvSpPr>
+              <p:cNvPr id="108" name="Oval 107">
+                <a:extLst>
+                  <a:ext uri="{FF2B5EF4-FFF2-40B4-BE49-F238E27FC236}">
+                    <a16:creationId xmlns:a16="http://schemas.microsoft.com/office/drawing/2014/main" id="{533D0FDB-3A16-124A-A3E8-9F0D5D66E933}"/>
+                  </a:ext>
+                </a:extLst>
+              </p:cNvPr>
+              <p:cNvSpPr>
+                <a:spLocks/>
+              </p:cNvSpPr>
+              <p:nvPr/>
+            </p:nvSpPr>
+            <p:spPr>
+              <a:xfrm>
+                <a:off x="3901464" y="1154139"/>
+                <a:ext cx="685800" cy="685800"/>
+              </a:xfrm>
+              <a:prstGeom prst="ellipse">
+                <a:avLst/>
+              </a:prstGeom>
+              <a:grpFill/>
+              <a:ln w="12700">
+                <a:solidFill>
+                  <a:srgbClr val="FFFC00"/>
+                </a:solidFill>
+              </a:ln>
+            </p:spPr>
+            <p:style>
+              <a:lnRef idx="2">
+                <a:schemeClr val="accent1">
+                  <a:shade val="15000"/>
+                </a:schemeClr>
+              </a:lnRef>
+              <a:fillRef idx="1">
+                <a:schemeClr val="accent1"/>
+              </a:fillRef>
+              <a:effectRef idx="0">
+                <a:schemeClr val="accent1"/>
+              </a:effectRef>
+              <a:fontRef idx="minor">
+                <a:schemeClr val="lt1"/>
+              </a:fontRef>
+            </p:style>
+            <p:txBody>
+              <a:bodyPr rtlCol="0" anchor="t"/>
+              <a:lstStyle/>
+              <a:p>
+                <a:pPr algn="ctr"/>
+                <a:r>
+                  <a:rPr lang="en-US" sz="2400" i="1" dirty="0">
+                    <a:solidFill>
+                      <a:schemeClr val="tx1"/>
+                    </a:solidFill>
+                    <a:latin typeface="Helvetica" pitchFamily="2" charset="0"/>
+                  </a:rPr>
+                  <a:t>ŷ</a:t>
+                </a:r>
+                <a:r>
+                  <a:rPr lang="en-US" sz="2400" i="1" baseline="-25000" dirty="0">
+                    <a:solidFill>
+                      <a:schemeClr val="tx1"/>
+                    </a:solidFill>
+                    <a:latin typeface="Helvetica" pitchFamily="2" charset="0"/>
+                  </a:rPr>
+                  <a:t>1</a:t>
+                </a:r>
+                <a:endParaRPr lang="en-US" sz="2400" i="1" dirty="0">
+                  <a:solidFill>
+                    <a:schemeClr val="tx1"/>
+                  </a:solidFill>
+                  <a:latin typeface="Helvetica" pitchFamily="2" charset="0"/>
+                </a:endParaRPr>
+              </a:p>
+            </p:txBody>
+          </p:sp>
+          <p:sp>
+            <p:nvSpPr>
+              <p:cNvPr id="109" name="Oval 108">
+                <a:extLst>
+                  <a:ext uri="{FF2B5EF4-FFF2-40B4-BE49-F238E27FC236}">
+                    <a16:creationId xmlns:a16="http://schemas.microsoft.com/office/drawing/2014/main" id="{8FBA40A8-63E5-5EA1-61A7-C30691DD74BA}"/>
+                  </a:ext>
+                </a:extLst>
+              </p:cNvPr>
+              <p:cNvSpPr>
+                <a:spLocks/>
+              </p:cNvSpPr>
+              <p:nvPr/>
+            </p:nvSpPr>
+            <p:spPr>
+              <a:xfrm>
+                <a:off x="3901464" y="2138542"/>
+                <a:ext cx="685800" cy="685800"/>
+              </a:xfrm>
+              <a:prstGeom prst="ellipse">
+                <a:avLst/>
+              </a:prstGeom>
+              <a:grpFill/>
+              <a:ln w="12700">
+                <a:solidFill>
+                  <a:srgbClr val="FFFC00"/>
+                </a:solidFill>
+              </a:ln>
+            </p:spPr>
+            <p:style>
+              <a:lnRef idx="2">
+                <a:schemeClr val="accent1">
+                  <a:shade val="15000"/>
+                </a:schemeClr>
+              </a:lnRef>
+              <a:fillRef idx="1">
+                <a:schemeClr val="accent1"/>
+              </a:fillRef>
+              <a:effectRef idx="0">
+                <a:schemeClr val="accent1"/>
+              </a:effectRef>
+              <a:fontRef idx="minor">
+                <a:schemeClr val="lt1"/>
+              </a:fontRef>
+            </p:style>
+            <p:txBody>
+              <a:bodyPr rtlCol="0" anchor="t"/>
+              <a:lstStyle/>
+              <a:p>
+                <a:pPr algn="ctr"/>
+                <a:r>
+                  <a:rPr lang="en-US" sz="2400" i="1" dirty="0">
+                    <a:solidFill>
+                      <a:schemeClr val="tx1"/>
+                    </a:solidFill>
+                    <a:latin typeface="Helvetica" pitchFamily="2" charset="0"/>
+                  </a:rPr>
+                  <a:t>ŷ</a:t>
+                </a:r>
+                <a:r>
+                  <a:rPr lang="en-US" sz="2400" i="1" baseline="-25000" dirty="0">
+                    <a:solidFill>
+                      <a:schemeClr val="tx1"/>
+                    </a:solidFill>
+                    <a:latin typeface="Helvetica" pitchFamily="2" charset="0"/>
+                  </a:rPr>
+                  <a:t>2</a:t>
+                </a:r>
+                <a:endParaRPr lang="en-US" sz="2400" dirty="0">
+                  <a:latin typeface="Helvetica" pitchFamily="2" charset="0"/>
+                </a:endParaRPr>
+              </a:p>
+            </p:txBody>
+          </p:sp>
+          <p:sp>
+            <p:nvSpPr>
+              <p:cNvPr id="110" name="Oval 109">
+                <a:extLst>
+                  <a:ext uri="{FF2B5EF4-FFF2-40B4-BE49-F238E27FC236}">
+                    <a16:creationId xmlns:a16="http://schemas.microsoft.com/office/drawing/2014/main" id="{E177F871-B185-68C2-737F-CCB5EA3D943F}"/>
+                  </a:ext>
+                </a:extLst>
+              </p:cNvPr>
+              <p:cNvSpPr>
+                <a:spLocks/>
+              </p:cNvSpPr>
+              <p:nvPr/>
+            </p:nvSpPr>
+            <p:spPr>
+              <a:xfrm>
+                <a:off x="3901464" y="4106928"/>
+                <a:ext cx="685800" cy="685800"/>
+              </a:xfrm>
+              <a:prstGeom prst="ellipse">
+                <a:avLst/>
+              </a:prstGeom>
+              <a:solidFill>
+                <a:srgbClr val="FFFC00"/>
+              </a:solidFill>
+              <a:ln w="12700">
+                <a:solidFill>
+                  <a:srgbClr val="FFFC00"/>
+                </a:solidFill>
+              </a:ln>
+            </p:spPr>
+            <p:style>
+              <a:lnRef idx="2">
+                <a:schemeClr val="accent1">
+                  <a:shade val="15000"/>
+                </a:schemeClr>
+              </a:lnRef>
+              <a:fillRef idx="1">
+                <a:schemeClr val="accent1"/>
+              </a:fillRef>
+              <a:effectRef idx="0">
+                <a:schemeClr val="accent1"/>
+              </a:effectRef>
+              <a:fontRef idx="minor">
+                <a:schemeClr val="lt1"/>
+              </a:fontRef>
+            </p:style>
+            <p:txBody>
+              <a:bodyPr rtlCol="0" anchor="t"/>
+              <a:lstStyle/>
+              <a:p>
+                <a:pPr algn="ctr"/>
+                <a:r>
+                  <a:rPr lang="en-US" sz="2400" i="1" dirty="0" err="1">
+                    <a:solidFill>
+                      <a:schemeClr val="tx1"/>
+                    </a:solidFill>
+                    <a:latin typeface="Helvetica" pitchFamily="2" charset="0"/>
+                  </a:rPr>
+                  <a:t>ŷ</a:t>
+                </a:r>
+                <a:r>
+                  <a:rPr lang="en-US" sz="2400" i="1" baseline="-25000" dirty="0" err="1">
+                    <a:solidFill>
+                      <a:schemeClr val="tx1"/>
+                    </a:solidFill>
+                    <a:latin typeface="Helvetica" pitchFamily="2" charset="0"/>
+                  </a:rPr>
+                  <a:t>n</a:t>
+                </a:r>
+                <a:endParaRPr lang="en-US" sz="2400" dirty="0">
+                  <a:latin typeface="Helvetica" pitchFamily="2" charset="0"/>
+                </a:endParaRPr>
+              </a:p>
+            </p:txBody>
+          </p:sp>
+          <p:sp>
+            <p:nvSpPr>
+              <p:cNvPr id="111" name="TextBox 110">
+                <a:extLst>
+                  <a:ext uri="{FF2B5EF4-FFF2-40B4-BE49-F238E27FC236}">
+                    <a16:creationId xmlns:a16="http://schemas.microsoft.com/office/drawing/2014/main" id="{F6A43D1D-FA07-42C0-CEC7-984E35E72BCD}"/>
+                  </a:ext>
+                </a:extLst>
+              </p:cNvPr>
+              <p:cNvSpPr txBox="1">
+                <a:spLocks/>
+              </p:cNvSpPr>
+              <p:nvPr/>
+            </p:nvSpPr>
+            <p:spPr>
+              <a:xfrm>
+                <a:off x="4105544" y="3122945"/>
+                <a:ext cx="277640" cy="685380"/>
+              </a:xfrm>
+              <a:prstGeom prst="rect">
+                <a:avLst/>
+              </a:prstGeom>
+              <a:noFill/>
+            </p:spPr>
+            <p:txBody>
+              <a:bodyPr wrap="none" rtlCol="0">
+                <a:spAutoFit/>
+              </a:bodyPr>
+              <a:lstStyle/>
+              <a:p>
+                <a:pPr algn="ctr">
+                  <a:lnSpc>
+                    <a:spcPct val="50000"/>
+                  </a:lnSpc>
+                </a:pPr>
+                <a:r>
+                  <a:rPr lang="en-US" sz="2400" b="1" dirty="0">
+                    <a:latin typeface="Helvetica" pitchFamily="2" charset="0"/>
+                  </a:rPr>
+                  <a:t>.</a:t>
+                </a:r>
+              </a:p>
+              <a:p>
+                <a:pPr algn="ctr">
+                  <a:lnSpc>
+                    <a:spcPct val="50000"/>
+                  </a:lnSpc>
+                </a:pPr>
+                <a:r>
+                  <a:rPr lang="en-US" sz="2400" b="1" dirty="0">
+                    <a:latin typeface="Helvetica" pitchFamily="2" charset="0"/>
+                  </a:rPr>
+                  <a:t>.</a:t>
+                </a:r>
+              </a:p>
+              <a:p>
+                <a:pPr algn="ctr">
+                  <a:lnSpc>
+                    <a:spcPct val="50000"/>
+                  </a:lnSpc>
+                </a:pPr>
+                <a:r>
+                  <a:rPr lang="en-US" sz="2400" b="1" dirty="0">
+                    <a:latin typeface="Helvetica" pitchFamily="2" charset="0"/>
+                  </a:rPr>
+                  <a:t>.</a:t>
+                </a:r>
+              </a:p>
+            </p:txBody>
+          </p:sp>
+        </p:grpSp>
+        <p:cxnSp>
+          <p:nvCxnSpPr>
+            <p:cNvPr id="113" name="Straight Arrow Connector 112">
+              <a:extLst>
+                <a:ext uri="{FF2B5EF4-FFF2-40B4-BE49-F238E27FC236}">
+                  <a16:creationId xmlns:a16="http://schemas.microsoft.com/office/drawing/2014/main" id="{31B4AA7F-5BEE-6541-E5AA-868184CD3760}"/>
+                </a:ext>
+              </a:extLst>
+            </p:cNvPr>
+            <p:cNvCxnSpPr>
+              <a:cxnSpLocks/>
+            </p:cNvCxnSpPr>
+            <p:nvPr/>
+          </p:nvCxnSpPr>
+          <p:spPr>
+            <a:xfrm>
+              <a:off x="8811059" y="7367233"/>
+              <a:ext cx="884208" cy="0"/>
+            </a:xfrm>
+            <a:prstGeom prst="straightConnector1">
+              <a:avLst/>
+            </a:prstGeom>
+            <a:ln>
+              <a:tailEnd type="triangle"/>
+            </a:ln>
+          </p:spPr>
+          <p:style>
+            <a:lnRef idx="2">
+              <a:schemeClr val="dk1"/>
+            </a:lnRef>
+            <a:fillRef idx="0">
+              <a:schemeClr val="dk1"/>
+            </a:fillRef>
+            <a:effectRef idx="1">
+              <a:schemeClr val="dk1"/>
+            </a:effectRef>
+            <a:fontRef idx="minor">
+              <a:schemeClr val="tx1"/>
+            </a:fontRef>
+          </p:style>
+        </p:cxnSp>
+        <p:cxnSp>
+          <p:nvCxnSpPr>
+            <p:cNvPr id="114" name="Straight Arrow Connector 113">
+              <a:extLst>
+                <a:ext uri="{FF2B5EF4-FFF2-40B4-BE49-F238E27FC236}">
+                  <a16:creationId xmlns:a16="http://schemas.microsoft.com/office/drawing/2014/main" id="{1ADA3E73-F17D-4BAE-86B5-82DE1A565F8C}"/>
+                </a:ext>
+              </a:extLst>
+            </p:cNvPr>
+            <p:cNvCxnSpPr>
+              <a:cxnSpLocks/>
+            </p:cNvCxnSpPr>
+            <p:nvPr/>
+          </p:nvCxnSpPr>
+          <p:spPr>
+            <a:xfrm>
+              <a:off x="8811059" y="9335619"/>
+              <a:ext cx="884208" cy="0"/>
+            </a:xfrm>
+            <a:prstGeom prst="straightConnector1">
+              <a:avLst/>
+            </a:prstGeom>
+            <a:ln>
+              <a:tailEnd type="triangle"/>
+            </a:ln>
+          </p:spPr>
+          <p:style>
+            <a:lnRef idx="2">
+              <a:schemeClr val="dk1"/>
+            </a:lnRef>
+            <a:fillRef idx="0">
+              <a:schemeClr val="dk1"/>
+            </a:fillRef>
+            <a:effectRef idx="1">
+              <a:schemeClr val="dk1"/>
+            </a:effectRef>
+            <a:fontRef idx="minor">
+              <a:schemeClr val="tx1"/>
+            </a:fontRef>
+          </p:style>
+        </p:cxnSp>
+        <p:cxnSp>
+          <p:nvCxnSpPr>
+            <p:cNvPr id="117" name="Straight Arrow Connector 116">
+              <a:extLst>
+                <a:ext uri="{FF2B5EF4-FFF2-40B4-BE49-F238E27FC236}">
+                  <a16:creationId xmlns:a16="http://schemas.microsoft.com/office/drawing/2014/main" id="{BA0E932C-D04F-14C3-7885-C8BDB392B7E5}"/>
+                </a:ext>
+              </a:extLst>
+            </p:cNvPr>
+            <p:cNvCxnSpPr>
+              <a:cxnSpLocks/>
+            </p:cNvCxnSpPr>
+            <p:nvPr/>
+          </p:nvCxnSpPr>
+          <p:spPr>
+            <a:xfrm flipV="1">
+              <a:off x="8811060" y="6625297"/>
+              <a:ext cx="984641" cy="741936"/>
+            </a:xfrm>
+            <a:prstGeom prst="straightConnector1">
+              <a:avLst/>
+            </a:prstGeom>
+            <a:ln>
+              <a:tailEnd type="triangle"/>
+            </a:ln>
+          </p:spPr>
+          <p:style>
+            <a:lnRef idx="2">
+              <a:schemeClr val="dk1"/>
+            </a:lnRef>
+            <a:fillRef idx="0">
+              <a:schemeClr val="dk1"/>
+            </a:fillRef>
+            <a:effectRef idx="1">
+              <a:schemeClr val="dk1"/>
+            </a:effectRef>
+            <a:fontRef idx="minor">
+              <a:schemeClr val="tx1"/>
+            </a:fontRef>
+          </p:style>
+        </p:cxnSp>
+        <p:cxnSp>
+          <p:nvCxnSpPr>
+            <p:cNvPr id="118" name="Straight Arrow Connector 117">
+              <a:extLst>
+                <a:ext uri="{FF2B5EF4-FFF2-40B4-BE49-F238E27FC236}">
+                  <a16:creationId xmlns:a16="http://schemas.microsoft.com/office/drawing/2014/main" id="{EB33EAB8-5C0E-B96F-B5DE-9486FE995015}"/>
+                </a:ext>
+              </a:extLst>
+            </p:cNvPr>
+            <p:cNvCxnSpPr>
+              <a:cxnSpLocks/>
+            </p:cNvCxnSpPr>
+            <p:nvPr/>
+          </p:nvCxnSpPr>
+          <p:spPr>
+            <a:xfrm>
+              <a:off x="8811060" y="7367234"/>
+              <a:ext cx="984641" cy="1725919"/>
+            </a:xfrm>
+            <a:prstGeom prst="straightConnector1">
+              <a:avLst/>
+            </a:prstGeom>
+            <a:ln>
+              <a:tailEnd type="triangle"/>
+            </a:ln>
+          </p:spPr>
+          <p:style>
+            <a:lnRef idx="2">
+              <a:schemeClr val="dk1"/>
+            </a:lnRef>
+            <a:fillRef idx="0">
+              <a:schemeClr val="dk1"/>
+            </a:fillRef>
+            <a:effectRef idx="1">
+              <a:schemeClr val="dk1"/>
+            </a:effectRef>
+            <a:fontRef idx="minor">
+              <a:schemeClr val="tx1"/>
+            </a:fontRef>
+          </p:style>
+        </p:cxnSp>
+        <p:cxnSp>
+          <p:nvCxnSpPr>
+            <p:cNvPr id="119" name="Straight Arrow Connector 118">
+              <a:extLst>
+                <a:ext uri="{FF2B5EF4-FFF2-40B4-BE49-F238E27FC236}">
+                  <a16:creationId xmlns:a16="http://schemas.microsoft.com/office/drawing/2014/main" id="{006FE78B-DFE5-68E6-B85B-95EA20FD90D8}"/>
+                </a:ext>
+              </a:extLst>
+            </p:cNvPr>
+            <p:cNvCxnSpPr>
+              <a:cxnSpLocks/>
+            </p:cNvCxnSpPr>
+            <p:nvPr/>
+          </p:nvCxnSpPr>
+          <p:spPr>
+            <a:xfrm flipV="1">
+              <a:off x="8811060" y="6625297"/>
+              <a:ext cx="984641" cy="2710322"/>
+            </a:xfrm>
+            <a:prstGeom prst="straightConnector1">
+              <a:avLst/>
+            </a:prstGeom>
+            <a:ln>
+              <a:tailEnd type="triangle"/>
+            </a:ln>
+          </p:spPr>
+          <p:style>
+            <a:lnRef idx="2">
+              <a:schemeClr val="dk1"/>
+            </a:lnRef>
+            <a:fillRef idx="0">
+              <a:schemeClr val="dk1"/>
+            </a:fillRef>
+            <a:effectRef idx="1">
+              <a:schemeClr val="dk1"/>
+            </a:effectRef>
+            <a:fontRef idx="minor">
+              <a:schemeClr val="tx1"/>
+            </a:fontRef>
+          </p:style>
+        </p:cxnSp>
+        <p:cxnSp>
+          <p:nvCxnSpPr>
+            <p:cNvPr id="120" name="Straight Arrow Connector 119">
+              <a:extLst>
+                <a:ext uri="{FF2B5EF4-FFF2-40B4-BE49-F238E27FC236}">
+                  <a16:creationId xmlns:a16="http://schemas.microsoft.com/office/drawing/2014/main" id="{11A69E87-739E-8CBE-F8E3-7DCD9C0132FA}"/>
+                </a:ext>
+              </a:extLst>
+            </p:cNvPr>
+            <p:cNvCxnSpPr>
+              <a:cxnSpLocks/>
+            </p:cNvCxnSpPr>
+            <p:nvPr/>
+          </p:nvCxnSpPr>
+          <p:spPr>
+            <a:xfrm flipV="1">
+              <a:off x="8811060" y="7609701"/>
+              <a:ext cx="984641" cy="1725919"/>
+            </a:xfrm>
+            <a:prstGeom prst="straightConnector1">
+              <a:avLst/>
+            </a:prstGeom>
+            <a:ln>
+              <a:tailEnd type="triangle"/>
+            </a:ln>
+          </p:spPr>
+          <p:style>
+            <a:lnRef idx="2">
+              <a:schemeClr val="dk1"/>
+            </a:lnRef>
+            <a:fillRef idx="0">
+              <a:schemeClr val="dk1"/>
+            </a:fillRef>
+            <a:effectRef idx="1">
+              <a:schemeClr val="dk1"/>
+            </a:effectRef>
+            <a:fontRef idx="minor">
+              <a:schemeClr val="tx1"/>
+            </a:fontRef>
+          </p:style>
+        </p:cxnSp>
+        <p:grpSp>
+          <p:nvGrpSpPr>
+            <p:cNvPr id="19" name="Group 18">
+              <a:extLst>
+                <a:ext uri="{FF2B5EF4-FFF2-40B4-BE49-F238E27FC236}">
+                  <a16:creationId xmlns:a16="http://schemas.microsoft.com/office/drawing/2014/main" id="{72340C1F-F72E-654F-D70E-6E5668DB259D}"/>
+                </a:ext>
+              </a:extLst>
+            </p:cNvPr>
+            <p:cNvGrpSpPr>
+              <a:grpSpLocks/>
+            </p:cNvGrpSpPr>
+            <p:nvPr/>
+          </p:nvGrpSpPr>
+          <p:grpSpPr>
+            <a:xfrm>
+              <a:off x="7491460" y="9780472"/>
+              <a:ext cx="1622027" cy="369332"/>
+              <a:chOff x="7491460" y="9752919"/>
+              <a:chExt cx="1622027" cy="369332"/>
+            </a:xfrm>
+          </p:grpSpPr>
+          <p:sp>
+            <p:nvSpPr>
+              <p:cNvPr id="28" name="TextBox 27">
+                <a:extLst>
+                  <a:ext uri="{FF2B5EF4-FFF2-40B4-BE49-F238E27FC236}">
+                    <a16:creationId xmlns:a16="http://schemas.microsoft.com/office/drawing/2014/main" id="{583B9252-74BA-A63A-DA41-E8ED04BBE218}"/>
+                  </a:ext>
+                </a:extLst>
+              </p:cNvPr>
+              <p:cNvSpPr txBox="1">
+                <a:spLocks/>
+              </p:cNvSpPr>
+              <p:nvPr/>
+            </p:nvSpPr>
+            <p:spPr>
+              <a:xfrm>
+                <a:off x="7491460" y="9752919"/>
+                <a:ext cx="1622027" cy="369332"/>
+              </a:xfrm>
+              <a:prstGeom prst="rect">
+                <a:avLst/>
+              </a:prstGeom>
+              <a:noFill/>
+              <a:ln>
+                <a:noFill/>
+              </a:ln>
+            </p:spPr>
+            <p:txBody>
+              <a:bodyPr wrap="square">
+                <a:spAutoFit/>
+              </a:bodyPr>
+              <a:lstStyle/>
+              <a:p>
+                <a:pPr algn="r"/>
+                <a:r>
+                  <a:rPr lang="en-US" sz="1800" i="1" dirty="0">
+                    <a:solidFill>
+                      <a:schemeClr val="tx1">
+                        <a:lumMod val="75000"/>
+                        <a:lumOff val="25000"/>
+                      </a:schemeClr>
+                    </a:solidFill>
+                    <a:latin typeface="Helvetica" pitchFamily="2" charset="0"/>
+                  </a:rPr>
+                  <a:t>= dropout</a:t>
+                </a:r>
+              </a:p>
+            </p:txBody>
+          </p:sp>
+          <p:grpSp>
+            <p:nvGrpSpPr>
+              <p:cNvPr id="16" name="Group 15">
+                <a:extLst>
+                  <a:ext uri="{FF2B5EF4-FFF2-40B4-BE49-F238E27FC236}">
+                    <a16:creationId xmlns:a16="http://schemas.microsoft.com/office/drawing/2014/main" id="{D7C1529E-A136-ABBE-955E-8C42728D784B}"/>
+                  </a:ext>
+                </a:extLst>
+              </p:cNvPr>
+              <p:cNvGrpSpPr>
+                <a:grpSpLocks/>
+              </p:cNvGrpSpPr>
+              <p:nvPr/>
+            </p:nvGrpSpPr>
+            <p:grpSpPr>
+              <a:xfrm>
+                <a:off x="7794002" y="9851376"/>
+                <a:ext cx="185006" cy="187319"/>
+                <a:chOff x="7515968" y="9583224"/>
+                <a:chExt cx="185006" cy="187319"/>
+              </a:xfrm>
+            </p:grpSpPr>
+            <p:cxnSp>
+              <p:nvCxnSpPr>
+                <p:cNvPr id="5" name="Straight Connector 4">
+                  <a:extLst>
+                    <a:ext uri="{FF2B5EF4-FFF2-40B4-BE49-F238E27FC236}">
+                      <a16:creationId xmlns:a16="http://schemas.microsoft.com/office/drawing/2014/main" id="{5FAB56C3-6A32-A54F-22FB-E33DAC322EF1}"/>
+                    </a:ext>
+                  </a:extLst>
+                </p:cNvPr>
+                <p:cNvCxnSpPr>
+                  <a:cxnSpLocks/>
+                </p:cNvCxnSpPr>
+                <p:nvPr/>
+              </p:nvCxnSpPr>
+              <p:spPr>
+                <a:xfrm>
+                  <a:off x="7518094" y="9583224"/>
+                  <a:ext cx="182880" cy="182880"/>
+                </a:xfrm>
+                <a:prstGeom prst="line">
+                  <a:avLst/>
+                </a:prstGeom>
+                <a:ln w="28575">
+                  <a:solidFill>
+                    <a:schemeClr val="tx1">
+                      <a:lumMod val="75000"/>
+                      <a:lumOff val="25000"/>
+                    </a:schemeClr>
+                  </a:solidFill>
+                </a:ln>
+              </p:spPr>
+              <p:style>
+                <a:lnRef idx="2">
+                  <a:schemeClr val="dk1"/>
+                </a:lnRef>
+                <a:fillRef idx="0">
+                  <a:schemeClr val="dk1"/>
+                </a:fillRef>
+                <a:effectRef idx="1">
+                  <a:schemeClr val="dk1"/>
+                </a:effectRef>
+                <a:fontRef idx="minor">
+                  <a:schemeClr val="tx1"/>
+                </a:fontRef>
+              </p:style>
+            </p:cxnSp>
+            <p:cxnSp>
+              <p:nvCxnSpPr>
+                <p:cNvPr id="13" name="Straight Connector 12">
+                  <a:extLst>
+                    <a:ext uri="{FF2B5EF4-FFF2-40B4-BE49-F238E27FC236}">
+                      <a16:creationId xmlns:a16="http://schemas.microsoft.com/office/drawing/2014/main" id="{4DF97338-3D6A-9842-C3FE-726586DBE845}"/>
+                    </a:ext>
+                  </a:extLst>
+                </p:cNvPr>
+                <p:cNvCxnSpPr>
+                  <a:cxnSpLocks/>
+                </p:cNvCxnSpPr>
+                <p:nvPr/>
+              </p:nvCxnSpPr>
+              <p:spPr>
+                <a:xfrm flipH="1">
+                  <a:off x="7515968" y="9587663"/>
+                  <a:ext cx="182880" cy="182880"/>
+                </a:xfrm>
+                <a:prstGeom prst="line">
+                  <a:avLst/>
+                </a:prstGeom>
+                <a:ln w="28575">
+                  <a:solidFill>
+                    <a:schemeClr val="tx1">
+                      <a:lumMod val="75000"/>
+                      <a:lumOff val="25000"/>
+                    </a:schemeClr>
+                  </a:solidFill>
+                </a:ln>
+              </p:spPr>
+              <p:style>
+                <a:lnRef idx="2">
+                  <a:schemeClr val="dk1"/>
+                </a:lnRef>
+                <a:fillRef idx="0">
+                  <a:schemeClr val="dk1"/>
+                </a:fillRef>
+                <a:effectRef idx="1">
+                  <a:schemeClr val="dk1"/>
+                </a:effectRef>
+                <a:fontRef idx="minor">
+                  <a:schemeClr val="tx1"/>
+                </a:fontRef>
+              </p:style>
+            </p:cxnSp>
+          </p:grpSp>
+        </p:grpSp>
+      </p:grpSp>
+    </p:spTree>
+    <p:extLst>
+      <p:ext uri="{BB962C8B-B14F-4D97-AF65-F5344CB8AC3E}">
+        <p14:creationId xmlns:p14="http://schemas.microsoft.com/office/powerpoint/2010/main" val="3843686691"/>
       </p:ext>
     </p:extLst>
   </p:cSld>

--- a/figs/mock-ups.pptx
+++ b/figs/mock-ups.pptx
@@ -5,14 +5,15 @@
     <p:sldMasterId id="2147483684" r:id="rId1"/>
   </p:sldMasterIdLst>
   <p:notesMasterIdLst>
-    <p:notesMasterId r:id="rId7"/>
+    <p:notesMasterId r:id="rId8"/>
   </p:notesMasterIdLst>
   <p:sldIdLst>
     <p:sldId id="256" r:id="rId2"/>
     <p:sldId id="257" r:id="rId3"/>
-    <p:sldId id="258" r:id="rId4"/>
-    <p:sldId id="259" r:id="rId5"/>
-    <p:sldId id="260" r:id="rId6"/>
+    <p:sldId id="261" r:id="rId4"/>
+    <p:sldId id="258" r:id="rId5"/>
+    <p:sldId id="259" r:id="rId6"/>
+    <p:sldId id="260" r:id="rId7"/>
   </p:sldIdLst>
   <p:sldSz cx="12192000" cy="13716000"/>
   <p:notesSz cx="6858000" cy="9144000"/>
@@ -638,7 +639,7 @@
           <a:p>
             <a:fld id="{DF15243F-3D71-C541-9B95-649C1658FCF6}" type="slidenum">
               <a:rPr lang="en-US" smtClean="0"/>
-              <a:t>3</a:t>
+              <a:t>4</a:t>
             </a:fld>
             <a:endParaRPr lang="en-US"/>
           </a:p>
@@ -751,7 +752,7 @@
           <a:p>
             <a:fld id="{DF15243F-3D71-C541-9B95-649C1658FCF6}" type="slidenum">
               <a:rPr lang="en-US" smtClean="0"/>
-              <a:t>4</a:t>
+              <a:t>5</a:t>
             </a:fld>
             <a:endParaRPr lang="en-US"/>
           </a:p>
@@ -864,7 +865,7 @@
           <a:p>
             <a:fld id="{DF15243F-3D71-C541-9B95-649C1658FCF6}" type="slidenum">
               <a:rPr lang="en-US" smtClean="0"/>
-              <a:t>5</a:t>
+              <a:t>6</a:t>
             </a:fld>
             <a:endParaRPr lang="en-US"/>
           </a:p>
@@ -4193,6 +4194,953 @@
 </file>
 
 <file path=ppt/slides/slide3.xml><?xml version="1.0" encoding="utf-8"?>
+<p:sld xmlns:a="http://schemas.openxmlformats.org/drawingml/2006/main" xmlns:r="http://schemas.openxmlformats.org/officeDocument/2006/relationships" xmlns:p="http://schemas.openxmlformats.org/presentationml/2006/main">
+  <p:cSld>
+    <p:spTree>
+      <p:nvGrpSpPr>
+        <p:cNvPr id="1" name=""/>
+        <p:cNvGrpSpPr/>
+        <p:nvPr/>
+      </p:nvGrpSpPr>
+      <p:grpSpPr>
+        <a:xfrm>
+          <a:off x="0" y="0"/>
+          <a:ext cx="0" cy="0"/>
+          <a:chOff x="0" y="0"/>
+          <a:chExt cx="0" cy="0"/>
+        </a:xfrm>
+      </p:grpSpPr>
+      <p:grpSp>
+        <p:nvGrpSpPr>
+          <p:cNvPr id="33" name="Group 32">
+            <a:extLst>
+              <a:ext uri="{FF2B5EF4-FFF2-40B4-BE49-F238E27FC236}">
+                <a16:creationId xmlns:a16="http://schemas.microsoft.com/office/drawing/2014/main" id="{175EF776-02F3-C712-4901-8D83A52722C4}"/>
+              </a:ext>
+            </a:extLst>
+          </p:cNvPr>
+          <p:cNvGrpSpPr/>
+          <p:nvPr/>
+        </p:nvGrpSpPr>
+        <p:grpSpPr>
+          <a:xfrm>
+            <a:off x="1075739" y="11887145"/>
+            <a:ext cx="10040522" cy="1403384"/>
+            <a:chOff x="1116272" y="1835846"/>
+            <a:chExt cx="10040522" cy="1403384"/>
+          </a:xfrm>
+        </p:grpSpPr>
+        <p:cxnSp>
+          <p:nvCxnSpPr>
+            <p:cNvPr id="13" name="Straight Connector 12">
+              <a:extLst>
+                <a:ext uri="{FF2B5EF4-FFF2-40B4-BE49-F238E27FC236}">
+                  <a16:creationId xmlns:a16="http://schemas.microsoft.com/office/drawing/2014/main" id="{036AE267-CF8C-D941-9D6D-F45D39721BE2}"/>
+                </a:ext>
+              </a:extLst>
+            </p:cNvPr>
+            <p:cNvCxnSpPr>
+              <a:cxnSpLocks/>
+            </p:cNvCxnSpPr>
+            <p:nvPr/>
+          </p:nvCxnSpPr>
+          <p:spPr>
+            <a:xfrm>
+              <a:off x="1295163" y="2591184"/>
+              <a:ext cx="9861631" cy="0"/>
+            </a:xfrm>
+            <a:prstGeom prst="line">
+              <a:avLst/>
+            </a:prstGeom>
+            <a:ln w="57150">
+              <a:prstDash val="solid"/>
+              <a:headEnd type="triangle" w="med" len="med"/>
+              <a:tailEnd type="triangle" w="med" len="med"/>
+            </a:ln>
+          </p:spPr>
+          <p:style>
+            <a:lnRef idx="1">
+              <a:schemeClr val="dk1"/>
+            </a:lnRef>
+            <a:fillRef idx="0">
+              <a:schemeClr val="dk1"/>
+            </a:fillRef>
+            <a:effectRef idx="0">
+              <a:schemeClr val="dk1"/>
+            </a:effectRef>
+            <a:fontRef idx="minor">
+              <a:schemeClr val="tx1"/>
+            </a:fontRef>
+          </p:style>
+        </p:cxnSp>
+        <p:sp>
+          <p:nvSpPr>
+            <p:cNvPr id="14" name="TextBox 13">
+              <a:extLst>
+                <a:ext uri="{FF2B5EF4-FFF2-40B4-BE49-F238E27FC236}">
+                  <a16:creationId xmlns:a16="http://schemas.microsoft.com/office/drawing/2014/main" id="{926F14B8-6DD0-5762-3BE4-90EBFC1ED90D}"/>
+                </a:ext>
+              </a:extLst>
+            </p:cNvPr>
+            <p:cNvSpPr txBox="1"/>
+            <p:nvPr/>
+          </p:nvSpPr>
+          <p:spPr>
+            <a:xfrm rot="19797029">
+              <a:off x="1116272" y="2839119"/>
+              <a:ext cx="755335" cy="400110"/>
+            </a:xfrm>
+            <a:prstGeom prst="rect">
+              <a:avLst/>
+            </a:prstGeom>
+            <a:noFill/>
+          </p:spPr>
+          <p:txBody>
+            <a:bodyPr wrap="none" rtlCol="0">
+              <a:spAutoFit/>
+            </a:bodyPr>
+            <a:lstStyle/>
+            <a:p>
+              <a:r>
+                <a:rPr lang="en-US" sz="2000" dirty="0">
+                  <a:latin typeface="Helvetica" pitchFamily="2" charset="0"/>
+                </a:rPr>
+                <a:t>1950</a:t>
+              </a:r>
+            </a:p>
+          </p:txBody>
+        </p:sp>
+        <p:sp>
+          <p:nvSpPr>
+            <p:cNvPr id="15" name="TextBox 14">
+              <a:extLst>
+                <a:ext uri="{FF2B5EF4-FFF2-40B4-BE49-F238E27FC236}">
+                  <a16:creationId xmlns:a16="http://schemas.microsoft.com/office/drawing/2014/main" id="{DEE6986F-2717-1C36-D52A-4191A85475A9}"/>
+                </a:ext>
+              </a:extLst>
+            </p:cNvPr>
+            <p:cNvSpPr txBox="1"/>
+            <p:nvPr/>
+          </p:nvSpPr>
+          <p:spPr>
+            <a:xfrm rot="19797029">
+              <a:off x="10262201" y="2839120"/>
+              <a:ext cx="755335" cy="400110"/>
+            </a:xfrm>
+            <a:prstGeom prst="rect">
+              <a:avLst/>
+            </a:prstGeom>
+            <a:noFill/>
+          </p:spPr>
+          <p:txBody>
+            <a:bodyPr wrap="none" rtlCol="0">
+              <a:spAutoFit/>
+            </a:bodyPr>
+            <a:lstStyle/>
+            <a:p>
+              <a:r>
+                <a:rPr lang="en-US" sz="2000" dirty="0">
+                  <a:latin typeface="Helvetica" pitchFamily="2" charset="0"/>
+                </a:rPr>
+                <a:t>2099</a:t>
+              </a:r>
+            </a:p>
+          </p:txBody>
+        </p:sp>
+        <p:sp>
+          <p:nvSpPr>
+            <p:cNvPr id="16" name="TextBox 15">
+              <a:extLst>
+                <a:ext uri="{FF2B5EF4-FFF2-40B4-BE49-F238E27FC236}">
+                  <a16:creationId xmlns:a16="http://schemas.microsoft.com/office/drawing/2014/main" id="{A81A1DB9-097A-700E-5E4D-809E8AB6FD64}"/>
+                </a:ext>
+              </a:extLst>
+            </p:cNvPr>
+            <p:cNvSpPr txBox="1"/>
+            <p:nvPr/>
+          </p:nvSpPr>
+          <p:spPr>
+            <a:xfrm rot="19797029">
+              <a:off x="3044161" y="2824062"/>
+              <a:ext cx="755335" cy="400110"/>
+            </a:xfrm>
+            <a:prstGeom prst="rect">
+              <a:avLst/>
+            </a:prstGeom>
+            <a:noFill/>
+          </p:spPr>
+          <p:txBody>
+            <a:bodyPr wrap="none" rtlCol="0">
+              <a:spAutoFit/>
+            </a:bodyPr>
+            <a:lstStyle/>
+            <a:p>
+              <a:r>
+                <a:rPr lang="en-US" sz="2000" dirty="0">
+                  <a:latin typeface="Helvetica" pitchFamily="2" charset="0"/>
+                </a:rPr>
+                <a:t>1980</a:t>
+              </a:r>
+            </a:p>
+          </p:txBody>
+        </p:sp>
+        <p:sp>
+          <p:nvSpPr>
+            <p:cNvPr id="17" name="TextBox 16">
+              <a:extLst>
+                <a:ext uri="{FF2B5EF4-FFF2-40B4-BE49-F238E27FC236}">
+                  <a16:creationId xmlns:a16="http://schemas.microsoft.com/office/drawing/2014/main" id="{32534208-4175-26D1-FEC2-3E87873420CE}"/>
+                </a:ext>
+              </a:extLst>
+            </p:cNvPr>
+            <p:cNvSpPr txBox="1"/>
+            <p:nvPr/>
+          </p:nvSpPr>
+          <p:spPr>
+            <a:xfrm rot="19797029">
+              <a:off x="4880681" y="2824062"/>
+              <a:ext cx="755335" cy="400110"/>
+            </a:xfrm>
+            <a:prstGeom prst="rect">
+              <a:avLst/>
+            </a:prstGeom>
+            <a:noFill/>
+          </p:spPr>
+          <p:txBody>
+            <a:bodyPr wrap="none" rtlCol="0">
+              <a:spAutoFit/>
+            </a:bodyPr>
+            <a:lstStyle/>
+            <a:p>
+              <a:r>
+                <a:rPr lang="en-US" sz="2000" dirty="0">
+                  <a:latin typeface="Helvetica" pitchFamily="2" charset="0"/>
+                </a:rPr>
+                <a:t>2013</a:t>
+              </a:r>
+            </a:p>
+          </p:txBody>
+        </p:sp>
+        <p:sp>
+          <p:nvSpPr>
+            <p:cNvPr id="18" name="TextBox 17">
+              <a:extLst>
+                <a:ext uri="{FF2B5EF4-FFF2-40B4-BE49-F238E27FC236}">
+                  <a16:creationId xmlns:a16="http://schemas.microsoft.com/office/drawing/2014/main" id="{7937DCC0-51F0-72A6-2225-EA281FC1A252}"/>
+                </a:ext>
+              </a:extLst>
+            </p:cNvPr>
+            <p:cNvSpPr txBox="1"/>
+            <p:nvPr/>
+          </p:nvSpPr>
+          <p:spPr>
+            <a:xfrm rot="19797029">
+              <a:off x="5846788" y="2839119"/>
+              <a:ext cx="755335" cy="400110"/>
+            </a:xfrm>
+            <a:prstGeom prst="rect">
+              <a:avLst/>
+            </a:prstGeom>
+            <a:noFill/>
+          </p:spPr>
+          <p:txBody>
+            <a:bodyPr wrap="none" rtlCol="0">
+              <a:spAutoFit/>
+            </a:bodyPr>
+            <a:lstStyle/>
+            <a:p>
+              <a:r>
+                <a:rPr lang="en-US" sz="2000" dirty="0">
+                  <a:latin typeface="Helvetica" pitchFamily="2" charset="0"/>
+                </a:rPr>
+                <a:t>2025</a:t>
+              </a:r>
+            </a:p>
+          </p:txBody>
+        </p:sp>
+        <p:cxnSp>
+          <p:nvCxnSpPr>
+            <p:cNvPr id="19" name="Straight Connector 18">
+              <a:extLst>
+                <a:ext uri="{FF2B5EF4-FFF2-40B4-BE49-F238E27FC236}">
+                  <a16:creationId xmlns:a16="http://schemas.microsoft.com/office/drawing/2014/main" id="{6A57D01F-22AC-C053-AF27-4A16D8B6EA8A}"/>
+                </a:ext>
+              </a:extLst>
+            </p:cNvPr>
+            <p:cNvCxnSpPr>
+              <a:cxnSpLocks/>
+            </p:cNvCxnSpPr>
+            <p:nvPr/>
+          </p:nvCxnSpPr>
+          <p:spPr>
+            <a:xfrm flipV="1">
+              <a:off x="1809187" y="2568034"/>
+              <a:ext cx="0" cy="182880"/>
+            </a:xfrm>
+            <a:prstGeom prst="line">
+              <a:avLst/>
+            </a:prstGeom>
+            <a:ln w="57150"/>
+          </p:spPr>
+          <p:style>
+            <a:lnRef idx="2">
+              <a:schemeClr val="dk1"/>
+            </a:lnRef>
+            <a:fillRef idx="0">
+              <a:schemeClr val="dk1"/>
+            </a:fillRef>
+            <a:effectRef idx="1">
+              <a:schemeClr val="dk1"/>
+            </a:effectRef>
+            <a:fontRef idx="minor">
+              <a:schemeClr val="tx1"/>
+            </a:fontRef>
+          </p:style>
+        </p:cxnSp>
+        <p:cxnSp>
+          <p:nvCxnSpPr>
+            <p:cNvPr id="20" name="Straight Connector 19">
+              <a:extLst>
+                <a:ext uri="{FF2B5EF4-FFF2-40B4-BE49-F238E27FC236}">
+                  <a16:creationId xmlns:a16="http://schemas.microsoft.com/office/drawing/2014/main" id="{EA90F8E5-E5DF-3776-63AD-F4AE0F8B83BE}"/>
+                </a:ext>
+              </a:extLst>
+            </p:cNvPr>
+            <p:cNvCxnSpPr>
+              <a:cxnSpLocks/>
+            </p:cNvCxnSpPr>
+            <p:nvPr/>
+          </p:nvCxnSpPr>
+          <p:spPr>
+            <a:xfrm flipH="1" flipV="1">
+              <a:off x="3640929" y="2563981"/>
+              <a:ext cx="0" cy="182880"/>
+            </a:xfrm>
+            <a:prstGeom prst="line">
+              <a:avLst/>
+            </a:prstGeom>
+            <a:ln w="57150"/>
+          </p:spPr>
+          <p:style>
+            <a:lnRef idx="2">
+              <a:schemeClr val="dk1"/>
+            </a:lnRef>
+            <a:fillRef idx="0">
+              <a:schemeClr val="dk1"/>
+            </a:fillRef>
+            <a:effectRef idx="1">
+              <a:schemeClr val="dk1"/>
+            </a:effectRef>
+            <a:fontRef idx="minor">
+              <a:schemeClr val="tx1"/>
+            </a:fontRef>
+          </p:style>
+        </p:cxnSp>
+        <p:cxnSp>
+          <p:nvCxnSpPr>
+            <p:cNvPr id="21" name="Straight Connector 20">
+              <a:extLst>
+                <a:ext uri="{FF2B5EF4-FFF2-40B4-BE49-F238E27FC236}">
+                  <a16:creationId xmlns:a16="http://schemas.microsoft.com/office/drawing/2014/main" id="{3EC7BD74-052D-9F65-B942-EA983DFC0791}"/>
+                </a:ext>
+              </a:extLst>
+            </p:cNvPr>
+            <p:cNvCxnSpPr>
+              <a:cxnSpLocks/>
+            </p:cNvCxnSpPr>
+            <p:nvPr/>
+          </p:nvCxnSpPr>
+          <p:spPr>
+            <a:xfrm flipV="1">
+              <a:off x="5469728" y="2572389"/>
+              <a:ext cx="0" cy="182880"/>
+            </a:xfrm>
+            <a:prstGeom prst="line">
+              <a:avLst/>
+            </a:prstGeom>
+            <a:ln w="57150"/>
+          </p:spPr>
+          <p:style>
+            <a:lnRef idx="2">
+              <a:schemeClr val="dk1"/>
+            </a:lnRef>
+            <a:fillRef idx="0">
+              <a:schemeClr val="dk1"/>
+            </a:fillRef>
+            <a:effectRef idx="1">
+              <a:schemeClr val="dk1"/>
+            </a:effectRef>
+            <a:fontRef idx="minor">
+              <a:schemeClr val="tx1"/>
+            </a:fontRef>
+          </p:style>
+        </p:cxnSp>
+        <p:cxnSp>
+          <p:nvCxnSpPr>
+            <p:cNvPr id="22" name="Straight Connector 21">
+              <a:extLst>
+                <a:ext uri="{FF2B5EF4-FFF2-40B4-BE49-F238E27FC236}">
+                  <a16:creationId xmlns:a16="http://schemas.microsoft.com/office/drawing/2014/main" id="{234AFFCF-3F6C-1F92-B43F-01F12DF2AF28}"/>
+                </a:ext>
+              </a:extLst>
+            </p:cNvPr>
+            <p:cNvCxnSpPr>
+              <a:cxnSpLocks/>
+            </p:cNvCxnSpPr>
+            <p:nvPr/>
+          </p:nvCxnSpPr>
+          <p:spPr>
+            <a:xfrm flipV="1">
+              <a:off x="6384130" y="2568034"/>
+              <a:ext cx="0" cy="182880"/>
+            </a:xfrm>
+            <a:prstGeom prst="line">
+              <a:avLst/>
+            </a:prstGeom>
+            <a:ln w="57150"/>
+          </p:spPr>
+          <p:style>
+            <a:lnRef idx="2">
+              <a:schemeClr val="dk1"/>
+            </a:lnRef>
+            <a:fillRef idx="0">
+              <a:schemeClr val="dk1"/>
+            </a:fillRef>
+            <a:effectRef idx="1">
+              <a:schemeClr val="dk1"/>
+            </a:effectRef>
+            <a:fontRef idx="minor">
+              <a:schemeClr val="tx1"/>
+            </a:fontRef>
+          </p:style>
+        </p:cxnSp>
+        <p:cxnSp>
+          <p:nvCxnSpPr>
+            <p:cNvPr id="23" name="Straight Connector 22">
+              <a:extLst>
+                <a:ext uri="{FF2B5EF4-FFF2-40B4-BE49-F238E27FC236}">
+                  <a16:creationId xmlns:a16="http://schemas.microsoft.com/office/drawing/2014/main" id="{C2A8B8FE-F96E-95D1-8DD1-7E2C30F10C9A}"/>
+                </a:ext>
+              </a:extLst>
+            </p:cNvPr>
+            <p:cNvCxnSpPr>
+              <a:cxnSpLocks/>
+            </p:cNvCxnSpPr>
+            <p:nvPr/>
+          </p:nvCxnSpPr>
+          <p:spPr>
+            <a:xfrm flipV="1">
+              <a:off x="10827796" y="2568028"/>
+              <a:ext cx="0" cy="182880"/>
+            </a:xfrm>
+            <a:prstGeom prst="line">
+              <a:avLst/>
+            </a:prstGeom>
+            <a:ln w="57150"/>
+          </p:spPr>
+          <p:style>
+            <a:lnRef idx="2">
+              <a:schemeClr val="dk1"/>
+            </a:lnRef>
+            <a:fillRef idx="0">
+              <a:schemeClr val="dk1"/>
+            </a:fillRef>
+            <a:effectRef idx="1">
+              <a:schemeClr val="dk1"/>
+            </a:effectRef>
+            <a:fontRef idx="minor">
+              <a:schemeClr val="tx1"/>
+            </a:fontRef>
+          </p:style>
+        </p:cxnSp>
+        <p:sp>
+          <p:nvSpPr>
+            <p:cNvPr id="24" name="Rectangle 23">
+              <a:extLst>
+                <a:ext uri="{FF2B5EF4-FFF2-40B4-BE49-F238E27FC236}">
+                  <a16:creationId xmlns:a16="http://schemas.microsoft.com/office/drawing/2014/main" id="{449809DE-6448-FDD6-7630-0304679142E3}"/>
+                </a:ext>
+              </a:extLst>
+            </p:cNvPr>
+            <p:cNvSpPr/>
+            <p:nvPr/>
+          </p:nvSpPr>
+          <p:spPr>
+            <a:xfrm>
+              <a:off x="3628897" y="1837000"/>
+              <a:ext cx="1828799" cy="320040"/>
+            </a:xfrm>
+            <a:prstGeom prst="rect">
+              <a:avLst/>
+            </a:prstGeom>
+            <a:solidFill>
+              <a:srgbClr val="FAC018"/>
+            </a:solidFill>
+            <a:ln w="12700">
+              <a:solidFill>
+                <a:srgbClr val="FAC018"/>
+              </a:solidFill>
+            </a:ln>
+          </p:spPr>
+          <p:style>
+            <a:lnRef idx="2">
+              <a:schemeClr val="accent1">
+                <a:shade val="15000"/>
+              </a:schemeClr>
+            </a:lnRef>
+            <a:fillRef idx="1">
+              <a:schemeClr val="accent1"/>
+            </a:fillRef>
+            <a:effectRef idx="0">
+              <a:schemeClr val="accent1"/>
+            </a:effectRef>
+            <a:fontRef idx="minor">
+              <a:schemeClr val="lt1"/>
+            </a:fontRef>
+          </p:style>
+          <p:txBody>
+            <a:bodyPr rtlCol="0" anchor="ctr"/>
+            <a:lstStyle/>
+            <a:p>
+              <a:pPr algn="ctr"/>
+              <a:r>
+                <a:rPr lang="en-US" sz="1600" b="1" dirty="0">
+                  <a:solidFill>
+                    <a:schemeClr val="tx1"/>
+                  </a:solidFill>
+                  <a:latin typeface="Helvetica" pitchFamily="2" charset="0"/>
+                </a:rPr>
+                <a:t>Historic Climate</a:t>
+              </a:r>
+            </a:p>
+          </p:txBody>
+        </p:sp>
+        <p:sp>
+          <p:nvSpPr>
+            <p:cNvPr id="25" name="Rectangle 24">
+              <a:extLst>
+                <a:ext uri="{FF2B5EF4-FFF2-40B4-BE49-F238E27FC236}">
+                  <a16:creationId xmlns:a16="http://schemas.microsoft.com/office/drawing/2014/main" id="{5EF0DFCB-31EF-5FA9-8AB7-7773FD0B1E98}"/>
+                </a:ext>
+              </a:extLst>
+            </p:cNvPr>
+            <p:cNvSpPr/>
+            <p:nvPr/>
+          </p:nvSpPr>
+          <p:spPr>
+            <a:xfrm>
+              <a:off x="6372085" y="2086192"/>
+              <a:ext cx="4444689" cy="405348"/>
+            </a:xfrm>
+            <a:prstGeom prst="rect">
+              <a:avLst/>
+            </a:prstGeom>
+            <a:solidFill>
+              <a:srgbClr val="1C90FF"/>
+            </a:solidFill>
+            <a:ln w="12700">
+              <a:solidFill>
+                <a:srgbClr val="1C90FF"/>
+              </a:solidFill>
+            </a:ln>
+          </p:spPr>
+          <p:style>
+            <a:lnRef idx="2">
+              <a:schemeClr val="accent1">
+                <a:shade val="15000"/>
+              </a:schemeClr>
+            </a:lnRef>
+            <a:fillRef idx="1">
+              <a:schemeClr val="accent1"/>
+            </a:fillRef>
+            <a:effectRef idx="0">
+              <a:schemeClr val="accent1"/>
+            </a:effectRef>
+            <a:fontRef idx="minor">
+              <a:schemeClr val="lt1"/>
+            </a:fontRef>
+          </p:style>
+          <p:txBody>
+            <a:bodyPr rtlCol="0" anchor="ctr"/>
+            <a:lstStyle/>
+            <a:p>
+              <a:pPr algn="r"/>
+              <a:r>
+                <a:rPr lang="en-US" sz="1600" dirty="0">
+                  <a:latin typeface="Helvetica" pitchFamily="2" charset="0"/>
+                </a:rPr>
+                <a:t>SSP2-4.5		</a:t>
+              </a:r>
+            </a:p>
+          </p:txBody>
+        </p:sp>
+        <p:sp>
+          <p:nvSpPr>
+            <p:cNvPr id="26" name="Rectangle 25">
+              <a:extLst>
+                <a:ext uri="{FF2B5EF4-FFF2-40B4-BE49-F238E27FC236}">
+                  <a16:creationId xmlns:a16="http://schemas.microsoft.com/office/drawing/2014/main" id="{BCC04F60-D8F6-6A2F-91FA-51C591549BFC}"/>
+                </a:ext>
+              </a:extLst>
+            </p:cNvPr>
+            <p:cNvSpPr/>
+            <p:nvPr/>
+          </p:nvSpPr>
+          <p:spPr>
+            <a:xfrm>
+              <a:off x="6372084" y="1835846"/>
+              <a:ext cx="4444690" cy="321194"/>
+            </a:xfrm>
+            <a:prstGeom prst="rect">
+              <a:avLst/>
+            </a:prstGeom>
+            <a:solidFill>
+              <a:srgbClr val="1C90FF"/>
+            </a:solidFill>
+            <a:ln w="12700">
+              <a:solidFill>
+                <a:srgbClr val="1C90FF"/>
+              </a:solidFill>
+            </a:ln>
+          </p:spPr>
+          <p:style>
+            <a:lnRef idx="2">
+              <a:schemeClr val="accent1">
+                <a:shade val="15000"/>
+              </a:schemeClr>
+            </a:lnRef>
+            <a:fillRef idx="1">
+              <a:schemeClr val="accent1"/>
+            </a:fillRef>
+            <a:effectRef idx="0">
+              <a:schemeClr val="accent1"/>
+            </a:effectRef>
+            <a:fontRef idx="minor">
+              <a:schemeClr val="lt1"/>
+            </a:fontRef>
+          </p:style>
+          <p:txBody>
+            <a:bodyPr rtlCol="0" anchor="ctr"/>
+            <a:lstStyle/>
+            <a:p>
+              <a:pPr algn="r"/>
+              <a:r>
+                <a:rPr lang="en-US" sz="1600" dirty="0">
+                  <a:latin typeface="Helvetica" pitchFamily="2" charset="0"/>
+                </a:rPr>
+                <a:t>SSP5-8.5		</a:t>
+              </a:r>
+            </a:p>
+          </p:txBody>
+        </p:sp>
+        <p:sp>
+          <p:nvSpPr>
+            <p:cNvPr id="27" name="TextBox 26">
+              <a:extLst>
+                <a:ext uri="{FF2B5EF4-FFF2-40B4-BE49-F238E27FC236}">
+                  <a16:creationId xmlns:a16="http://schemas.microsoft.com/office/drawing/2014/main" id="{FA9E806E-7064-CF32-7E02-CEACF8E131B1}"/>
+                </a:ext>
+              </a:extLst>
+            </p:cNvPr>
+            <p:cNvSpPr txBox="1"/>
+            <p:nvPr/>
+          </p:nvSpPr>
+          <p:spPr>
+            <a:xfrm>
+              <a:off x="6454279" y="1973528"/>
+              <a:ext cx="1800493" cy="369332"/>
+            </a:xfrm>
+            <a:prstGeom prst="rect">
+              <a:avLst/>
+            </a:prstGeom>
+            <a:noFill/>
+          </p:spPr>
+          <p:txBody>
+            <a:bodyPr wrap="none" rtlCol="0">
+              <a:spAutoFit/>
+            </a:bodyPr>
+            <a:lstStyle/>
+            <a:p>
+              <a:r>
+                <a:rPr lang="en-US" b="1" dirty="0">
+                  <a:latin typeface="Helvetica" pitchFamily="2" charset="0"/>
+                </a:rPr>
+                <a:t>Future Climate</a:t>
+              </a:r>
+            </a:p>
+          </p:txBody>
+        </p:sp>
+        <p:sp>
+          <p:nvSpPr>
+            <p:cNvPr id="28" name="Rectangle 27">
+              <a:extLst>
+                <a:ext uri="{FF2B5EF4-FFF2-40B4-BE49-F238E27FC236}">
+                  <a16:creationId xmlns:a16="http://schemas.microsoft.com/office/drawing/2014/main" id="{6DBB81B1-0B05-9062-5C79-11B5768E2B88}"/>
+                </a:ext>
+              </a:extLst>
+            </p:cNvPr>
+            <p:cNvSpPr/>
+            <p:nvPr/>
+          </p:nvSpPr>
+          <p:spPr>
+            <a:xfrm>
+              <a:off x="5457695" y="2157040"/>
+              <a:ext cx="914386" cy="334500"/>
+            </a:xfrm>
+            <a:prstGeom prst="rect">
+              <a:avLst/>
+            </a:prstGeom>
+            <a:pattFill prst="wdUpDiag">
+              <a:fgClr>
+                <a:srgbClr val="1C90FF"/>
+              </a:fgClr>
+              <a:bgClr>
+                <a:srgbClr val="EF2C2C"/>
+              </a:bgClr>
+            </a:pattFill>
+            <a:ln w="12700">
+              <a:solidFill>
+                <a:srgbClr val="1C90FF"/>
+              </a:solidFill>
+            </a:ln>
+          </p:spPr>
+          <p:style>
+            <a:lnRef idx="2">
+              <a:schemeClr val="accent1">
+                <a:shade val="15000"/>
+              </a:schemeClr>
+            </a:lnRef>
+            <a:fillRef idx="1">
+              <a:schemeClr val="accent1"/>
+            </a:fillRef>
+            <a:effectRef idx="0">
+              <a:schemeClr val="accent1"/>
+            </a:effectRef>
+            <a:fontRef idx="minor">
+              <a:schemeClr val="lt1"/>
+            </a:fontRef>
+          </p:style>
+          <p:txBody>
+            <a:bodyPr rtlCol="0" anchor="ctr"/>
+            <a:lstStyle/>
+            <a:p>
+              <a:pPr algn="ctr"/>
+              <a:endParaRPr lang="en-US">
+                <a:latin typeface="Helvetica" pitchFamily="2" charset="0"/>
+              </a:endParaRPr>
+            </a:p>
+          </p:txBody>
+        </p:sp>
+        <p:sp>
+          <p:nvSpPr>
+            <p:cNvPr id="29" name="Rectangle 28">
+              <a:extLst>
+                <a:ext uri="{FF2B5EF4-FFF2-40B4-BE49-F238E27FC236}">
+                  <a16:creationId xmlns:a16="http://schemas.microsoft.com/office/drawing/2014/main" id="{C185A3D1-323A-A09C-8560-04924B8FF2BE}"/>
+                </a:ext>
+              </a:extLst>
+            </p:cNvPr>
+            <p:cNvSpPr/>
+            <p:nvPr/>
+          </p:nvSpPr>
+          <p:spPr>
+            <a:xfrm>
+              <a:off x="1798169" y="2171500"/>
+              <a:ext cx="3659526" cy="320040"/>
+            </a:xfrm>
+            <a:prstGeom prst="rect">
+              <a:avLst/>
+            </a:prstGeom>
+            <a:solidFill>
+              <a:srgbClr val="EF2C2C"/>
+            </a:solidFill>
+            <a:ln w="12700">
+              <a:solidFill>
+                <a:srgbClr val="EF2C2C"/>
+              </a:solidFill>
+            </a:ln>
+          </p:spPr>
+          <p:style>
+            <a:lnRef idx="2">
+              <a:schemeClr val="accent1">
+                <a:shade val="15000"/>
+              </a:schemeClr>
+            </a:lnRef>
+            <a:fillRef idx="1">
+              <a:schemeClr val="accent1"/>
+            </a:fillRef>
+            <a:effectRef idx="0">
+              <a:schemeClr val="accent1"/>
+            </a:effectRef>
+            <a:fontRef idx="minor">
+              <a:schemeClr val="lt1"/>
+            </a:fontRef>
+          </p:style>
+          <p:txBody>
+            <a:bodyPr rtlCol="0" anchor="ctr"/>
+            <a:lstStyle/>
+            <a:p>
+              <a:pPr algn="ctr"/>
+              <a:r>
+                <a:rPr lang="en-US" sz="1600" b="1" dirty="0">
+                  <a:solidFill>
+                    <a:schemeClr val="bg1"/>
+                  </a:solidFill>
+                  <a:latin typeface="Helvetica" pitchFamily="2" charset="0"/>
+                </a:rPr>
+                <a:t>Streamflow Record</a:t>
+              </a:r>
+            </a:p>
+          </p:txBody>
+        </p:sp>
+        <p:sp>
+          <p:nvSpPr>
+            <p:cNvPr id="30" name="Rectangle 29">
+              <a:extLst>
+                <a:ext uri="{FF2B5EF4-FFF2-40B4-BE49-F238E27FC236}">
+                  <a16:creationId xmlns:a16="http://schemas.microsoft.com/office/drawing/2014/main" id="{213AA2F1-1D2D-8C72-F481-A0C684830174}"/>
+                </a:ext>
+              </a:extLst>
+            </p:cNvPr>
+            <p:cNvSpPr/>
+            <p:nvPr/>
+          </p:nvSpPr>
+          <p:spPr>
+            <a:xfrm>
+              <a:off x="5457694" y="1835846"/>
+              <a:ext cx="914390" cy="321194"/>
+            </a:xfrm>
+            <a:prstGeom prst="rect">
+              <a:avLst/>
+            </a:prstGeom>
+            <a:solidFill>
+              <a:srgbClr val="1C90FF"/>
+            </a:solidFill>
+            <a:ln w="12700">
+              <a:solidFill>
+                <a:srgbClr val="1C90FF"/>
+              </a:solidFill>
+            </a:ln>
+          </p:spPr>
+          <p:style>
+            <a:lnRef idx="2">
+              <a:schemeClr val="accent1">
+                <a:shade val="15000"/>
+              </a:schemeClr>
+            </a:lnRef>
+            <a:fillRef idx="1">
+              <a:schemeClr val="accent1"/>
+            </a:fillRef>
+            <a:effectRef idx="0">
+              <a:schemeClr val="accent1"/>
+            </a:effectRef>
+            <a:fontRef idx="minor">
+              <a:schemeClr val="lt1"/>
+            </a:fontRef>
+          </p:style>
+          <p:txBody>
+            <a:bodyPr rtlCol="0" anchor="ctr"/>
+            <a:lstStyle/>
+            <a:p>
+              <a:pPr algn="r"/>
+              <a:endParaRPr lang="en-US" sz="1600" dirty="0">
+                <a:latin typeface="Helvetica" pitchFamily="2" charset="0"/>
+              </a:endParaRPr>
+            </a:p>
+          </p:txBody>
+        </p:sp>
+      </p:grpSp>
+      <p:pic>
+        <p:nvPicPr>
+          <p:cNvPr id="53" name="Picture 52">
+            <a:extLst>
+              <a:ext uri="{FF2B5EF4-FFF2-40B4-BE49-F238E27FC236}">
+                <a16:creationId xmlns:a16="http://schemas.microsoft.com/office/drawing/2014/main" id="{1CAC13AA-DE16-A1F8-61A0-2EB8424A63B5}"/>
+              </a:ext>
+            </a:extLst>
+          </p:cNvPr>
+          <p:cNvPicPr>
+            <a:picLocks noChangeAspect="1"/>
+          </p:cNvPicPr>
+          <p:nvPr/>
+        </p:nvPicPr>
+        <p:blipFill>
+          <a:blip r:embed="rId2"/>
+          <a:stretch>
+            <a:fillRect/>
+          </a:stretch>
+        </p:blipFill>
+        <p:spPr>
+          <a:xfrm>
+            <a:off x="2399851" y="7043499"/>
+            <a:ext cx="7772400" cy="1287452"/>
+          </a:xfrm>
+          <a:prstGeom prst="rect">
+            <a:avLst/>
+          </a:prstGeom>
+        </p:spPr>
+      </p:pic>
+      <p:pic>
+        <p:nvPicPr>
+          <p:cNvPr id="1026" name="Picture 2">
+            <a:extLst>
+              <a:ext uri="{FF2B5EF4-FFF2-40B4-BE49-F238E27FC236}">
+                <a16:creationId xmlns:a16="http://schemas.microsoft.com/office/drawing/2014/main" id="{C2C4E896-5A1E-EACE-4336-A1E9AA498CFE}"/>
+              </a:ext>
+            </a:extLst>
+          </p:cNvPr>
+          <p:cNvPicPr>
+            <a:picLocks noChangeAspect="1" noChangeArrowheads="1"/>
+          </p:cNvPicPr>
+          <p:nvPr/>
+        </p:nvPicPr>
+        <p:blipFill>
+          <a:blip r:embed="rId3">
+            <a:extLst>
+              <a:ext uri="{28A0092B-C50C-407E-A947-70E740481C1C}">
+                <a14:useLocalDpi xmlns:a14="http://schemas.microsoft.com/office/drawing/2010/main" val="0"/>
+              </a:ext>
+            </a:extLst>
+          </a:blip>
+          <a:srcRect/>
+          <a:stretch>
+            <a:fillRect/>
+          </a:stretch>
+        </p:blipFill>
+        <p:spPr bwMode="auto">
+          <a:xfrm>
+            <a:off x="3556891" y="1138005"/>
+            <a:ext cx="5549314" cy="5539205"/>
+          </a:xfrm>
+          <a:prstGeom prst="rect">
+            <a:avLst/>
+          </a:prstGeom>
+          <a:noFill/>
+          <a:extLst>
+            <a:ext uri="{909E8E84-426E-40DD-AFC4-6F175D3DCCD1}">
+              <a14:hiddenFill xmlns:a14="http://schemas.microsoft.com/office/drawing/2010/main">
+                <a:solidFill>
+                  <a:srgbClr val="FFFFFF"/>
+                </a:solidFill>
+              </a14:hiddenFill>
+            </a:ext>
+          </a:extLst>
+        </p:spPr>
+      </p:pic>
+    </p:spTree>
+    <p:extLst>
+      <p:ext uri="{BB962C8B-B14F-4D97-AF65-F5344CB8AC3E}">
+        <p14:creationId xmlns:p14="http://schemas.microsoft.com/office/powerpoint/2010/main" val="61115518"/>
+      </p:ext>
+    </p:extLst>
+  </p:cSld>
+  <p:clrMapOvr>
+    <a:masterClrMapping/>
+  </p:clrMapOvr>
+</p:sld>
+</file>
+
+<file path=ppt/slides/slide4.xml><?xml version="1.0" encoding="utf-8"?>
 <p:sld xmlns:a="http://schemas.openxmlformats.org/drawingml/2006/main" xmlns:r="http://schemas.openxmlformats.org/officeDocument/2006/relationships" xmlns:p="http://schemas.openxmlformats.org/presentationml/2006/main" show="0">
   <p:cSld>
     <p:spTree>
@@ -8697,7 +9645,7 @@
 </p:sld>
 </file>
 
-<file path=ppt/slides/slide4.xml><?xml version="1.0" encoding="utf-8"?>
+<file path=ppt/slides/slide5.xml><?xml version="1.0" encoding="utf-8"?>
 <p:sld xmlns:a="http://schemas.openxmlformats.org/drawingml/2006/main" xmlns:r="http://schemas.openxmlformats.org/officeDocument/2006/relationships" xmlns:p="http://schemas.openxmlformats.org/presentationml/2006/main" show="0">
   <p:cSld>
     <p:spTree>
@@ -13492,7 +14440,7 @@
 </p:sld>
 </file>
 
-<file path=ppt/slides/slide5.xml><?xml version="1.0" encoding="utf-8"?>
+<file path=ppt/slides/slide6.xml><?xml version="1.0" encoding="utf-8"?>
 <p:sld xmlns:a="http://schemas.openxmlformats.org/drawingml/2006/main" xmlns:r="http://schemas.openxmlformats.org/officeDocument/2006/relationships" xmlns:p="http://schemas.openxmlformats.org/presentationml/2006/main">
   <p:cSld>
     <p:spTree>

--- a/figs/mock-ups.pptx
+++ b/figs/mock-ups.pptx
@@ -213,7 +213,7 @@
           <a:p>
             <a:fld id="{7A664943-7346-AA44-A5C2-408DB183872E}" type="datetimeFigureOut">
               <a:rPr lang="en-US" smtClean="0"/>
-              <a:t>11/3/25</a:t>
+              <a:t>11/4/25</a:t>
             </a:fld>
             <a:endParaRPr lang="en-US"/>
           </a:p>
@@ -1015,7 +1015,7 @@
           <a:p>
             <a:fld id="{846F649D-A33F-1843-8931-9B9B10B3F05C}" type="datetimeFigureOut">
               <a:rPr lang="en-US" smtClean="0"/>
-              <a:t>11/3/25</a:t>
+              <a:t>11/4/25</a:t>
             </a:fld>
             <a:endParaRPr lang="en-US"/>
           </a:p>
@@ -1185,7 +1185,7 @@
           <a:p>
             <a:fld id="{846F649D-A33F-1843-8931-9B9B10B3F05C}" type="datetimeFigureOut">
               <a:rPr lang="en-US" smtClean="0"/>
-              <a:t>11/3/25</a:t>
+              <a:t>11/4/25</a:t>
             </a:fld>
             <a:endParaRPr lang="en-US"/>
           </a:p>
@@ -1365,7 +1365,7 @@
           <a:p>
             <a:fld id="{846F649D-A33F-1843-8931-9B9B10B3F05C}" type="datetimeFigureOut">
               <a:rPr lang="en-US" smtClean="0"/>
-              <a:t>11/3/25</a:t>
+              <a:t>11/4/25</a:t>
             </a:fld>
             <a:endParaRPr lang="en-US"/>
           </a:p>
@@ -1535,7 +1535,7 @@
           <a:p>
             <a:fld id="{846F649D-A33F-1843-8931-9B9B10B3F05C}" type="datetimeFigureOut">
               <a:rPr lang="en-US" smtClean="0"/>
-              <a:t>11/3/25</a:t>
+              <a:t>11/4/25</a:t>
             </a:fld>
             <a:endParaRPr lang="en-US"/>
           </a:p>
@@ -1781,7 +1781,7 @@
           <a:p>
             <a:fld id="{846F649D-A33F-1843-8931-9B9B10B3F05C}" type="datetimeFigureOut">
               <a:rPr lang="en-US" smtClean="0"/>
-              <a:t>11/3/25</a:t>
+              <a:t>11/4/25</a:t>
             </a:fld>
             <a:endParaRPr lang="en-US"/>
           </a:p>
@@ -2013,7 +2013,7 @@
           <a:p>
             <a:fld id="{846F649D-A33F-1843-8931-9B9B10B3F05C}" type="datetimeFigureOut">
               <a:rPr lang="en-US" smtClean="0"/>
-              <a:t>11/3/25</a:t>
+              <a:t>11/4/25</a:t>
             </a:fld>
             <a:endParaRPr lang="en-US"/>
           </a:p>
@@ -2380,7 +2380,7 @@
           <a:p>
             <a:fld id="{846F649D-A33F-1843-8931-9B9B10B3F05C}" type="datetimeFigureOut">
               <a:rPr lang="en-US" smtClean="0"/>
-              <a:t>11/3/25</a:t>
+              <a:t>11/4/25</a:t>
             </a:fld>
             <a:endParaRPr lang="en-US"/>
           </a:p>
@@ -2498,7 +2498,7 @@
           <a:p>
             <a:fld id="{846F649D-A33F-1843-8931-9B9B10B3F05C}" type="datetimeFigureOut">
               <a:rPr lang="en-US" smtClean="0"/>
-              <a:t>11/3/25</a:t>
+              <a:t>11/4/25</a:t>
             </a:fld>
             <a:endParaRPr lang="en-US"/>
           </a:p>
@@ -2593,7 +2593,7 @@
           <a:p>
             <a:fld id="{846F649D-A33F-1843-8931-9B9B10B3F05C}" type="datetimeFigureOut">
               <a:rPr lang="en-US" smtClean="0"/>
-              <a:t>11/3/25</a:t>
+              <a:t>11/4/25</a:t>
             </a:fld>
             <a:endParaRPr lang="en-US"/>
           </a:p>
@@ -2870,7 +2870,7 @@
           <a:p>
             <a:fld id="{846F649D-A33F-1843-8931-9B9B10B3F05C}" type="datetimeFigureOut">
               <a:rPr lang="en-US" smtClean="0"/>
-              <a:t>11/3/25</a:t>
+              <a:t>11/4/25</a:t>
             </a:fld>
             <a:endParaRPr lang="en-US"/>
           </a:p>
@@ -3127,7 +3127,7 @@
           <a:p>
             <a:fld id="{846F649D-A33F-1843-8931-9B9B10B3F05C}" type="datetimeFigureOut">
               <a:rPr lang="en-US" smtClean="0"/>
-              <a:t>11/3/25</a:t>
+              <a:t>11/4/25</a:t>
             </a:fld>
             <a:endParaRPr lang="en-US"/>
           </a:p>
@@ -3340,7 +3340,7 @@
           <a:p>
             <a:fld id="{846F649D-A33F-1843-8931-9B9B10B3F05C}" type="datetimeFigureOut">
               <a:rPr lang="en-US" smtClean="0"/>
-              <a:t>11/3/25</a:t>
+              <a:t>11/4/25</a:t>
             </a:fld>
             <a:endParaRPr lang="en-US"/>
           </a:p>

--- a/figs/mock-ups.pptx
+++ b/figs/mock-ups.pptx
@@ -131,6 +131,52 @@
 </p:presentation>
 </file>
 
+<file path=ppt/authors.xml><?xml version="1.0" encoding="utf-8"?>
+<p188:authorLst xmlns:a="http://schemas.openxmlformats.org/drawingml/2006/main" xmlns:r="http://schemas.openxmlformats.org/officeDocument/2006/relationships" xmlns:p188="http://schemas.microsoft.com/office/powerpoint/2018/8/main">
+  <p188:author id="{B84AC865-BB0F-E82F-D1C5-EDBB8CAD7778}" name="Caelum Mroczek" initials="CM" userId="eeeefd9471ae1d3c" providerId="Windows Live"/>
+</p188:authorLst>
+</file>
+
+<file path=ppt/comments/modernComment_104_E51A0123.xml><?xml version="1.0" encoding="utf-8"?>
+<p188:cmLst xmlns:a="http://schemas.openxmlformats.org/drawingml/2006/main" xmlns:r="http://schemas.openxmlformats.org/officeDocument/2006/relationships" xmlns:p188="http://schemas.microsoft.com/office/powerpoint/2018/8/main">
+  <p188:cm id="{3EE149C0-99A9-564C-BF09-FEFDA1470FA0}" authorId="{B84AC865-BB0F-E82F-D1C5-EDBB8CAD7778}" created="2025-11-05T20:29:47.228">
+    <ac:deMkLst xmlns:ac="http://schemas.microsoft.com/office/drawing/2013/main/command">
+      <pc:docMk xmlns:pc="http://schemas.microsoft.com/office/powerpoint/2013/main/command"/>
+      <pc:sldMk xmlns:pc="http://schemas.microsoft.com/office/powerpoint/2013/main/command" cId="3843686691" sldId="260"/>
+      <ac:spMk id="124" creationId="{81EE352A-1824-72C7-798E-90BDB08CEA14}"/>
+    </ac:deMkLst>
+    <p188:txBody>
+      <a:bodyPr/>
+      <a:lstStyle/>
+      <a:p>
+        <a:r>
+          <a:rPr lang="en-US"/>
+          <a:t>change subscripts
+(n, p, blah)</a:t>
+        </a:r>
+      </a:p>
+    </p188:txBody>
+  </p188:cm>
+  <p188:cm id="{0632FA70-CDEC-C54B-B149-49F496FBBF0C}" authorId="{B84AC865-BB0F-E82F-D1C5-EDBB8CAD7778}" created="2025-11-05T20:31:52.166">
+    <ac:deMkLst xmlns:ac="http://schemas.microsoft.com/office/drawing/2013/main/command">
+      <pc:docMk xmlns:pc="http://schemas.microsoft.com/office/powerpoint/2013/main/command"/>
+      <pc:sldMk xmlns:pc="http://schemas.microsoft.com/office/powerpoint/2013/main/command" cId="3843686691" sldId="260"/>
+      <ac:spMk id="108" creationId="{533D0FDB-3A16-124A-A3E8-9F0D5D66E933}"/>
+    </ac:deMkLst>
+    <p188:txBody>
+      <a:bodyPr/>
+      <a:lstStyle/>
+      <a:p>
+        <a:r>
+          <a:rPr lang="en-US"/>
+          <a:t>one y hat</a:t>
+        </a:r>
+      </a:p>
+    </p188:txBody>
+  </p188:cm>
+</p188:cmLst>
+</file>
+
 <file path=ppt/notesMasters/notesMaster1.xml><?xml version="1.0" encoding="utf-8"?>
 <p:notesMaster xmlns:a="http://schemas.openxmlformats.org/drawingml/2006/main" xmlns:r="http://schemas.openxmlformats.org/officeDocument/2006/relationships" xmlns:p="http://schemas.openxmlformats.org/presentationml/2006/main">
   <p:cSld>
@@ -213,7 +259,7 @@
           <a:p>
             <a:fld id="{7A664943-7346-AA44-A5C2-408DB183872E}" type="datetimeFigureOut">
               <a:rPr lang="en-US" smtClean="0"/>
-              <a:t>11/4/25</a:t>
+              <a:t>11/5/25</a:t>
             </a:fld>
             <a:endParaRPr lang="en-US"/>
           </a:p>
@@ -1015,7 +1061,7 @@
           <a:p>
             <a:fld id="{846F649D-A33F-1843-8931-9B9B10B3F05C}" type="datetimeFigureOut">
               <a:rPr lang="en-US" smtClean="0"/>
-              <a:t>11/4/25</a:t>
+              <a:t>11/5/25</a:t>
             </a:fld>
             <a:endParaRPr lang="en-US"/>
           </a:p>
@@ -1185,7 +1231,7 @@
           <a:p>
             <a:fld id="{846F649D-A33F-1843-8931-9B9B10B3F05C}" type="datetimeFigureOut">
               <a:rPr lang="en-US" smtClean="0"/>
-              <a:t>11/4/25</a:t>
+              <a:t>11/5/25</a:t>
             </a:fld>
             <a:endParaRPr lang="en-US"/>
           </a:p>
@@ -1365,7 +1411,7 @@
           <a:p>
             <a:fld id="{846F649D-A33F-1843-8931-9B9B10B3F05C}" type="datetimeFigureOut">
               <a:rPr lang="en-US" smtClean="0"/>
-              <a:t>11/4/25</a:t>
+              <a:t>11/5/25</a:t>
             </a:fld>
             <a:endParaRPr lang="en-US"/>
           </a:p>
@@ -1535,7 +1581,7 @@
           <a:p>
             <a:fld id="{846F649D-A33F-1843-8931-9B9B10B3F05C}" type="datetimeFigureOut">
               <a:rPr lang="en-US" smtClean="0"/>
-              <a:t>11/4/25</a:t>
+              <a:t>11/5/25</a:t>
             </a:fld>
             <a:endParaRPr lang="en-US"/>
           </a:p>
@@ -1781,7 +1827,7 @@
           <a:p>
             <a:fld id="{846F649D-A33F-1843-8931-9B9B10B3F05C}" type="datetimeFigureOut">
               <a:rPr lang="en-US" smtClean="0"/>
-              <a:t>11/4/25</a:t>
+              <a:t>11/5/25</a:t>
             </a:fld>
             <a:endParaRPr lang="en-US"/>
           </a:p>
@@ -2013,7 +2059,7 @@
           <a:p>
             <a:fld id="{846F649D-A33F-1843-8931-9B9B10B3F05C}" type="datetimeFigureOut">
               <a:rPr lang="en-US" smtClean="0"/>
-              <a:t>11/4/25</a:t>
+              <a:t>11/5/25</a:t>
             </a:fld>
             <a:endParaRPr lang="en-US"/>
           </a:p>
@@ -2380,7 +2426,7 @@
           <a:p>
             <a:fld id="{846F649D-A33F-1843-8931-9B9B10B3F05C}" type="datetimeFigureOut">
               <a:rPr lang="en-US" smtClean="0"/>
-              <a:t>11/4/25</a:t>
+              <a:t>11/5/25</a:t>
             </a:fld>
             <a:endParaRPr lang="en-US"/>
           </a:p>
@@ -2498,7 +2544,7 @@
           <a:p>
             <a:fld id="{846F649D-A33F-1843-8931-9B9B10B3F05C}" type="datetimeFigureOut">
               <a:rPr lang="en-US" smtClean="0"/>
-              <a:t>11/4/25</a:t>
+              <a:t>11/5/25</a:t>
             </a:fld>
             <a:endParaRPr lang="en-US"/>
           </a:p>
@@ -2593,7 +2639,7 @@
           <a:p>
             <a:fld id="{846F649D-A33F-1843-8931-9B9B10B3F05C}" type="datetimeFigureOut">
               <a:rPr lang="en-US" smtClean="0"/>
-              <a:t>11/4/25</a:t>
+              <a:t>11/5/25</a:t>
             </a:fld>
             <a:endParaRPr lang="en-US"/>
           </a:p>
@@ -2870,7 +2916,7 @@
           <a:p>
             <a:fld id="{846F649D-A33F-1843-8931-9B9B10B3F05C}" type="datetimeFigureOut">
               <a:rPr lang="en-US" smtClean="0"/>
-              <a:t>11/4/25</a:t>
+              <a:t>11/5/25</a:t>
             </a:fld>
             <a:endParaRPr lang="en-US"/>
           </a:p>
@@ -3127,7 +3173,7 @@
           <a:p>
             <a:fld id="{846F649D-A33F-1843-8931-9B9B10B3F05C}" type="datetimeFigureOut">
               <a:rPr lang="en-US" smtClean="0"/>
-              <a:t>11/4/25</a:t>
+              <a:t>11/5/25</a:t>
             </a:fld>
             <a:endParaRPr lang="en-US"/>
           </a:p>
@@ -3340,7 +3386,7 @@
           <a:p>
             <a:fld id="{846F649D-A33F-1843-8931-9B9B10B3F05C}" type="datetimeFigureOut">
               <a:rPr lang="en-US" smtClean="0"/>
-              <a:t>11/4/25</a:t>
+              <a:t>11/5/25</a:t>
             </a:fld>
             <a:endParaRPr lang="en-US"/>
           </a:p>
@@ -14477,7 +14523,7 @@
         </p:nvGrpSpPr>
         <p:grpSpPr>
           <a:xfrm>
-            <a:off x="243904" y="1645976"/>
+            <a:off x="335343" y="1645977"/>
             <a:ext cx="11704192" cy="9783973"/>
             <a:chOff x="243904" y="1645976"/>
             <a:chExt cx="11704192" cy="9783973"/>
@@ -16722,10 +16768,10 @@
             <p:nvPr/>
           </p:nvPicPr>
           <p:blipFill>
-            <a:blip r:embed="rId3">
+            <a:blip r:embed="rId4">
               <a:extLst>
                 <a:ext uri="{96DAC541-7B7A-43D3-8B79-37D633B846F1}">
-                  <asvg:svgBlip xmlns:asvg="http://schemas.microsoft.com/office/drawing/2016/SVG/main" r:embed="rId4"/>
+                  <asvg:svgBlip xmlns:asvg="http://schemas.microsoft.com/office/drawing/2016/SVG/main" r:embed="rId5"/>
                 </a:ext>
               </a:extLst>
             </a:blip>
@@ -16801,10 +16847,10 @@
             <p:nvPr/>
           </p:nvPicPr>
           <p:blipFill>
-            <a:blip r:embed="rId3">
+            <a:blip r:embed="rId4">
               <a:extLst>
                 <a:ext uri="{96DAC541-7B7A-43D3-8B79-37D633B846F1}">
-                  <asvg:svgBlip xmlns:asvg="http://schemas.microsoft.com/office/drawing/2016/SVG/main" r:embed="rId4"/>
+                  <asvg:svgBlip xmlns:asvg="http://schemas.microsoft.com/office/drawing/2016/SVG/main" r:embed="rId5"/>
                 </a:ext>
               </a:extLst>
             </a:blip>
@@ -16837,10 +16883,10 @@
             <p:nvPr/>
           </p:nvPicPr>
           <p:blipFill>
-            <a:blip r:embed="rId3">
+            <a:blip r:embed="rId4">
               <a:extLst>
                 <a:ext uri="{96DAC541-7B7A-43D3-8B79-37D633B846F1}">
-                  <asvg:svgBlip xmlns:asvg="http://schemas.microsoft.com/office/drawing/2016/SVG/main" r:embed="rId4"/>
+                  <asvg:svgBlip xmlns:asvg="http://schemas.microsoft.com/office/drawing/2016/SVG/main" r:embed="rId5"/>
                 </a:ext>
               </a:extLst>
             </a:blip>
@@ -18861,329 +18907,85 @@
             </a:p>
           </p:txBody>
         </p:sp>
-        <p:grpSp>
-          <p:nvGrpSpPr>
-            <p:cNvPr id="107" name="Group 106">
+        <p:sp>
+          <p:nvSpPr>
+            <p:cNvPr id="108" name="Oval 107">
               <a:extLst>
                 <a:ext uri="{FF2B5EF4-FFF2-40B4-BE49-F238E27FC236}">
-                  <a16:creationId xmlns:a16="http://schemas.microsoft.com/office/drawing/2014/main" id="{9506B12E-75A2-4FFF-8787-87718A3EE414}"/>
+                  <a16:creationId xmlns:a16="http://schemas.microsoft.com/office/drawing/2014/main" id="{533D0FDB-3A16-124A-A3E8-9F0D5D66E933}"/>
                 </a:ext>
               </a:extLst>
             </p:cNvPr>
-            <p:cNvGrpSpPr>
-              <a:grpSpLocks/>
-            </p:cNvGrpSpPr>
+            <p:cNvSpPr>
+              <a:spLocks/>
+            </p:cNvSpPr>
             <p:nvPr/>
-          </p:nvGrpSpPr>
-          <p:grpSpPr>
+          </p:nvSpPr>
+          <p:spPr>
             <a:xfrm>
-              <a:off x="9695267" y="6024416"/>
-              <a:ext cx="685800" cy="3638589"/>
-              <a:chOff x="3901464" y="1154139"/>
-              <a:chExt cx="685800" cy="3638589"/>
+              <a:off x="9707833" y="7637159"/>
+              <a:ext cx="685800" cy="685800"/>
             </a:xfrm>
+            <a:prstGeom prst="ellipse">
+              <a:avLst/>
+            </a:prstGeom>
             <a:solidFill>
               <a:srgbClr val="FFFC00"/>
             </a:solidFill>
-          </p:grpSpPr>
-          <p:sp>
-            <p:nvSpPr>
-              <p:cNvPr id="108" name="Oval 107">
-                <a:extLst>
-                  <a:ext uri="{FF2B5EF4-FFF2-40B4-BE49-F238E27FC236}">
-                    <a16:creationId xmlns:a16="http://schemas.microsoft.com/office/drawing/2014/main" id="{533D0FDB-3A16-124A-A3E8-9F0D5D66E933}"/>
-                  </a:ext>
-                </a:extLst>
-              </p:cNvPr>
-              <p:cNvSpPr>
-                <a:spLocks/>
-              </p:cNvSpPr>
-              <p:nvPr/>
-            </p:nvSpPr>
-            <p:spPr>
-              <a:xfrm>
-                <a:off x="3901464" y="1154139"/>
-                <a:ext cx="685800" cy="685800"/>
-              </a:xfrm>
-              <a:prstGeom prst="ellipse">
-                <a:avLst/>
-              </a:prstGeom>
-              <a:grpFill/>
-              <a:ln w="12700">
-                <a:solidFill>
-                  <a:srgbClr val="FFFC00"/>
-                </a:solidFill>
-              </a:ln>
-            </p:spPr>
-            <p:style>
-              <a:lnRef idx="2">
-                <a:schemeClr val="accent1">
-                  <a:shade val="15000"/>
-                </a:schemeClr>
-              </a:lnRef>
-              <a:fillRef idx="1">
-                <a:schemeClr val="accent1"/>
-              </a:fillRef>
-              <a:effectRef idx="0">
-                <a:schemeClr val="accent1"/>
-              </a:effectRef>
-              <a:fontRef idx="minor">
-                <a:schemeClr val="lt1"/>
-              </a:fontRef>
-            </p:style>
-            <p:txBody>
-              <a:bodyPr rtlCol="0" anchor="t"/>
-              <a:lstStyle/>
-              <a:p>
-                <a:pPr algn="ctr"/>
-                <a:r>
-                  <a:rPr lang="en-US" sz="2400" i="1" dirty="0">
-                    <a:solidFill>
-                      <a:schemeClr val="tx1"/>
-                    </a:solidFill>
-                    <a:latin typeface="Helvetica" pitchFamily="2" charset="0"/>
-                  </a:rPr>
-                  <a:t>ŷ</a:t>
-                </a:r>
-                <a:r>
-                  <a:rPr lang="en-US" sz="2400" i="1" baseline="-25000" dirty="0">
-                    <a:solidFill>
-                      <a:schemeClr val="tx1"/>
-                    </a:solidFill>
-                    <a:latin typeface="Helvetica" pitchFamily="2" charset="0"/>
-                  </a:rPr>
-                  <a:t>1</a:t>
-                </a:r>
-                <a:endParaRPr lang="en-US" sz="2400" i="1" dirty="0">
+            <a:ln w="12700">
+              <a:solidFill>
+                <a:srgbClr val="FFFC00"/>
+              </a:solidFill>
+            </a:ln>
+          </p:spPr>
+          <p:style>
+            <a:lnRef idx="2">
+              <a:schemeClr val="accent1">
+                <a:shade val="15000"/>
+              </a:schemeClr>
+            </a:lnRef>
+            <a:fillRef idx="1">
+              <a:schemeClr val="accent1"/>
+            </a:fillRef>
+            <a:effectRef idx="0">
+              <a:schemeClr val="accent1"/>
+            </a:effectRef>
+            <a:fontRef idx="minor">
+              <a:schemeClr val="lt1"/>
+            </a:fontRef>
+          </p:style>
+          <p:txBody>
+            <a:bodyPr rtlCol="0" anchor="t"/>
+            <a:lstStyle/>
+            <a:p>
+              <a:pPr algn="ctr"/>
+              <a:r>
+                <a:rPr lang="en-US" sz="2400" i="1" dirty="0">
                   <a:solidFill>
                     <a:schemeClr val="tx1"/>
                   </a:solidFill>
                   <a:latin typeface="Helvetica" pitchFamily="2" charset="0"/>
-                </a:endParaRPr>
-              </a:p>
-            </p:txBody>
-          </p:sp>
-          <p:sp>
-            <p:nvSpPr>
-              <p:cNvPr id="109" name="Oval 108">
-                <a:extLst>
-                  <a:ext uri="{FF2B5EF4-FFF2-40B4-BE49-F238E27FC236}">
-                    <a16:creationId xmlns:a16="http://schemas.microsoft.com/office/drawing/2014/main" id="{8FBA40A8-63E5-5EA1-61A7-C30691DD74BA}"/>
-                  </a:ext>
-                </a:extLst>
-              </p:cNvPr>
-              <p:cNvSpPr>
-                <a:spLocks/>
-              </p:cNvSpPr>
-              <p:nvPr/>
-            </p:nvSpPr>
-            <p:spPr>
-              <a:xfrm>
-                <a:off x="3901464" y="2138542"/>
-                <a:ext cx="685800" cy="685800"/>
-              </a:xfrm>
-              <a:prstGeom prst="ellipse">
-                <a:avLst/>
-              </a:prstGeom>
-              <a:grpFill/>
-              <a:ln w="12700">
+                </a:rPr>
+                <a:t>ŷ</a:t>
+              </a:r>
+              <a:r>
+                <a:rPr lang="en-US" sz="2400" i="1" baseline="-25000" dirty="0">
+                  <a:solidFill>
+                    <a:schemeClr val="tx1"/>
+                  </a:solidFill>
+                  <a:latin typeface="Helvetica" pitchFamily="2" charset="0"/>
+                </a:rPr>
+                <a:t>1</a:t>
+              </a:r>
+              <a:endParaRPr lang="en-US" sz="2400" i="1" dirty="0">
                 <a:solidFill>
-                  <a:srgbClr val="FFFC00"/>
+                  <a:schemeClr val="tx1"/>
                 </a:solidFill>
-              </a:ln>
-            </p:spPr>
-            <p:style>
-              <a:lnRef idx="2">
-                <a:schemeClr val="accent1">
-                  <a:shade val="15000"/>
-                </a:schemeClr>
-              </a:lnRef>
-              <a:fillRef idx="1">
-                <a:schemeClr val="accent1"/>
-              </a:fillRef>
-              <a:effectRef idx="0">
-                <a:schemeClr val="accent1"/>
-              </a:effectRef>
-              <a:fontRef idx="minor">
-                <a:schemeClr val="lt1"/>
-              </a:fontRef>
-            </p:style>
-            <p:txBody>
-              <a:bodyPr rtlCol="0" anchor="t"/>
-              <a:lstStyle/>
-              <a:p>
-                <a:pPr algn="ctr"/>
-                <a:r>
-                  <a:rPr lang="en-US" sz="2400" i="1" dirty="0">
-                    <a:solidFill>
-                      <a:schemeClr val="tx1"/>
-                    </a:solidFill>
-                    <a:latin typeface="Helvetica" pitchFamily="2" charset="0"/>
-                  </a:rPr>
-                  <a:t>ŷ</a:t>
-                </a:r>
-                <a:r>
-                  <a:rPr lang="en-US" sz="2400" i="1" baseline="-25000" dirty="0">
-                    <a:solidFill>
-                      <a:schemeClr val="tx1"/>
-                    </a:solidFill>
-                    <a:latin typeface="Helvetica" pitchFamily="2" charset="0"/>
-                  </a:rPr>
-                  <a:t>2</a:t>
-                </a:r>
-                <a:endParaRPr lang="en-US" sz="2400" dirty="0">
-                  <a:latin typeface="Helvetica" pitchFamily="2" charset="0"/>
-                </a:endParaRPr>
-              </a:p>
-            </p:txBody>
-          </p:sp>
-          <p:sp>
-            <p:nvSpPr>
-              <p:cNvPr id="110" name="Oval 109">
-                <a:extLst>
-                  <a:ext uri="{FF2B5EF4-FFF2-40B4-BE49-F238E27FC236}">
-                    <a16:creationId xmlns:a16="http://schemas.microsoft.com/office/drawing/2014/main" id="{E177F871-B185-68C2-737F-CCB5EA3D943F}"/>
-                  </a:ext>
-                </a:extLst>
-              </p:cNvPr>
-              <p:cNvSpPr>
-                <a:spLocks/>
-              </p:cNvSpPr>
-              <p:nvPr/>
-            </p:nvSpPr>
-            <p:spPr>
-              <a:xfrm>
-                <a:off x="3901464" y="4106928"/>
-                <a:ext cx="685800" cy="685800"/>
-              </a:xfrm>
-              <a:prstGeom prst="ellipse">
-                <a:avLst/>
-              </a:prstGeom>
-              <a:solidFill>
-                <a:srgbClr val="FFFC00"/>
-              </a:solidFill>
-              <a:ln w="12700">
-                <a:solidFill>
-                  <a:srgbClr val="FFFC00"/>
-                </a:solidFill>
-              </a:ln>
-            </p:spPr>
-            <p:style>
-              <a:lnRef idx="2">
-                <a:schemeClr val="accent1">
-                  <a:shade val="15000"/>
-                </a:schemeClr>
-              </a:lnRef>
-              <a:fillRef idx="1">
-                <a:schemeClr val="accent1"/>
-              </a:fillRef>
-              <a:effectRef idx="0">
-                <a:schemeClr val="accent1"/>
-              </a:effectRef>
-              <a:fontRef idx="minor">
-                <a:schemeClr val="lt1"/>
-              </a:fontRef>
-            </p:style>
-            <p:txBody>
-              <a:bodyPr rtlCol="0" anchor="t"/>
-              <a:lstStyle/>
-              <a:p>
-                <a:pPr algn="ctr"/>
-                <a:r>
-                  <a:rPr lang="en-US" sz="2400" i="1" dirty="0" err="1">
-                    <a:solidFill>
-                      <a:schemeClr val="tx1"/>
-                    </a:solidFill>
-                    <a:latin typeface="Helvetica" pitchFamily="2" charset="0"/>
-                  </a:rPr>
-                  <a:t>ŷ</a:t>
-                </a:r>
-                <a:r>
-                  <a:rPr lang="en-US" sz="2400" i="1" baseline="-25000" dirty="0" err="1">
-                    <a:solidFill>
-                      <a:schemeClr val="tx1"/>
-                    </a:solidFill>
-                    <a:latin typeface="Helvetica" pitchFamily="2" charset="0"/>
-                  </a:rPr>
-                  <a:t>n</a:t>
-                </a:r>
-                <a:endParaRPr lang="en-US" sz="2400" dirty="0">
-                  <a:latin typeface="Helvetica" pitchFamily="2" charset="0"/>
-                </a:endParaRPr>
-              </a:p>
-            </p:txBody>
-          </p:sp>
-          <p:sp>
-            <p:nvSpPr>
-              <p:cNvPr id="111" name="TextBox 110">
-                <a:extLst>
-                  <a:ext uri="{FF2B5EF4-FFF2-40B4-BE49-F238E27FC236}">
-                    <a16:creationId xmlns:a16="http://schemas.microsoft.com/office/drawing/2014/main" id="{F6A43D1D-FA07-42C0-CEC7-984E35E72BCD}"/>
-                  </a:ext>
-                </a:extLst>
-              </p:cNvPr>
-              <p:cNvSpPr txBox="1">
-                <a:spLocks/>
-              </p:cNvSpPr>
-              <p:nvPr/>
-            </p:nvSpPr>
-            <p:spPr>
-              <a:xfrm>
-                <a:off x="4105544" y="3122945"/>
-                <a:ext cx="277640" cy="685380"/>
-              </a:xfrm>
-              <a:prstGeom prst="rect">
-                <a:avLst/>
-              </a:prstGeom>
-              <a:noFill/>
-            </p:spPr>
-            <p:txBody>
-              <a:bodyPr wrap="none" rtlCol="0">
-                <a:spAutoFit/>
-              </a:bodyPr>
-              <a:lstStyle/>
-              <a:p>
-                <a:pPr algn="ctr">
-                  <a:lnSpc>
-                    <a:spcPct val="50000"/>
-                  </a:lnSpc>
-                </a:pPr>
-                <a:r>
-                  <a:rPr lang="en-US" sz="2400" b="1" dirty="0">
-                    <a:latin typeface="Helvetica" pitchFamily="2" charset="0"/>
-                  </a:rPr>
-                  <a:t>.</a:t>
-                </a:r>
-              </a:p>
-              <a:p>
-                <a:pPr algn="ctr">
-                  <a:lnSpc>
-                    <a:spcPct val="50000"/>
-                  </a:lnSpc>
-                </a:pPr>
-                <a:r>
-                  <a:rPr lang="en-US" sz="2400" b="1" dirty="0">
-                    <a:latin typeface="Helvetica" pitchFamily="2" charset="0"/>
-                  </a:rPr>
-                  <a:t>.</a:t>
-                </a:r>
-              </a:p>
-              <a:p>
-                <a:pPr algn="ctr">
-                  <a:lnSpc>
-                    <a:spcPct val="50000"/>
-                  </a:lnSpc>
-                </a:pPr>
-                <a:r>
-                  <a:rPr lang="en-US" sz="2400" b="1" dirty="0">
-                    <a:latin typeface="Helvetica" pitchFamily="2" charset="0"/>
-                  </a:rPr>
-                  <a:t>.</a:t>
-                </a:r>
-              </a:p>
-            </p:txBody>
-          </p:sp>
-        </p:grpSp>
+                <a:latin typeface="Helvetica" pitchFamily="2" charset="0"/>
+              </a:endParaRPr>
+            </a:p>
+          </p:txBody>
+        </p:sp>
         <p:cxnSp>
           <p:nvCxnSpPr>
             <p:cNvPr id="113" name="Straight Arrow Connector 112">
@@ -19628,6 +19430,11 @@
   <p:clrMapOvr>
     <a:masterClrMapping/>
   </p:clrMapOvr>
+  <p:extLst>
+    <p:ext uri="{6950BFC3-D8DA-4A85-94F7-54DA5524770B}">
+      <p188:commentRel xmlns:p188="http://schemas.microsoft.com/office/powerpoint/2018/8/main" r:id="rId3"/>
+    </p:ext>
+  </p:extLst>
 </p:sld>
 </file>
 
